--- a/EDA G2M Insight Cab Investment - Presentation.pptx
+++ b/EDA G2M Insight Cab Investment - Presentation.pptx
@@ -10,10 +10,12 @@
     <p:sldId id="270" r:id="rId4"/>
     <p:sldId id="274" r:id="rId5"/>
     <p:sldId id="273" r:id="rId6"/>
-    <p:sldId id="272" r:id="rId7"/>
-    <p:sldId id="275" r:id="rId8"/>
-    <p:sldId id="269" r:id="rId9"/>
-    <p:sldId id="268" r:id="rId10"/>
+    <p:sldId id="277" r:id="rId7"/>
+    <p:sldId id="272" r:id="rId8"/>
+    <p:sldId id="275" r:id="rId9"/>
+    <p:sldId id="276" r:id="rId10"/>
+    <p:sldId id="269" r:id="rId11"/>
+    <p:sldId id="268" r:id="rId12"/>
   </p:sldIdLst>
   <p:sldSz cx="12192000" cy="6858000"/>
   <p:notesSz cx="6858000" cy="9144000"/>
@@ -3071,6 +3073,235 @@
     <p:extLst>
       <p:ext uri="{BB962C8B-B14F-4D97-AF65-F5344CB8AC3E}">
         <p14:creationId xmlns:p14="http://schemas.microsoft.com/office/powerpoint/2010/main" val="109857222"/>
+      </p:ext>
+    </p:extLst>
+  </p:cSld>
+  <p:clrMapOvr>
+    <a:masterClrMapping/>
+  </p:clrMapOvr>
+</p:sld>
+</file>
+
+<file path=ppt/slides/slide10.xml><?xml version="1.0" encoding="utf-8"?>
+<p:sld xmlns:a="http://schemas.openxmlformats.org/drawingml/2006/main" xmlns:r="http://schemas.openxmlformats.org/officeDocument/2006/relationships" xmlns:p="http://schemas.openxmlformats.org/presentationml/2006/main">
+  <p:cSld>
+    <p:spTree>
+      <p:nvGrpSpPr>
+        <p:cNvPr id="1" name=""/>
+        <p:cNvGrpSpPr/>
+        <p:nvPr/>
+      </p:nvGrpSpPr>
+      <p:grpSpPr>
+        <a:xfrm>
+          <a:off x="0" y="0"/>
+          <a:ext cx="0" cy="0"/>
+          <a:chOff x="0" y="0"/>
+          <a:chExt cx="0" cy="0"/>
+        </a:xfrm>
+      </p:grpSpPr>
+      <p:sp>
+        <p:nvSpPr>
+          <p:cNvPr id="2" name="Title 1">
+            <a:extLst>
+              <a:ext uri="{FF2B5EF4-FFF2-40B4-BE49-F238E27FC236}">
+                <a16:creationId xmlns:a16="http://schemas.microsoft.com/office/drawing/2014/main" id="{C0BB1761-87D5-20A7-1491-7E6FC50B2759}"/>
+              </a:ext>
+            </a:extLst>
+          </p:cNvPr>
+          <p:cNvSpPr>
+            <a:spLocks noGrp="1"/>
+          </p:cNvSpPr>
+          <p:nvPr>
+            <p:ph type="title"/>
+          </p:nvPr>
+        </p:nvSpPr>
+        <p:spPr/>
+        <p:txBody>
+          <a:bodyPr/>
+          <a:lstStyle/>
+          <a:p>
+            <a:endParaRPr lang="en-US"/>
+          </a:p>
+        </p:txBody>
+      </p:sp>
+      <p:sp>
+        <p:nvSpPr>
+          <p:cNvPr id="3" name="Content Placeholder 2">
+            <a:extLst>
+              <a:ext uri="{FF2B5EF4-FFF2-40B4-BE49-F238E27FC236}">
+                <a16:creationId xmlns:a16="http://schemas.microsoft.com/office/drawing/2014/main" id="{A96EC79A-7749-7553-F55F-F4A5C94912A9}"/>
+              </a:ext>
+            </a:extLst>
+          </p:cNvPr>
+          <p:cNvSpPr>
+            <a:spLocks noGrp="1"/>
+          </p:cNvSpPr>
+          <p:nvPr>
+            <p:ph idx="1"/>
+          </p:nvPr>
+        </p:nvSpPr>
+        <p:spPr/>
+        <p:txBody>
+          <a:bodyPr/>
+          <a:lstStyle/>
+          <a:p>
+            <a:endParaRPr lang="en-US"/>
+          </a:p>
+        </p:txBody>
+      </p:sp>
+    </p:spTree>
+    <p:extLst>
+      <p:ext uri="{BB962C8B-B14F-4D97-AF65-F5344CB8AC3E}">
+        <p14:creationId xmlns:p14="http://schemas.microsoft.com/office/powerpoint/2010/main" val="2983162260"/>
+      </p:ext>
+    </p:extLst>
+  </p:cSld>
+  <p:clrMapOvr>
+    <a:masterClrMapping/>
+  </p:clrMapOvr>
+</p:sld>
+</file>
+
+<file path=ppt/slides/slide11.xml><?xml version="1.0" encoding="utf-8"?>
+<p:sld xmlns:a="http://schemas.openxmlformats.org/drawingml/2006/main" xmlns:r="http://schemas.openxmlformats.org/officeDocument/2006/relationships" xmlns:p="http://schemas.openxmlformats.org/presentationml/2006/main">
+  <p:cSld>
+    <p:spTree>
+      <p:nvGrpSpPr>
+        <p:cNvPr id="1" name=""/>
+        <p:cNvGrpSpPr/>
+        <p:nvPr/>
+      </p:nvGrpSpPr>
+      <p:grpSpPr>
+        <a:xfrm>
+          <a:off x="0" y="0"/>
+          <a:ext cx="0" cy="0"/>
+          <a:chOff x="0" y="0"/>
+          <a:chExt cx="0" cy="0"/>
+        </a:xfrm>
+      </p:grpSpPr>
+      <p:sp>
+        <p:nvSpPr>
+          <p:cNvPr id="2" name="Title 1">
+            <a:extLst>
+              <a:ext uri="{FF2B5EF4-FFF2-40B4-BE49-F238E27FC236}">
+                <a16:creationId xmlns:a16="http://schemas.microsoft.com/office/drawing/2014/main" id="{E8B8F26E-9345-4747-9094-972E38700A17}"/>
+              </a:ext>
+            </a:extLst>
+          </p:cNvPr>
+          <p:cNvSpPr>
+            <a:spLocks noGrp="1"/>
+          </p:cNvSpPr>
+          <p:nvPr>
+            <p:ph type="ctrTitle"/>
+          </p:nvPr>
+        </p:nvSpPr>
+        <p:spPr>
+          <a:xfrm rot="5400000">
+            <a:off x="-562431" y="562430"/>
+            <a:ext cx="6858002" cy="5733142"/>
+          </a:xfrm>
+          <a:solidFill>
+            <a:srgbClr val="3B3B3B"/>
+          </a:solidFill>
+        </p:spPr>
+        <p:txBody>
+          <a:bodyPr vert="vert270" anchor="t" anchorCtr="0"/>
+          <a:lstStyle/>
+          <a:p>
+            <a:endParaRPr lang="en-US" b="1" dirty="0">
+              <a:solidFill>
+                <a:srgbClr val="FF6600"/>
+              </a:solidFill>
+            </a:endParaRPr>
+          </a:p>
+        </p:txBody>
+      </p:sp>
+      <p:pic>
+        <p:nvPicPr>
+          <p:cNvPr id="4" name="Picture 3">
+            <a:extLst>
+              <a:ext uri="{FF2B5EF4-FFF2-40B4-BE49-F238E27FC236}">
+                <a16:creationId xmlns:a16="http://schemas.microsoft.com/office/drawing/2014/main" id="{7A465064-0714-5743-882B-8875105A7023}"/>
+              </a:ext>
+            </a:extLst>
+          </p:cNvPr>
+          <p:cNvPicPr>
+            <a:picLocks noChangeAspect="1"/>
+          </p:cNvPicPr>
+          <p:nvPr/>
+        </p:nvPicPr>
+        <p:blipFill>
+          <a:blip r:embed="rId2" cstate="print">
+            <a:extLst>
+              <a:ext uri="{28A0092B-C50C-407E-A947-70E740481C1C}">
+                <a14:useLocalDpi xmlns:a14="http://schemas.microsoft.com/office/drawing/2010/main" val="0"/>
+              </a:ext>
+            </a:extLst>
+          </a:blip>
+          <a:stretch>
+            <a:fillRect/>
+          </a:stretch>
+        </p:blipFill>
+        <p:spPr>
+          <a:xfrm>
+            <a:off x="0" y="5863771"/>
+            <a:ext cx="1654627" cy="994232"/>
+          </a:xfrm>
+          <a:prstGeom prst="rect">
+            <a:avLst/>
+          </a:prstGeom>
+        </p:spPr>
+      </p:pic>
+      <p:sp>
+        <p:nvSpPr>
+          <p:cNvPr id="6" name="Subtitle 5">
+            <a:extLst>
+              <a:ext uri="{FF2B5EF4-FFF2-40B4-BE49-F238E27FC236}">
+                <a16:creationId xmlns:a16="http://schemas.microsoft.com/office/drawing/2014/main" id="{2D4BA697-580E-5544-8F2F-194AD99B859F}"/>
+              </a:ext>
+            </a:extLst>
+          </p:cNvPr>
+          <p:cNvSpPr>
+            <a:spLocks noGrp="1"/>
+          </p:cNvSpPr>
+          <p:nvPr>
+            <p:ph type="subTitle" idx="1"/>
+          </p:nvPr>
+        </p:nvSpPr>
+        <p:spPr>
+          <a:xfrm>
+            <a:off x="5152570" y="2481943"/>
+            <a:ext cx="5558973" cy="1655762"/>
+          </a:xfrm>
+        </p:spPr>
+        <p:txBody>
+          <a:bodyPr>
+            <a:normAutofit/>
+          </a:bodyPr>
+          <a:lstStyle/>
+          <a:p>
+            <a:r>
+              <a:rPr lang="en-US" sz="6600" dirty="0">
+                <a:solidFill>
+                  <a:srgbClr val="FF6600"/>
+                </a:solidFill>
+              </a:rPr>
+              <a:t>Thank You</a:t>
+            </a:r>
+          </a:p>
+          <a:p>
+            <a:endParaRPr lang="en-US" sz="6600" dirty="0">
+              <a:solidFill>
+                <a:srgbClr val="FF6600"/>
+              </a:solidFill>
+            </a:endParaRPr>
+          </a:p>
+        </p:txBody>
+      </p:sp>
+    </p:spTree>
+    <p:extLst>
+      <p:ext uri="{BB962C8B-B14F-4D97-AF65-F5344CB8AC3E}">
+        <p14:creationId xmlns:p14="http://schemas.microsoft.com/office/powerpoint/2010/main" val="116821060"/>
       </p:ext>
     </p:extLst>
   </p:cSld>
@@ -5465,6 +5696,932 @@
                   <a:srgbClr val="FF6600"/>
                 </a:solidFill>
               </a:rPr>
+              <a:t>Customer Count by Company </a:t>
+            </a:r>
+            <a:r>
+              <a:rPr lang="el-GR" b="1" dirty="0">
+                <a:solidFill>
+                  <a:srgbClr val="FF6600"/>
+                </a:solidFill>
+              </a:rPr>
+              <a:t>Δ</a:t>
+            </a:r>
+            <a:r>
+              <a:rPr lang="en-US" b="1" dirty="0">
+                <a:solidFill>
+                  <a:srgbClr val="FF6600"/>
+                </a:solidFill>
+              </a:rPr>
+              <a:t> YoY </a:t>
+            </a:r>
+          </a:p>
+        </p:txBody>
+      </p:sp>
+      <p:pic>
+        <p:nvPicPr>
+          <p:cNvPr id="4" name="Picture 3">
+            <a:extLst>
+              <a:ext uri="{FF2B5EF4-FFF2-40B4-BE49-F238E27FC236}">
+                <a16:creationId xmlns:a16="http://schemas.microsoft.com/office/drawing/2014/main" id="{7A465064-0714-5743-882B-8875105A7023}"/>
+              </a:ext>
+            </a:extLst>
+          </p:cNvPr>
+          <p:cNvPicPr>
+            <a:picLocks noChangeAspect="1"/>
+          </p:cNvPicPr>
+          <p:nvPr/>
+        </p:nvPicPr>
+        <p:blipFill>
+          <a:blip r:embed="rId2" cstate="print">
+            <a:extLst>
+              <a:ext uri="{28A0092B-C50C-407E-A947-70E740481C1C}">
+                <a14:useLocalDpi xmlns:a14="http://schemas.microsoft.com/office/drawing/2010/main" val="0"/>
+              </a:ext>
+            </a:extLst>
+          </a:blip>
+          <a:stretch>
+            <a:fillRect/>
+          </a:stretch>
+        </p:blipFill>
+        <p:spPr>
+          <a:xfrm>
+            <a:off x="0" y="5863771"/>
+            <a:ext cx="1654627" cy="994232"/>
+          </a:xfrm>
+          <a:prstGeom prst="rect">
+            <a:avLst/>
+          </a:prstGeom>
+        </p:spPr>
+      </p:pic>
+      <p:pic>
+        <p:nvPicPr>
+          <p:cNvPr id="3074" name="Picture 2">
+            <a:extLst>
+              <a:ext uri="{FF2B5EF4-FFF2-40B4-BE49-F238E27FC236}">
+                <a16:creationId xmlns:a16="http://schemas.microsoft.com/office/drawing/2014/main" id="{07DD5542-77B9-BFFB-4CAC-05155951AE78}"/>
+              </a:ext>
+            </a:extLst>
+          </p:cNvPr>
+          <p:cNvPicPr>
+            <a:picLocks noChangeAspect="1" noChangeArrowheads="1"/>
+          </p:cNvPicPr>
+          <p:nvPr/>
+        </p:nvPicPr>
+        <p:blipFill>
+          <a:blip r:embed="rId3">
+            <a:extLst>
+              <a:ext uri="{28A0092B-C50C-407E-A947-70E740481C1C}">
+                <a14:useLocalDpi xmlns:a14="http://schemas.microsoft.com/office/drawing/2010/main" val="0"/>
+              </a:ext>
+            </a:extLst>
+          </a:blip>
+          <a:srcRect/>
+          <a:stretch>
+            <a:fillRect/>
+          </a:stretch>
+        </p:blipFill>
+        <p:spPr bwMode="auto">
+          <a:xfrm>
+            <a:off x="212196" y="1157288"/>
+            <a:ext cx="5113337" cy="3724529"/>
+          </a:xfrm>
+          <a:prstGeom prst="rect">
+            <a:avLst/>
+          </a:prstGeom>
+          <a:noFill/>
+          <a:extLst>
+            <a:ext uri="{909E8E84-426E-40DD-AFC4-6F175D3DCCD1}">
+              <a14:hiddenFill xmlns:a14="http://schemas.microsoft.com/office/drawing/2010/main">
+                <a:solidFill>
+                  <a:srgbClr val="FFFFFF"/>
+                </a:solidFill>
+              </a14:hiddenFill>
+            </a:ext>
+          </a:extLst>
+        </p:spPr>
+      </p:pic>
+      <p:graphicFrame>
+        <p:nvGraphicFramePr>
+          <p:cNvPr id="3" name="Table 2">
+            <a:extLst>
+              <a:ext uri="{FF2B5EF4-FFF2-40B4-BE49-F238E27FC236}">
+                <a16:creationId xmlns:a16="http://schemas.microsoft.com/office/drawing/2014/main" id="{BE34ED6B-B2EA-5D61-2FED-95A7349263C2}"/>
+              </a:ext>
+            </a:extLst>
+          </p:cNvPr>
+          <p:cNvGraphicFramePr>
+            <a:graphicFrameLocks noGrp="1"/>
+          </p:cNvGraphicFramePr>
+          <p:nvPr>
+            <p:extLst>
+              <p:ext uri="{D42A27DB-BD31-4B8C-83A1-F6EECF244321}">
+                <p14:modId xmlns:p14="http://schemas.microsoft.com/office/powerpoint/2010/main" val="3621944848"/>
+              </p:ext>
+            </p:extLst>
+          </p:nvPr>
+        </p:nvGraphicFramePr>
+        <p:xfrm>
+          <a:off x="228600" y="4881817"/>
+          <a:ext cx="8932335" cy="1219200"/>
+        </p:xfrm>
+        <a:graphic>
+          <a:graphicData uri="http://schemas.openxmlformats.org/drawingml/2006/table">
+            <a:tbl>
+              <a:tblPr/>
+              <a:tblGrid>
+                <a:gridCol w="1786467">
+                  <a:extLst>
+                    <a:ext uri="{9D8B030D-6E8A-4147-A177-3AD203B41FA5}">
+                      <a16:colId xmlns:a16="http://schemas.microsoft.com/office/drawing/2014/main" val="1374289270"/>
+                    </a:ext>
+                  </a:extLst>
+                </a:gridCol>
+                <a:gridCol w="1786467">
+                  <a:extLst>
+                    <a:ext uri="{9D8B030D-6E8A-4147-A177-3AD203B41FA5}">
+                      <a16:colId xmlns:a16="http://schemas.microsoft.com/office/drawing/2014/main" val="2080729170"/>
+                    </a:ext>
+                  </a:extLst>
+                </a:gridCol>
+                <a:gridCol w="1786467">
+                  <a:extLst>
+                    <a:ext uri="{9D8B030D-6E8A-4147-A177-3AD203B41FA5}">
+                      <a16:colId xmlns:a16="http://schemas.microsoft.com/office/drawing/2014/main" val="3357674893"/>
+                    </a:ext>
+                  </a:extLst>
+                </a:gridCol>
+                <a:gridCol w="1786467">
+                  <a:extLst>
+                    <a:ext uri="{9D8B030D-6E8A-4147-A177-3AD203B41FA5}">
+                      <a16:colId xmlns:a16="http://schemas.microsoft.com/office/drawing/2014/main" val="125299501"/>
+                    </a:ext>
+                  </a:extLst>
+                </a:gridCol>
+                <a:gridCol w="1786467">
+                  <a:extLst>
+                    <a:ext uri="{9D8B030D-6E8A-4147-A177-3AD203B41FA5}">
+                      <a16:colId xmlns:a16="http://schemas.microsoft.com/office/drawing/2014/main" val="3729611917"/>
+                    </a:ext>
+                  </a:extLst>
+                </a:gridCol>
+              </a:tblGrid>
+              <a:tr h="0">
+                <a:tc>
+                  <a:txBody>
+                    <a:bodyPr/>
+                    <a:lstStyle/>
+                    <a:p>
+                      <a:pPr algn="r" fontAlgn="ctr"/>
+                      <a:r>
+                        <a:rPr lang="en-US" sz="1400" b="1" dirty="0">
+                          <a:effectLst/>
+                        </a:rPr>
+                        <a:t>Year</a:t>
+                      </a:r>
+                    </a:p>
+                  </a:txBody>
+                  <a:tcPr anchor="ctr">
+                    <a:lnL>
+                      <a:noFill/>
+                    </a:lnL>
+                    <a:lnR>
+                      <a:noFill/>
+                    </a:lnR>
+                    <a:lnT>
+                      <a:noFill/>
+                    </a:lnT>
+                    <a:lnB>
+                      <a:noFill/>
+                    </a:lnB>
+                  </a:tcPr>
+                </a:tc>
+                <a:tc>
+                  <a:txBody>
+                    <a:bodyPr/>
+                    <a:lstStyle/>
+                    <a:p>
+                      <a:pPr algn="r" fontAlgn="ctr"/>
+                      <a:r>
+                        <a:rPr lang="en-US" sz="1400" b="1">
+                          <a:effectLst/>
+                        </a:rPr>
+                        <a:t>Pink Cab</a:t>
+                      </a:r>
+                    </a:p>
+                  </a:txBody>
+                  <a:tcPr anchor="ctr">
+                    <a:lnL>
+                      <a:noFill/>
+                    </a:lnL>
+                    <a:lnR>
+                      <a:noFill/>
+                    </a:lnR>
+                    <a:lnT>
+                      <a:noFill/>
+                    </a:lnT>
+                    <a:lnB>
+                      <a:noFill/>
+                    </a:lnB>
+                  </a:tcPr>
+                </a:tc>
+                <a:tc>
+                  <a:txBody>
+                    <a:bodyPr/>
+                    <a:lstStyle/>
+                    <a:p>
+                      <a:pPr algn="r" fontAlgn="ctr"/>
+                      <a:r>
+                        <a:rPr lang="en-US" sz="1400" b="1">
+                          <a:effectLst/>
+                        </a:rPr>
+                        <a:t>Yellow Cab</a:t>
+                      </a:r>
+                    </a:p>
+                  </a:txBody>
+                  <a:tcPr anchor="ctr">
+                    <a:lnL>
+                      <a:noFill/>
+                    </a:lnL>
+                    <a:lnR>
+                      <a:noFill/>
+                    </a:lnR>
+                    <a:lnT>
+                      <a:noFill/>
+                    </a:lnT>
+                    <a:lnB>
+                      <a:noFill/>
+                    </a:lnB>
+                  </a:tcPr>
+                </a:tc>
+                <a:tc>
+                  <a:txBody>
+                    <a:bodyPr/>
+                    <a:lstStyle/>
+                    <a:p>
+                      <a:pPr algn="r" fontAlgn="ctr"/>
+                      <a:r>
+                        <a:rPr lang="en-US" sz="1400" b="1" dirty="0">
+                          <a:effectLst/>
+                        </a:rPr>
+                        <a:t>Pink_Cab_Change</a:t>
+                      </a:r>
+                    </a:p>
+                  </a:txBody>
+                  <a:tcPr anchor="ctr">
+                    <a:lnL>
+                      <a:noFill/>
+                    </a:lnL>
+                    <a:lnR>
+                      <a:noFill/>
+                    </a:lnR>
+                    <a:lnT>
+                      <a:noFill/>
+                    </a:lnT>
+                    <a:lnB>
+                      <a:noFill/>
+                    </a:lnB>
+                  </a:tcPr>
+                </a:tc>
+                <a:tc>
+                  <a:txBody>
+                    <a:bodyPr/>
+                    <a:lstStyle/>
+                    <a:p>
+                      <a:pPr algn="r" fontAlgn="ctr"/>
+                      <a:r>
+                        <a:rPr lang="en-US" sz="1400" b="1">
+                          <a:effectLst/>
+                        </a:rPr>
+                        <a:t>Yellow_Cab_Change</a:t>
+                      </a:r>
+                    </a:p>
+                  </a:txBody>
+                  <a:tcPr anchor="ctr">
+                    <a:lnL>
+                      <a:noFill/>
+                    </a:lnL>
+                    <a:lnR>
+                      <a:noFill/>
+                    </a:lnR>
+                    <a:lnT>
+                      <a:noFill/>
+                    </a:lnT>
+                    <a:lnB>
+                      <a:noFill/>
+                    </a:lnB>
+                  </a:tcPr>
+                </a:tc>
+                <a:extLst>
+                  <a:ext uri="{0D108BD9-81ED-4DB2-BD59-A6C34878D82A}">
+                    <a16:rowId xmlns:a16="http://schemas.microsoft.com/office/drawing/2014/main" val="1223315364"/>
+                  </a:ext>
+                </a:extLst>
+              </a:tr>
+              <a:tr h="0">
+                <a:tc>
+                  <a:txBody>
+                    <a:bodyPr/>
+                    <a:lstStyle/>
+                    <a:p>
+                      <a:pPr algn="r" fontAlgn="ctr"/>
+                      <a:r>
+                        <a:rPr lang="en-US" sz="1400">
+                          <a:effectLst/>
+                        </a:rPr>
+                        <a:t>2016</a:t>
+                      </a:r>
+                    </a:p>
+                  </a:txBody>
+                  <a:tcPr anchor="ctr">
+                    <a:lnL>
+                      <a:noFill/>
+                    </a:lnL>
+                    <a:lnR>
+                      <a:noFill/>
+                    </a:lnR>
+                    <a:lnT>
+                      <a:noFill/>
+                    </a:lnT>
+                    <a:lnB>
+                      <a:noFill/>
+                    </a:lnB>
+                    <a:solidFill>
+                      <a:srgbClr val="F5F5F5"/>
+                    </a:solidFill>
+                  </a:tcPr>
+                </a:tc>
+                <a:tc>
+                  <a:txBody>
+                    <a:bodyPr/>
+                    <a:lstStyle/>
+                    <a:p>
+                      <a:pPr algn="r" fontAlgn="ctr"/>
+                      <a:r>
+                        <a:rPr lang="en-US" sz="1400">
+                          <a:effectLst/>
+                        </a:rPr>
+                        <a:t>25080</a:t>
+                      </a:r>
+                    </a:p>
+                  </a:txBody>
+                  <a:tcPr anchor="ctr">
+                    <a:lnL>
+                      <a:noFill/>
+                    </a:lnL>
+                    <a:lnR>
+                      <a:noFill/>
+                    </a:lnR>
+                    <a:lnT>
+                      <a:noFill/>
+                    </a:lnT>
+                    <a:lnB>
+                      <a:noFill/>
+                    </a:lnB>
+                    <a:solidFill>
+                      <a:srgbClr val="F5F5F5"/>
+                    </a:solidFill>
+                  </a:tcPr>
+                </a:tc>
+                <a:tc>
+                  <a:txBody>
+                    <a:bodyPr/>
+                    <a:lstStyle/>
+                    <a:p>
+                      <a:pPr algn="r" fontAlgn="ctr"/>
+                      <a:r>
+                        <a:rPr lang="en-US" sz="1400">
+                          <a:effectLst/>
+                        </a:rPr>
+                        <a:t>82239</a:t>
+                      </a:r>
+                    </a:p>
+                  </a:txBody>
+                  <a:tcPr anchor="ctr">
+                    <a:lnL>
+                      <a:noFill/>
+                    </a:lnL>
+                    <a:lnR>
+                      <a:noFill/>
+                    </a:lnR>
+                    <a:lnT>
+                      <a:noFill/>
+                    </a:lnT>
+                    <a:lnB>
+                      <a:noFill/>
+                    </a:lnB>
+                    <a:solidFill>
+                      <a:srgbClr val="F5F5F5"/>
+                    </a:solidFill>
+                  </a:tcPr>
+                </a:tc>
+                <a:tc>
+                  <a:txBody>
+                    <a:bodyPr/>
+                    <a:lstStyle/>
+                    <a:p>
+                      <a:pPr algn="r" fontAlgn="ctr"/>
+                      <a:r>
+                        <a:rPr lang="en-US" sz="1400">
+                          <a:effectLst/>
+                        </a:rPr>
+                        <a:t>0.00</a:t>
+                      </a:r>
+                    </a:p>
+                  </a:txBody>
+                  <a:tcPr anchor="ctr">
+                    <a:lnL>
+                      <a:noFill/>
+                    </a:lnL>
+                    <a:lnR>
+                      <a:noFill/>
+                    </a:lnR>
+                    <a:lnT>
+                      <a:noFill/>
+                    </a:lnT>
+                    <a:lnB>
+                      <a:noFill/>
+                    </a:lnB>
+                    <a:solidFill>
+                      <a:srgbClr val="F5F5F5"/>
+                    </a:solidFill>
+                  </a:tcPr>
+                </a:tc>
+                <a:tc>
+                  <a:txBody>
+                    <a:bodyPr/>
+                    <a:lstStyle/>
+                    <a:p>
+                      <a:pPr algn="r" fontAlgn="ctr"/>
+                      <a:r>
+                        <a:rPr lang="en-US" sz="1400">
+                          <a:effectLst/>
+                        </a:rPr>
+                        <a:t>0.00</a:t>
+                      </a:r>
+                    </a:p>
+                  </a:txBody>
+                  <a:tcPr anchor="ctr">
+                    <a:lnL>
+                      <a:noFill/>
+                    </a:lnL>
+                    <a:lnR>
+                      <a:noFill/>
+                    </a:lnR>
+                    <a:lnT>
+                      <a:noFill/>
+                    </a:lnT>
+                    <a:lnB>
+                      <a:noFill/>
+                    </a:lnB>
+                    <a:solidFill>
+                      <a:srgbClr val="F5F5F5"/>
+                    </a:solidFill>
+                  </a:tcPr>
+                </a:tc>
+                <a:extLst>
+                  <a:ext uri="{0D108BD9-81ED-4DB2-BD59-A6C34878D82A}">
+                    <a16:rowId xmlns:a16="http://schemas.microsoft.com/office/drawing/2014/main" val="3040852957"/>
+                  </a:ext>
+                </a:extLst>
+              </a:tr>
+              <a:tr h="0">
+                <a:tc>
+                  <a:txBody>
+                    <a:bodyPr/>
+                    <a:lstStyle/>
+                    <a:p>
+                      <a:pPr algn="r" fontAlgn="ctr"/>
+                      <a:r>
+                        <a:rPr lang="en-US" sz="1400">
+                          <a:effectLst/>
+                        </a:rPr>
+                        <a:t>2017</a:t>
+                      </a:r>
+                    </a:p>
+                  </a:txBody>
+                  <a:tcPr anchor="ctr">
+                    <a:lnL>
+                      <a:noFill/>
+                    </a:lnL>
+                    <a:lnR>
+                      <a:noFill/>
+                    </a:lnR>
+                    <a:lnT>
+                      <a:noFill/>
+                    </a:lnT>
+                    <a:lnB>
+                      <a:noFill/>
+                    </a:lnB>
+                  </a:tcPr>
+                </a:tc>
+                <a:tc>
+                  <a:txBody>
+                    <a:bodyPr/>
+                    <a:lstStyle/>
+                    <a:p>
+                      <a:pPr algn="r" fontAlgn="ctr"/>
+                      <a:r>
+                        <a:rPr lang="en-US" sz="1400">
+                          <a:effectLst/>
+                        </a:rPr>
+                        <a:t>30321</a:t>
+                      </a:r>
+                    </a:p>
+                  </a:txBody>
+                  <a:tcPr anchor="ctr">
+                    <a:lnL>
+                      <a:noFill/>
+                    </a:lnL>
+                    <a:lnR>
+                      <a:noFill/>
+                    </a:lnR>
+                    <a:lnT>
+                      <a:noFill/>
+                    </a:lnT>
+                    <a:lnB>
+                      <a:noFill/>
+                    </a:lnB>
+                  </a:tcPr>
+                </a:tc>
+                <a:tc>
+                  <a:txBody>
+                    <a:bodyPr/>
+                    <a:lstStyle/>
+                    <a:p>
+                      <a:pPr algn="r" fontAlgn="ctr"/>
+                      <a:r>
+                        <a:rPr lang="en-US" sz="1400">
+                          <a:effectLst/>
+                        </a:rPr>
+                        <a:t>98189</a:t>
+                      </a:r>
+                    </a:p>
+                  </a:txBody>
+                  <a:tcPr anchor="ctr">
+                    <a:lnL>
+                      <a:noFill/>
+                    </a:lnL>
+                    <a:lnR>
+                      <a:noFill/>
+                    </a:lnR>
+                    <a:lnT>
+                      <a:noFill/>
+                    </a:lnT>
+                    <a:lnB>
+                      <a:noFill/>
+                    </a:lnB>
+                  </a:tcPr>
+                </a:tc>
+                <a:tc>
+                  <a:txBody>
+                    <a:bodyPr/>
+                    <a:lstStyle/>
+                    <a:p>
+                      <a:pPr algn="r" fontAlgn="ctr"/>
+                      <a:r>
+                        <a:rPr lang="en-US" sz="1400">
+                          <a:effectLst/>
+                        </a:rPr>
+                        <a:t>20.90</a:t>
+                      </a:r>
+                    </a:p>
+                  </a:txBody>
+                  <a:tcPr anchor="ctr">
+                    <a:lnL>
+                      <a:noFill/>
+                    </a:lnL>
+                    <a:lnR>
+                      <a:noFill/>
+                    </a:lnR>
+                    <a:lnT>
+                      <a:noFill/>
+                    </a:lnT>
+                    <a:lnB>
+                      <a:noFill/>
+                    </a:lnB>
+                  </a:tcPr>
+                </a:tc>
+                <a:tc>
+                  <a:txBody>
+                    <a:bodyPr/>
+                    <a:lstStyle/>
+                    <a:p>
+                      <a:pPr algn="r" fontAlgn="ctr"/>
+                      <a:r>
+                        <a:rPr lang="en-US" sz="1400">
+                          <a:effectLst/>
+                        </a:rPr>
+                        <a:t>19.39</a:t>
+                      </a:r>
+                    </a:p>
+                  </a:txBody>
+                  <a:tcPr anchor="ctr">
+                    <a:lnL>
+                      <a:noFill/>
+                    </a:lnL>
+                    <a:lnR>
+                      <a:noFill/>
+                    </a:lnR>
+                    <a:lnT>
+                      <a:noFill/>
+                    </a:lnT>
+                    <a:lnB>
+                      <a:noFill/>
+                    </a:lnB>
+                  </a:tcPr>
+                </a:tc>
+                <a:extLst>
+                  <a:ext uri="{0D108BD9-81ED-4DB2-BD59-A6C34878D82A}">
+                    <a16:rowId xmlns:a16="http://schemas.microsoft.com/office/drawing/2014/main" val="680720855"/>
+                  </a:ext>
+                </a:extLst>
+              </a:tr>
+              <a:tr h="0">
+                <a:tc>
+                  <a:txBody>
+                    <a:bodyPr/>
+                    <a:lstStyle/>
+                    <a:p>
+                      <a:pPr algn="r" fontAlgn="ctr"/>
+                      <a:r>
+                        <a:rPr lang="en-US" sz="1400" dirty="0">
+                          <a:effectLst/>
+                        </a:rPr>
+                        <a:t>2018</a:t>
+                      </a:r>
+                    </a:p>
+                  </a:txBody>
+                  <a:tcPr anchor="ctr">
+                    <a:lnL>
+                      <a:noFill/>
+                    </a:lnL>
+                    <a:lnR>
+                      <a:noFill/>
+                    </a:lnR>
+                    <a:lnT>
+                      <a:noFill/>
+                    </a:lnT>
+                    <a:lnB>
+                      <a:noFill/>
+                    </a:lnB>
+                    <a:solidFill>
+                      <a:srgbClr val="F5F5F5"/>
+                    </a:solidFill>
+                  </a:tcPr>
+                </a:tc>
+                <a:tc>
+                  <a:txBody>
+                    <a:bodyPr/>
+                    <a:lstStyle/>
+                    <a:p>
+                      <a:pPr algn="r" fontAlgn="ctr"/>
+                      <a:r>
+                        <a:rPr lang="en-US" sz="1400">
+                          <a:effectLst/>
+                        </a:rPr>
+                        <a:t>29310</a:t>
+                      </a:r>
+                    </a:p>
+                  </a:txBody>
+                  <a:tcPr anchor="ctr">
+                    <a:lnL>
+                      <a:noFill/>
+                    </a:lnL>
+                    <a:lnR>
+                      <a:noFill/>
+                    </a:lnR>
+                    <a:lnT>
+                      <a:noFill/>
+                    </a:lnT>
+                    <a:lnB>
+                      <a:noFill/>
+                    </a:lnB>
+                    <a:solidFill>
+                      <a:srgbClr val="F5F5F5"/>
+                    </a:solidFill>
+                  </a:tcPr>
+                </a:tc>
+                <a:tc>
+                  <a:txBody>
+                    <a:bodyPr/>
+                    <a:lstStyle/>
+                    <a:p>
+                      <a:pPr algn="r" fontAlgn="ctr"/>
+                      <a:r>
+                        <a:rPr lang="en-US" sz="1400">
+                          <a:effectLst/>
+                        </a:rPr>
+                        <a:t>94253</a:t>
+                      </a:r>
+                    </a:p>
+                  </a:txBody>
+                  <a:tcPr anchor="ctr">
+                    <a:lnL>
+                      <a:noFill/>
+                    </a:lnL>
+                    <a:lnR>
+                      <a:noFill/>
+                    </a:lnR>
+                    <a:lnT>
+                      <a:noFill/>
+                    </a:lnT>
+                    <a:lnB>
+                      <a:noFill/>
+                    </a:lnB>
+                    <a:solidFill>
+                      <a:srgbClr val="F5F5F5"/>
+                    </a:solidFill>
+                  </a:tcPr>
+                </a:tc>
+                <a:tc>
+                  <a:txBody>
+                    <a:bodyPr/>
+                    <a:lstStyle/>
+                    <a:p>
+                      <a:pPr algn="r" fontAlgn="ctr"/>
+                      <a:r>
+                        <a:rPr lang="en-US" sz="1400">
+                          <a:effectLst/>
+                        </a:rPr>
+                        <a:t>-3.33</a:t>
+                      </a:r>
+                    </a:p>
+                  </a:txBody>
+                  <a:tcPr anchor="ctr">
+                    <a:lnL>
+                      <a:noFill/>
+                    </a:lnL>
+                    <a:lnR>
+                      <a:noFill/>
+                    </a:lnR>
+                    <a:lnT>
+                      <a:noFill/>
+                    </a:lnT>
+                    <a:lnB>
+                      <a:noFill/>
+                    </a:lnB>
+                    <a:solidFill>
+                      <a:srgbClr val="F5F5F5"/>
+                    </a:solidFill>
+                  </a:tcPr>
+                </a:tc>
+                <a:tc>
+                  <a:txBody>
+                    <a:bodyPr/>
+                    <a:lstStyle/>
+                    <a:p>
+                      <a:pPr algn="r" fontAlgn="ctr"/>
+                      <a:r>
+                        <a:rPr lang="en-US" sz="1400" dirty="0">
+                          <a:effectLst/>
+                        </a:rPr>
+                        <a:t>-4.01</a:t>
+                      </a:r>
+                    </a:p>
+                  </a:txBody>
+                  <a:tcPr anchor="ctr">
+                    <a:lnL>
+                      <a:noFill/>
+                    </a:lnL>
+                    <a:lnR>
+                      <a:noFill/>
+                    </a:lnR>
+                    <a:lnT>
+                      <a:noFill/>
+                    </a:lnT>
+                    <a:lnB>
+                      <a:noFill/>
+                    </a:lnB>
+                    <a:solidFill>
+                      <a:srgbClr val="F5F5F5"/>
+                    </a:solidFill>
+                  </a:tcPr>
+                </a:tc>
+                <a:extLst>
+                  <a:ext uri="{0D108BD9-81ED-4DB2-BD59-A6C34878D82A}">
+                    <a16:rowId xmlns:a16="http://schemas.microsoft.com/office/drawing/2014/main" val="3630071710"/>
+                  </a:ext>
+                </a:extLst>
+              </a:tr>
+            </a:tbl>
+          </a:graphicData>
+        </a:graphic>
+      </p:graphicFrame>
+      <p:pic>
+        <p:nvPicPr>
+          <p:cNvPr id="3076" name="Picture 4">
+            <a:extLst>
+              <a:ext uri="{FF2B5EF4-FFF2-40B4-BE49-F238E27FC236}">
+                <a16:creationId xmlns:a16="http://schemas.microsoft.com/office/drawing/2014/main" id="{ACE31D8C-3C11-2B19-767D-FCEAA922C2B1}"/>
+              </a:ext>
+            </a:extLst>
+          </p:cNvPr>
+          <p:cNvPicPr>
+            <a:picLocks noChangeAspect="1" noChangeArrowheads="1"/>
+          </p:cNvPicPr>
+          <p:nvPr/>
+        </p:nvPicPr>
+        <p:blipFill>
+          <a:blip r:embed="rId4">
+            <a:extLst>
+              <a:ext uri="{28A0092B-C50C-407E-A947-70E740481C1C}">
+                <a14:useLocalDpi xmlns:a14="http://schemas.microsoft.com/office/drawing/2010/main" val="0"/>
+              </a:ext>
+            </a:extLst>
+          </a:blip>
+          <a:srcRect/>
+          <a:stretch>
+            <a:fillRect/>
+          </a:stretch>
+        </p:blipFill>
+        <p:spPr bwMode="auto">
+          <a:xfrm>
+            <a:off x="6358466" y="1075887"/>
+            <a:ext cx="4953000" cy="3573105"/>
+          </a:xfrm>
+          <a:prstGeom prst="rect">
+            <a:avLst/>
+          </a:prstGeom>
+          <a:noFill/>
+          <a:extLst>
+            <a:ext uri="{909E8E84-426E-40DD-AFC4-6F175D3DCCD1}">
+              <a14:hiddenFill xmlns:a14="http://schemas.microsoft.com/office/drawing/2010/main">
+                <a:solidFill>
+                  <a:srgbClr val="FFFFFF"/>
+                </a:solidFill>
+              </a14:hiddenFill>
+            </a:ext>
+          </a:extLst>
+        </p:spPr>
+      </p:pic>
+    </p:spTree>
+    <p:extLst>
+      <p:ext uri="{BB962C8B-B14F-4D97-AF65-F5344CB8AC3E}">
+        <p14:creationId xmlns:p14="http://schemas.microsoft.com/office/powerpoint/2010/main" val="160758003"/>
+      </p:ext>
+    </p:extLst>
+  </p:cSld>
+  <p:clrMapOvr>
+    <a:masterClrMapping/>
+  </p:clrMapOvr>
+</p:sld>
+</file>
+
+<file path=ppt/slides/slide7.xml><?xml version="1.0" encoding="utf-8"?>
+<p:sld xmlns:a="http://schemas.openxmlformats.org/drawingml/2006/main" xmlns:r="http://schemas.openxmlformats.org/officeDocument/2006/relationships" xmlns:p="http://schemas.openxmlformats.org/presentationml/2006/main">
+  <p:cSld>
+    <p:spTree>
+      <p:nvGrpSpPr>
+        <p:cNvPr id="1" name=""/>
+        <p:cNvGrpSpPr/>
+        <p:nvPr/>
+      </p:nvGrpSpPr>
+      <p:grpSpPr>
+        <a:xfrm>
+          <a:off x="0" y="0"/>
+          <a:ext cx="0" cy="0"/>
+          <a:chOff x="0" y="0"/>
+          <a:chExt cx="0" cy="0"/>
+        </a:xfrm>
+      </p:grpSpPr>
+      <p:sp>
+        <p:nvSpPr>
+          <p:cNvPr id="2" name="Title 1">
+            <a:extLst>
+              <a:ext uri="{FF2B5EF4-FFF2-40B4-BE49-F238E27FC236}">
+                <a16:creationId xmlns:a16="http://schemas.microsoft.com/office/drawing/2014/main" id="{E8B8F26E-9345-4747-9094-972E38700A17}"/>
+              </a:ext>
+            </a:extLst>
+          </p:cNvPr>
+          <p:cNvSpPr>
+            <a:spLocks noGrp="1"/>
+          </p:cNvSpPr>
+          <p:nvPr>
+            <p:ph type="ctrTitle"/>
+          </p:nvPr>
+        </p:nvSpPr>
+        <p:spPr>
+          <a:xfrm rot="5400000">
+            <a:off x="5598884" y="-5598884"/>
+            <a:ext cx="994232" cy="12192000"/>
+          </a:xfrm>
+          <a:solidFill>
+            <a:srgbClr val="3B3B3B"/>
+          </a:solidFill>
+        </p:spPr>
+        <p:txBody>
+          <a:bodyPr vert="vert270" tIns="274320" rIns="91440" bIns="274320" anchor="t" anchorCtr="0">
+            <a:normAutofit fontScale="90000"/>
+          </a:bodyPr>
+          <a:lstStyle/>
+          <a:p>
+            <a:pPr algn="l"/>
+            <a:r>
+              <a:rPr lang="en-US" b="1" dirty="0">
+                <a:solidFill>
+                  <a:srgbClr val="FF6600"/>
+                </a:solidFill>
+              </a:rPr>
               <a:t>Customer by Gender</a:t>
             </a:r>
           </a:p>
@@ -5536,7 +6693,7 @@
         <p:spPr bwMode="auto">
           <a:xfrm>
             <a:off x="274091" y="1395414"/>
-            <a:ext cx="4207622" cy="3168703"/>
+            <a:ext cx="4585776" cy="3453486"/>
           </a:xfrm>
           <a:prstGeom prst="rect">
             <a:avLst/>
@@ -5582,8 +6739,8 @@
         </p:blipFill>
         <p:spPr bwMode="auto">
           <a:xfrm>
-            <a:off x="4816694" y="1218543"/>
-            <a:ext cx="4133581" cy="3345574"/>
+            <a:off x="5955697" y="1281578"/>
+            <a:ext cx="4513573" cy="3653126"/>
           </a:xfrm>
           <a:prstGeom prst="rect">
             <a:avLst/>
@@ -5615,13 +6772,13 @@
           <p:nvPr>
             <p:extLst>
               <p:ext uri="{D42A27DB-BD31-4B8C-83A1-F6EECF244321}">
-                <p14:modId xmlns:p14="http://schemas.microsoft.com/office/powerpoint/2010/main" val="1414926975"/>
+                <p14:modId xmlns:p14="http://schemas.microsoft.com/office/powerpoint/2010/main" val="4040438483"/>
               </p:ext>
             </p:extLst>
           </p:nvPr>
         </p:nvGraphicFramePr>
         <p:xfrm>
-          <a:off x="143620" y="4788428"/>
+          <a:off x="274091" y="4922608"/>
           <a:ext cx="8676186" cy="1095698"/>
         </p:xfrm>
         <a:graphic>
@@ -5825,7 +6982,7 @@
                     <a:p>
                       <a:pPr algn="r" fontAlgn="ctr"/>
                       <a:r>
-                        <a:rPr lang="en-US" sz="1600" b="1">
+                        <a:rPr lang="en-US" sz="1600" b="1" dirty="0">
                           <a:effectLst/>
                         </a:rPr>
                         <a:t>Difference</a:t>
@@ -6232,7 +7389,7 @@
 </p:sld>
 </file>
 
-<file path=ppt/slides/slide7.xml><?xml version="1.0" encoding="utf-8"?>
+<file path=ppt/slides/slide8.xml><?xml version="1.0" encoding="utf-8"?>
 <p:sld xmlns:a="http://schemas.openxmlformats.org/drawingml/2006/main" xmlns:r="http://schemas.openxmlformats.org/officeDocument/2006/relationships" xmlns:p="http://schemas.openxmlformats.org/presentationml/2006/main">
   <p:cSld>
     <p:spTree>
@@ -6357,8 +7514,762 @@
         </p:blipFill>
         <p:spPr bwMode="auto">
           <a:xfrm>
-            <a:off x="0" y="1188491"/>
-            <a:ext cx="5248275" cy="3724275"/>
+            <a:off x="6096001" y="1196959"/>
+            <a:ext cx="5151162" cy="3655362"/>
+          </a:xfrm>
+          <a:prstGeom prst="rect">
+            <a:avLst/>
+          </a:prstGeom>
+          <a:noFill/>
+          <a:extLst>
+            <a:ext uri="{909E8E84-426E-40DD-AFC4-6F175D3DCCD1}">
+              <a14:hiddenFill xmlns:a14="http://schemas.microsoft.com/office/drawing/2010/main">
+                <a:solidFill>
+                  <a:srgbClr val="FFFFFF"/>
+                </a:solidFill>
+              </a14:hiddenFill>
+            </a:ext>
+          </a:extLst>
+        </p:spPr>
+      </p:pic>
+      <p:graphicFrame>
+        <p:nvGraphicFramePr>
+          <p:cNvPr id="3" name="Table 2">
+            <a:extLst>
+              <a:ext uri="{FF2B5EF4-FFF2-40B4-BE49-F238E27FC236}">
+                <a16:creationId xmlns:a16="http://schemas.microsoft.com/office/drawing/2014/main" id="{570B6AFD-E6AB-83DF-E0A4-0F40970527D8}"/>
+              </a:ext>
+            </a:extLst>
+          </p:cNvPr>
+          <p:cNvGraphicFramePr>
+            <a:graphicFrameLocks noGrp="1"/>
+          </p:cNvGraphicFramePr>
+          <p:nvPr>
+            <p:extLst>
+              <p:ext uri="{D42A27DB-BD31-4B8C-83A1-F6EECF244321}">
+                <p14:modId xmlns:p14="http://schemas.microsoft.com/office/powerpoint/2010/main" val="3571089865"/>
+              </p:ext>
+            </p:extLst>
+          </p:nvPr>
+        </p:nvGraphicFramePr>
+        <p:xfrm>
+          <a:off x="67731" y="4888299"/>
+          <a:ext cx="9643535" cy="1346582"/>
+        </p:xfrm>
+        <a:graphic>
+          <a:graphicData uri="http://schemas.openxmlformats.org/drawingml/2006/table">
+            <a:tbl>
+              <a:tblPr/>
+              <a:tblGrid>
+                <a:gridCol w="1928707">
+                  <a:extLst>
+                    <a:ext uri="{9D8B030D-6E8A-4147-A177-3AD203B41FA5}">
+                      <a16:colId xmlns:a16="http://schemas.microsoft.com/office/drawing/2014/main" val="470240492"/>
+                    </a:ext>
+                  </a:extLst>
+                </a:gridCol>
+                <a:gridCol w="1928707">
+                  <a:extLst>
+                    <a:ext uri="{9D8B030D-6E8A-4147-A177-3AD203B41FA5}">
+                      <a16:colId xmlns:a16="http://schemas.microsoft.com/office/drawing/2014/main" val="1779825436"/>
+                    </a:ext>
+                  </a:extLst>
+                </a:gridCol>
+                <a:gridCol w="1928707">
+                  <a:extLst>
+                    <a:ext uri="{9D8B030D-6E8A-4147-A177-3AD203B41FA5}">
+                      <a16:colId xmlns:a16="http://schemas.microsoft.com/office/drawing/2014/main" val="2772398768"/>
+                    </a:ext>
+                  </a:extLst>
+                </a:gridCol>
+                <a:gridCol w="1928707">
+                  <a:extLst>
+                    <a:ext uri="{9D8B030D-6E8A-4147-A177-3AD203B41FA5}">
+                      <a16:colId xmlns:a16="http://schemas.microsoft.com/office/drawing/2014/main" val="1287772651"/>
+                    </a:ext>
+                  </a:extLst>
+                </a:gridCol>
+                <a:gridCol w="1928707">
+                  <a:extLst>
+                    <a:ext uri="{9D8B030D-6E8A-4147-A177-3AD203B41FA5}">
+                      <a16:colId xmlns:a16="http://schemas.microsoft.com/office/drawing/2014/main" val="897986154"/>
+                    </a:ext>
+                  </a:extLst>
+                </a:gridCol>
+              </a:tblGrid>
+              <a:tr h="432182">
+                <a:tc>
+                  <a:txBody>
+                    <a:bodyPr/>
+                    <a:lstStyle/>
+                    <a:p>
+                      <a:pPr algn="r" fontAlgn="ctr"/>
+                      <a:r>
+                        <a:rPr lang="en-US" sz="1400" b="1" dirty="0">
+                          <a:effectLst/>
+                        </a:rPr>
+                        <a:t>Year</a:t>
+                      </a:r>
+                    </a:p>
+                  </a:txBody>
+                  <a:tcPr anchor="ctr">
+                    <a:lnL>
+                      <a:noFill/>
+                    </a:lnL>
+                    <a:lnR>
+                      <a:noFill/>
+                    </a:lnR>
+                    <a:lnT>
+                      <a:noFill/>
+                    </a:lnT>
+                    <a:lnB>
+                      <a:noFill/>
+                    </a:lnB>
+                  </a:tcPr>
+                </a:tc>
+                <a:tc>
+                  <a:txBody>
+                    <a:bodyPr/>
+                    <a:lstStyle/>
+                    <a:p>
+                      <a:pPr algn="r" fontAlgn="ctr"/>
+                      <a:r>
+                        <a:rPr lang="en-US" sz="1400" b="1">
+                          <a:effectLst/>
+                        </a:rPr>
+                        <a:t>Pink Cab</a:t>
+                      </a:r>
+                    </a:p>
+                  </a:txBody>
+                  <a:tcPr anchor="ctr">
+                    <a:lnL>
+                      <a:noFill/>
+                    </a:lnL>
+                    <a:lnR>
+                      <a:noFill/>
+                    </a:lnR>
+                    <a:lnT>
+                      <a:noFill/>
+                    </a:lnT>
+                    <a:lnB>
+                      <a:noFill/>
+                    </a:lnB>
+                  </a:tcPr>
+                </a:tc>
+                <a:tc>
+                  <a:txBody>
+                    <a:bodyPr/>
+                    <a:lstStyle/>
+                    <a:p>
+                      <a:pPr algn="r" fontAlgn="ctr"/>
+                      <a:r>
+                        <a:rPr lang="en-US" sz="1400" b="1">
+                          <a:effectLst/>
+                        </a:rPr>
+                        <a:t>Yellow Cab</a:t>
+                      </a:r>
+                    </a:p>
+                  </a:txBody>
+                  <a:tcPr anchor="ctr">
+                    <a:lnL>
+                      <a:noFill/>
+                    </a:lnL>
+                    <a:lnR>
+                      <a:noFill/>
+                    </a:lnR>
+                    <a:lnT>
+                      <a:noFill/>
+                    </a:lnT>
+                    <a:lnB>
+                      <a:noFill/>
+                    </a:lnB>
+                  </a:tcPr>
+                </a:tc>
+                <a:tc>
+                  <a:txBody>
+                    <a:bodyPr/>
+                    <a:lstStyle/>
+                    <a:p>
+                      <a:pPr algn="r" fontAlgn="ctr"/>
+                      <a:r>
+                        <a:rPr lang="en-US" sz="1400" b="1" dirty="0">
+                          <a:effectLst/>
+                        </a:rPr>
+                        <a:t>Pink_Cab_Change</a:t>
+                      </a:r>
+                    </a:p>
+                  </a:txBody>
+                  <a:tcPr anchor="ctr">
+                    <a:lnL>
+                      <a:noFill/>
+                    </a:lnL>
+                    <a:lnR>
+                      <a:noFill/>
+                    </a:lnR>
+                    <a:lnT>
+                      <a:noFill/>
+                    </a:lnT>
+                    <a:lnB>
+                      <a:noFill/>
+                    </a:lnB>
+                  </a:tcPr>
+                </a:tc>
+                <a:tc>
+                  <a:txBody>
+                    <a:bodyPr/>
+                    <a:lstStyle/>
+                    <a:p>
+                      <a:pPr algn="r" fontAlgn="ctr"/>
+                      <a:r>
+                        <a:rPr lang="en-US" sz="1400" b="1">
+                          <a:effectLst/>
+                        </a:rPr>
+                        <a:t>Yellow_Cab_Change</a:t>
+                      </a:r>
+                    </a:p>
+                  </a:txBody>
+                  <a:tcPr anchor="ctr">
+                    <a:lnL>
+                      <a:noFill/>
+                    </a:lnL>
+                    <a:lnR>
+                      <a:noFill/>
+                    </a:lnR>
+                    <a:lnT>
+                      <a:noFill/>
+                    </a:lnT>
+                    <a:lnB>
+                      <a:noFill/>
+                    </a:lnB>
+                  </a:tcPr>
+                </a:tc>
+                <a:extLst>
+                  <a:ext uri="{0D108BD9-81ED-4DB2-BD59-A6C34878D82A}">
+                    <a16:rowId xmlns:a16="http://schemas.microsoft.com/office/drawing/2014/main" val="3800087668"/>
+                  </a:ext>
+                </a:extLst>
+              </a:tr>
+              <a:tr h="251362">
+                <a:tc>
+                  <a:txBody>
+                    <a:bodyPr/>
+                    <a:lstStyle/>
+                    <a:p>
+                      <a:pPr algn="r" fontAlgn="ctr"/>
+                      <a:r>
+                        <a:rPr lang="en-US" sz="1400">
+                          <a:effectLst/>
+                        </a:rPr>
+                        <a:t>2016</a:t>
+                      </a:r>
+                    </a:p>
+                  </a:txBody>
+                  <a:tcPr anchor="ctr">
+                    <a:lnL>
+                      <a:noFill/>
+                    </a:lnL>
+                    <a:lnR>
+                      <a:noFill/>
+                    </a:lnR>
+                    <a:lnT>
+                      <a:noFill/>
+                    </a:lnT>
+                    <a:lnB>
+                      <a:noFill/>
+                    </a:lnB>
+                    <a:solidFill>
+                      <a:srgbClr val="F5F5F5"/>
+                    </a:solidFill>
+                  </a:tcPr>
+                </a:tc>
+                <a:tc>
+                  <a:txBody>
+                    <a:bodyPr/>
+                    <a:lstStyle/>
+                    <a:p>
+                      <a:pPr algn="r" fontAlgn="ctr"/>
+                      <a:r>
+                        <a:rPr lang="en-US" sz="1400">
+                          <a:effectLst/>
+                        </a:rPr>
+                        <a:t>1713511.24</a:t>
+                      </a:r>
+                    </a:p>
+                  </a:txBody>
+                  <a:tcPr anchor="ctr">
+                    <a:lnL>
+                      <a:noFill/>
+                    </a:lnL>
+                    <a:lnR>
+                      <a:noFill/>
+                    </a:lnR>
+                    <a:lnT>
+                      <a:noFill/>
+                    </a:lnT>
+                    <a:lnB>
+                      <a:noFill/>
+                    </a:lnB>
+                    <a:solidFill>
+                      <a:srgbClr val="F5F5F5"/>
+                    </a:solidFill>
+                  </a:tcPr>
+                </a:tc>
+                <a:tc>
+                  <a:txBody>
+                    <a:bodyPr/>
+                    <a:lstStyle/>
+                    <a:p>
+                      <a:pPr algn="r" fontAlgn="ctr"/>
+                      <a:r>
+                        <a:rPr lang="en-US" sz="1400" dirty="0">
+                          <a:effectLst/>
+                        </a:rPr>
+                        <a:t>13926996.40</a:t>
+                      </a:r>
+                    </a:p>
+                  </a:txBody>
+                  <a:tcPr anchor="ctr">
+                    <a:lnL>
+                      <a:noFill/>
+                    </a:lnL>
+                    <a:lnR>
+                      <a:noFill/>
+                    </a:lnR>
+                    <a:lnT>
+                      <a:noFill/>
+                    </a:lnT>
+                    <a:lnB>
+                      <a:noFill/>
+                    </a:lnB>
+                    <a:solidFill>
+                      <a:srgbClr val="F5F5F5"/>
+                    </a:solidFill>
+                  </a:tcPr>
+                </a:tc>
+                <a:tc>
+                  <a:txBody>
+                    <a:bodyPr/>
+                    <a:lstStyle/>
+                    <a:p>
+                      <a:pPr algn="r" fontAlgn="ctr"/>
+                      <a:r>
+                        <a:rPr lang="en-US" sz="1400" dirty="0">
+                          <a:effectLst/>
+                        </a:rPr>
+                        <a:t>0.00</a:t>
+                      </a:r>
+                    </a:p>
+                  </a:txBody>
+                  <a:tcPr anchor="ctr">
+                    <a:lnL>
+                      <a:noFill/>
+                    </a:lnL>
+                    <a:lnR>
+                      <a:noFill/>
+                    </a:lnR>
+                    <a:lnT>
+                      <a:noFill/>
+                    </a:lnT>
+                    <a:lnB>
+                      <a:noFill/>
+                    </a:lnB>
+                    <a:solidFill>
+                      <a:srgbClr val="F5F5F5"/>
+                    </a:solidFill>
+                  </a:tcPr>
+                </a:tc>
+                <a:tc>
+                  <a:txBody>
+                    <a:bodyPr/>
+                    <a:lstStyle/>
+                    <a:p>
+                      <a:pPr algn="r" fontAlgn="ctr"/>
+                      <a:r>
+                        <a:rPr lang="en-US" sz="1400">
+                          <a:effectLst/>
+                        </a:rPr>
+                        <a:t>0.00</a:t>
+                      </a:r>
+                    </a:p>
+                  </a:txBody>
+                  <a:tcPr anchor="ctr">
+                    <a:lnL>
+                      <a:noFill/>
+                    </a:lnL>
+                    <a:lnR>
+                      <a:noFill/>
+                    </a:lnR>
+                    <a:lnT>
+                      <a:noFill/>
+                    </a:lnT>
+                    <a:lnB>
+                      <a:noFill/>
+                    </a:lnB>
+                    <a:solidFill>
+                      <a:srgbClr val="F5F5F5"/>
+                    </a:solidFill>
+                  </a:tcPr>
+                </a:tc>
+                <a:extLst>
+                  <a:ext uri="{0D108BD9-81ED-4DB2-BD59-A6C34878D82A}">
+                    <a16:rowId xmlns:a16="http://schemas.microsoft.com/office/drawing/2014/main" val="2696097322"/>
+                  </a:ext>
+                </a:extLst>
+              </a:tr>
+              <a:tr h="251362">
+                <a:tc>
+                  <a:txBody>
+                    <a:bodyPr/>
+                    <a:lstStyle/>
+                    <a:p>
+                      <a:pPr algn="r" fontAlgn="ctr"/>
+                      <a:r>
+                        <a:rPr lang="en-US" sz="1400">
+                          <a:effectLst/>
+                        </a:rPr>
+                        <a:t>2017</a:t>
+                      </a:r>
+                    </a:p>
+                  </a:txBody>
+                  <a:tcPr anchor="ctr">
+                    <a:lnL>
+                      <a:noFill/>
+                    </a:lnL>
+                    <a:lnR>
+                      <a:noFill/>
+                    </a:lnR>
+                    <a:lnT>
+                      <a:noFill/>
+                    </a:lnT>
+                    <a:lnB>
+                      <a:noFill/>
+                    </a:lnB>
+                  </a:tcPr>
+                </a:tc>
+                <a:tc>
+                  <a:txBody>
+                    <a:bodyPr/>
+                    <a:lstStyle/>
+                    <a:p>
+                      <a:pPr algn="r" fontAlgn="ctr"/>
+                      <a:r>
+                        <a:rPr lang="en-US" sz="1400">
+                          <a:effectLst/>
+                        </a:rPr>
+                        <a:t>2033655.03</a:t>
+                      </a:r>
+                    </a:p>
+                  </a:txBody>
+                  <a:tcPr anchor="ctr">
+                    <a:lnL>
+                      <a:noFill/>
+                    </a:lnL>
+                    <a:lnR>
+                      <a:noFill/>
+                    </a:lnR>
+                    <a:lnT>
+                      <a:noFill/>
+                    </a:lnT>
+                    <a:lnB>
+                      <a:noFill/>
+                    </a:lnB>
+                  </a:tcPr>
+                </a:tc>
+                <a:tc>
+                  <a:txBody>
+                    <a:bodyPr/>
+                    <a:lstStyle/>
+                    <a:p>
+                      <a:pPr algn="r" fontAlgn="ctr"/>
+                      <a:r>
+                        <a:rPr lang="en-US" sz="1400">
+                          <a:effectLst/>
+                        </a:rPr>
+                        <a:t>16575977.40</a:t>
+                      </a:r>
+                    </a:p>
+                  </a:txBody>
+                  <a:tcPr anchor="ctr">
+                    <a:lnL>
+                      <a:noFill/>
+                    </a:lnL>
+                    <a:lnR>
+                      <a:noFill/>
+                    </a:lnR>
+                    <a:lnT>
+                      <a:noFill/>
+                    </a:lnT>
+                    <a:lnB>
+                      <a:noFill/>
+                    </a:lnB>
+                  </a:tcPr>
+                </a:tc>
+                <a:tc>
+                  <a:txBody>
+                    <a:bodyPr/>
+                    <a:lstStyle/>
+                    <a:p>
+                      <a:pPr algn="r" fontAlgn="ctr"/>
+                      <a:r>
+                        <a:rPr lang="en-US" sz="1400">
+                          <a:effectLst/>
+                        </a:rPr>
+                        <a:t>18.68</a:t>
+                      </a:r>
+                    </a:p>
+                  </a:txBody>
+                  <a:tcPr anchor="ctr">
+                    <a:lnL>
+                      <a:noFill/>
+                    </a:lnL>
+                    <a:lnR>
+                      <a:noFill/>
+                    </a:lnR>
+                    <a:lnT>
+                      <a:noFill/>
+                    </a:lnT>
+                    <a:lnB>
+                      <a:noFill/>
+                    </a:lnB>
+                  </a:tcPr>
+                </a:tc>
+                <a:tc>
+                  <a:txBody>
+                    <a:bodyPr/>
+                    <a:lstStyle/>
+                    <a:p>
+                      <a:pPr algn="r" fontAlgn="ctr"/>
+                      <a:r>
+                        <a:rPr lang="en-US" sz="1400">
+                          <a:effectLst/>
+                        </a:rPr>
+                        <a:t>19.02</a:t>
+                      </a:r>
+                    </a:p>
+                  </a:txBody>
+                  <a:tcPr anchor="ctr">
+                    <a:lnL>
+                      <a:noFill/>
+                    </a:lnL>
+                    <a:lnR>
+                      <a:noFill/>
+                    </a:lnR>
+                    <a:lnT>
+                      <a:noFill/>
+                    </a:lnT>
+                    <a:lnB>
+                      <a:noFill/>
+                    </a:lnB>
+                  </a:tcPr>
+                </a:tc>
+                <a:extLst>
+                  <a:ext uri="{0D108BD9-81ED-4DB2-BD59-A6C34878D82A}">
+                    <a16:rowId xmlns:a16="http://schemas.microsoft.com/office/drawing/2014/main" val="2070093742"/>
+                  </a:ext>
+                </a:extLst>
+              </a:tr>
+              <a:tr h="251362">
+                <a:tc>
+                  <a:txBody>
+                    <a:bodyPr/>
+                    <a:lstStyle/>
+                    <a:p>
+                      <a:pPr algn="r" fontAlgn="ctr"/>
+                      <a:r>
+                        <a:rPr lang="en-US" sz="1400" dirty="0">
+                          <a:effectLst/>
+                        </a:rPr>
+                        <a:t>2018</a:t>
+                      </a:r>
+                    </a:p>
+                  </a:txBody>
+                  <a:tcPr anchor="ctr">
+                    <a:lnL>
+                      <a:noFill/>
+                    </a:lnL>
+                    <a:lnR>
+                      <a:noFill/>
+                    </a:lnR>
+                    <a:lnT>
+                      <a:noFill/>
+                    </a:lnT>
+                    <a:lnB>
+                      <a:noFill/>
+                    </a:lnB>
+                    <a:solidFill>
+                      <a:srgbClr val="F5F5F5"/>
+                    </a:solidFill>
+                  </a:tcPr>
+                </a:tc>
+                <a:tc>
+                  <a:txBody>
+                    <a:bodyPr/>
+                    <a:lstStyle/>
+                    <a:p>
+                      <a:pPr algn="r" fontAlgn="ctr"/>
+                      <a:r>
+                        <a:rPr lang="en-US" sz="1400">
+                          <a:effectLst/>
+                        </a:rPr>
+                        <a:t>1560161.92</a:t>
+                      </a:r>
+                    </a:p>
+                  </a:txBody>
+                  <a:tcPr anchor="ctr">
+                    <a:lnL>
+                      <a:noFill/>
+                    </a:lnL>
+                    <a:lnR>
+                      <a:noFill/>
+                    </a:lnR>
+                    <a:lnT>
+                      <a:noFill/>
+                    </a:lnT>
+                    <a:lnB>
+                      <a:noFill/>
+                    </a:lnB>
+                    <a:solidFill>
+                      <a:srgbClr val="F5F5F5"/>
+                    </a:solidFill>
+                  </a:tcPr>
+                </a:tc>
+                <a:tc>
+                  <a:txBody>
+                    <a:bodyPr/>
+                    <a:lstStyle/>
+                    <a:p>
+                      <a:pPr algn="r" fontAlgn="ctr"/>
+                      <a:r>
+                        <a:rPr lang="en-US" sz="1400">
+                          <a:effectLst/>
+                        </a:rPr>
+                        <a:t>13517398.79</a:t>
+                      </a:r>
+                    </a:p>
+                  </a:txBody>
+                  <a:tcPr anchor="ctr">
+                    <a:lnL>
+                      <a:noFill/>
+                    </a:lnL>
+                    <a:lnR>
+                      <a:noFill/>
+                    </a:lnR>
+                    <a:lnT>
+                      <a:noFill/>
+                    </a:lnT>
+                    <a:lnB>
+                      <a:noFill/>
+                    </a:lnB>
+                    <a:solidFill>
+                      <a:srgbClr val="F5F5F5"/>
+                    </a:solidFill>
+                  </a:tcPr>
+                </a:tc>
+                <a:tc>
+                  <a:txBody>
+                    <a:bodyPr/>
+                    <a:lstStyle/>
+                    <a:p>
+                      <a:pPr algn="r" fontAlgn="ctr"/>
+                      <a:r>
+                        <a:rPr lang="en-US" sz="1400">
+                          <a:effectLst/>
+                        </a:rPr>
+                        <a:t>-23.28</a:t>
+                      </a:r>
+                    </a:p>
+                  </a:txBody>
+                  <a:tcPr anchor="ctr">
+                    <a:lnL>
+                      <a:noFill/>
+                    </a:lnL>
+                    <a:lnR>
+                      <a:noFill/>
+                    </a:lnR>
+                    <a:lnT>
+                      <a:noFill/>
+                    </a:lnT>
+                    <a:lnB>
+                      <a:noFill/>
+                    </a:lnB>
+                    <a:solidFill>
+                      <a:srgbClr val="F5F5F5"/>
+                    </a:solidFill>
+                  </a:tcPr>
+                </a:tc>
+                <a:tc>
+                  <a:txBody>
+                    <a:bodyPr/>
+                    <a:lstStyle/>
+                    <a:p>
+                      <a:pPr algn="r" fontAlgn="ctr"/>
+                      <a:r>
+                        <a:rPr lang="en-US" sz="1400" dirty="0">
+                          <a:effectLst/>
+                        </a:rPr>
+                        <a:t>-18.45</a:t>
+                      </a:r>
+                    </a:p>
+                  </a:txBody>
+                  <a:tcPr anchor="ctr">
+                    <a:lnL>
+                      <a:noFill/>
+                    </a:lnL>
+                    <a:lnR>
+                      <a:noFill/>
+                    </a:lnR>
+                    <a:lnT>
+                      <a:noFill/>
+                    </a:lnT>
+                    <a:lnB>
+                      <a:noFill/>
+                    </a:lnB>
+                    <a:solidFill>
+                      <a:srgbClr val="F5F5F5"/>
+                    </a:solidFill>
+                  </a:tcPr>
+                </a:tc>
+                <a:extLst>
+                  <a:ext uri="{0D108BD9-81ED-4DB2-BD59-A6C34878D82A}">
+                    <a16:rowId xmlns:a16="http://schemas.microsoft.com/office/drawing/2014/main" val="2324826085"/>
+                  </a:ext>
+                </a:extLst>
+              </a:tr>
+            </a:tbl>
+          </a:graphicData>
+        </a:graphic>
+      </p:graphicFrame>
+      <p:pic>
+        <p:nvPicPr>
+          <p:cNvPr id="1026" name="Picture 2">
+            <a:extLst>
+              <a:ext uri="{FF2B5EF4-FFF2-40B4-BE49-F238E27FC236}">
+                <a16:creationId xmlns:a16="http://schemas.microsoft.com/office/drawing/2014/main" id="{D7F70544-53B9-DD21-6FC4-7C02B7178945}"/>
+              </a:ext>
+            </a:extLst>
+          </p:cNvPr>
+          <p:cNvPicPr>
+            <a:picLocks noChangeAspect="1" noChangeArrowheads="1"/>
+          </p:cNvPicPr>
+          <p:nvPr/>
+        </p:nvPicPr>
+        <p:blipFill>
+          <a:blip r:embed="rId4">
+            <a:extLst>
+              <a:ext uri="{28A0092B-C50C-407E-A947-70E740481C1C}">
+                <a14:useLocalDpi xmlns:a14="http://schemas.microsoft.com/office/drawing/2010/main" val="0"/>
+              </a:ext>
+            </a:extLst>
+          </a:blip>
+          <a:srcRect/>
+          <a:stretch>
+            <a:fillRect/>
+          </a:stretch>
+        </p:blipFill>
+        <p:spPr bwMode="auto">
+          <a:xfrm>
+            <a:off x="67731" y="1179443"/>
+            <a:ext cx="4766736" cy="3672877"/>
           </a:xfrm>
           <a:prstGeom prst="rect">
             <a:avLst/>
@@ -6379,86 +8290,6 @@
     <p:extLst>
       <p:ext uri="{BB962C8B-B14F-4D97-AF65-F5344CB8AC3E}">
         <p14:creationId xmlns:p14="http://schemas.microsoft.com/office/powerpoint/2010/main" val="2686800560"/>
-      </p:ext>
-    </p:extLst>
-  </p:cSld>
-  <p:clrMapOvr>
-    <a:masterClrMapping/>
-  </p:clrMapOvr>
-</p:sld>
-</file>
-
-<file path=ppt/slides/slide8.xml><?xml version="1.0" encoding="utf-8"?>
-<p:sld xmlns:a="http://schemas.openxmlformats.org/drawingml/2006/main" xmlns:r="http://schemas.openxmlformats.org/officeDocument/2006/relationships" xmlns:p="http://schemas.openxmlformats.org/presentationml/2006/main">
-  <p:cSld>
-    <p:spTree>
-      <p:nvGrpSpPr>
-        <p:cNvPr id="1" name=""/>
-        <p:cNvGrpSpPr/>
-        <p:nvPr/>
-      </p:nvGrpSpPr>
-      <p:grpSpPr>
-        <a:xfrm>
-          <a:off x="0" y="0"/>
-          <a:ext cx="0" cy="0"/>
-          <a:chOff x="0" y="0"/>
-          <a:chExt cx="0" cy="0"/>
-        </a:xfrm>
-      </p:grpSpPr>
-      <p:sp>
-        <p:nvSpPr>
-          <p:cNvPr id="2" name="Title 1">
-            <a:extLst>
-              <a:ext uri="{FF2B5EF4-FFF2-40B4-BE49-F238E27FC236}">
-                <a16:creationId xmlns:a16="http://schemas.microsoft.com/office/drawing/2014/main" id="{C0BB1761-87D5-20A7-1491-7E6FC50B2759}"/>
-              </a:ext>
-            </a:extLst>
-          </p:cNvPr>
-          <p:cNvSpPr>
-            <a:spLocks noGrp="1"/>
-          </p:cNvSpPr>
-          <p:nvPr>
-            <p:ph type="title"/>
-          </p:nvPr>
-        </p:nvSpPr>
-        <p:spPr/>
-        <p:txBody>
-          <a:bodyPr/>
-          <a:lstStyle/>
-          <a:p>
-            <a:endParaRPr lang="en-US"/>
-          </a:p>
-        </p:txBody>
-      </p:sp>
-      <p:sp>
-        <p:nvSpPr>
-          <p:cNvPr id="3" name="Content Placeholder 2">
-            <a:extLst>
-              <a:ext uri="{FF2B5EF4-FFF2-40B4-BE49-F238E27FC236}">
-                <a16:creationId xmlns:a16="http://schemas.microsoft.com/office/drawing/2014/main" id="{A96EC79A-7749-7553-F55F-F4A5C94912A9}"/>
-              </a:ext>
-            </a:extLst>
-          </p:cNvPr>
-          <p:cNvSpPr>
-            <a:spLocks noGrp="1"/>
-          </p:cNvSpPr>
-          <p:nvPr>
-            <p:ph idx="1"/>
-          </p:nvPr>
-        </p:nvSpPr>
-        <p:spPr/>
-        <p:txBody>
-          <a:bodyPr/>
-          <a:lstStyle/>
-          <a:p>
-            <a:endParaRPr lang="en-US"/>
-          </a:p>
-        </p:txBody>
-      </p:sp>
-    </p:spTree>
-    <p:extLst>
-      <p:ext uri="{BB962C8B-B14F-4D97-AF65-F5344CB8AC3E}">
-        <p14:creationId xmlns:p14="http://schemas.microsoft.com/office/powerpoint/2010/main" val="2983162260"/>
       </p:ext>
     </p:extLst>
   </p:cSld>
@@ -6503,22 +8334,28 @@
         </p:nvSpPr>
         <p:spPr>
           <a:xfrm rot="5400000">
-            <a:off x="-562431" y="562430"/>
-            <a:ext cx="6858002" cy="5733142"/>
+            <a:off x="5598884" y="-5598884"/>
+            <a:ext cx="994232" cy="12192000"/>
           </a:xfrm>
           <a:solidFill>
             <a:srgbClr val="3B3B3B"/>
           </a:solidFill>
         </p:spPr>
         <p:txBody>
-          <a:bodyPr vert="vert270" anchor="t" anchorCtr="0"/>
+          <a:bodyPr vert="vert270" tIns="274320" rIns="91440" bIns="274320" anchor="t" anchorCtr="0">
+            <a:normAutofit fontScale="90000"/>
+          </a:bodyPr>
           <a:lstStyle/>
           <a:p>
-            <a:endParaRPr lang="en-US" b="1" dirty="0">
-              <a:solidFill>
-                <a:srgbClr val="FF6600"/>
-              </a:solidFill>
-            </a:endParaRPr>
+            <a:pPr algn="l"/>
+            <a:r>
+              <a:rPr lang="en-US" b="1" dirty="0">
+                <a:solidFill>
+                  <a:srgbClr val="FF6600"/>
+                </a:solidFill>
+              </a:rPr>
+              <a:t>City and State Customer Count</a:t>
+            </a:r>
           </a:p>
         </p:txBody>
       </p:sp>
@@ -6558,56 +8395,1554 @@
           </a:prstGeom>
         </p:spPr>
       </p:pic>
-      <p:sp>
-        <p:nvSpPr>
-          <p:cNvPr id="6" name="Subtitle 5">
+      <p:pic>
+        <p:nvPicPr>
+          <p:cNvPr id="5" name="Picture 2">
             <a:extLst>
               <a:ext uri="{FF2B5EF4-FFF2-40B4-BE49-F238E27FC236}">
-                <a16:creationId xmlns:a16="http://schemas.microsoft.com/office/drawing/2014/main" id="{2D4BA697-580E-5544-8F2F-194AD99B859F}"/>
+                <a16:creationId xmlns:a16="http://schemas.microsoft.com/office/drawing/2014/main" id="{53FFFD89-AC18-7FB4-B79F-DE324747DE22}"/>
               </a:ext>
             </a:extLst>
           </p:cNvPr>
-          <p:cNvSpPr>
-            <a:spLocks noGrp="1"/>
-          </p:cNvSpPr>
+          <p:cNvPicPr>
+            <a:picLocks noChangeAspect="1" noChangeArrowheads="1"/>
+          </p:cNvPicPr>
+          <p:nvPr/>
+        </p:nvPicPr>
+        <p:blipFill>
+          <a:blip r:embed="rId3">
+            <a:extLst>
+              <a:ext uri="{28A0092B-C50C-407E-A947-70E740481C1C}">
+                <a14:useLocalDpi xmlns:a14="http://schemas.microsoft.com/office/drawing/2010/main" val="0"/>
+              </a:ext>
+            </a:extLst>
+          </a:blip>
+          <a:srcRect/>
+          <a:stretch>
+            <a:fillRect/>
+          </a:stretch>
+        </p:blipFill>
+        <p:spPr bwMode="auto">
+          <a:xfrm>
+            <a:off x="0" y="1134191"/>
+            <a:ext cx="5105400" cy="3724275"/>
+          </a:xfrm>
+          <a:prstGeom prst="rect">
+            <a:avLst/>
+          </a:prstGeom>
+          <a:noFill/>
+          <a:extLst>
+            <a:ext uri="{909E8E84-426E-40DD-AFC4-6F175D3DCCD1}">
+              <a14:hiddenFill xmlns:a14="http://schemas.microsoft.com/office/drawing/2010/main">
+                <a:solidFill>
+                  <a:srgbClr val="FFFFFF"/>
+                </a:solidFill>
+              </a14:hiddenFill>
+            </a:ext>
+          </a:extLst>
+        </p:spPr>
+      </p:pic>
+      <p:graphicFrame>
+        <p:nvGraphicFramePr>
+          <p:cNvPr id="6" name="Table 5">
+            <a:extLst>
+              <a:ext uri="{FF2B5EF4-FFF2-40B4-BE49-F238E27FC236}">
+                <a16:creationId xmlns:a16="http://schemas.microsoft.com/office/drawing/2014/main" id="{645D43BA-C359-8F98-13C7-55A082E910C8}"/>
+              </a:ext>
+            </a:extLst>
+          </p:cNvPr>
+          <p:cNvGraphicFramePr>
+            <a:graphicFrameLocks noGrp="1"/>
+          </p:cNvGraphicFramePr>
           <p:nvPr>
-            <p:ph type="subTitle" idx="1"/>
+            <p:extLst>
+              <p:ext uri="{D42A27DB-BD31-4B8C-83A1-F6EECF244321}">
+                <p14:modId xmlns:p14="http://schemas.microsoft.com/office/powerpoint/2010/main" val="2900316455"/>
+              </p:ext>
+            </p:extLst>
           </p:nvPr>
-        </p:nvSpPr>
-        <p:spPr>
-          <a:xfrm>
-            <a:off x="5152570" y="2481943"/>
-            <a:ext cx="5558973" cy="1655762"/>
-          </a:xfrm>
-        </p:spPr>
-        <p:txBody>
-          <a:bodyPr>
-            <a:normAutofit/>
-          </a:bodyPr>
-          <a:lstStyle/>
-          <a:p>
-            <a:r>
-              <a:rPr lang="en-US" sz="6600" dirty="0">
-                <a:solidFill>
-                  <a:srgbClr val="FF6600"/>
-                </a:solidFill>
-              </a:rPr>
-              <a:t>Thank You</a:t>
-            </a:r>
-          </a:p>
-          <a:p>
-            <a:endParaRPr lang="en-US" sz="6600" dirty="0">
-              <a:solidFill>
-                <a:srgbClr val="FF6600"/>
-              </a:solidFill>
-            </a:endParaRPr>
-          </a:p>
-        </p:txBody>
-      </p:sp>
+        </p:nvGraphicFramePr>
+        <p:xfrm>
+          <a:off x="6578602" y="1253330"/>
+          <a:ext cx="4824741" cy="4351340"/>
+        </p:xfrm>
+        <a:graphic>
+          <a:graphicData uri="http://schemas.openxmlformats.org/drawingml/2006/table">
+            <a:tbl>
+              <a:tblPr/>
+              <a:tblGrid>
+                <a:gridCol w="1608247">
+                  <a:extLst>
+                    <a:ext uri="{9D8B030D-6E8A-4147-A177-3AD203B41FA5}">
+                      <a16:colId xmlns:a16="http://schemas.microsoft.com/office/drawing/2014/main" val="2018898016"/>
+                    </a:ext>
+                  </a:extLst>
+                </a:gridCol>
+                <a:gridCol w="1608247">
+                  <a:extLst>
+                    <a:ext uri="{9D8B030D-6E8A-4147-A177-3AD203B41FA5}">
+                      <a16:colId xmlns:a16="http://schemas.microsoft.com/office/drawing/2014/main" val="4239961980"/>
+                    </a:ext>
+                  </a:extLst>
+                </a:gridCol>
+                <a:gridCol w="1608247">
+                  <a:extLst>
+                    <a:ext uri="{9D8B030D-6E8A-4147-A177-3AD203B41FA5}">
+                      <a16:colId xmlns:a16="http://schemas.microsoft.com/office/drawing/2014/main" val="599830404"/>
+                    </a:ext>
+                  </a:extLst>
+                </a:gridCol>
+              </a:tblGrid>
+              <a:tr h="310810">
+                <a:tc>
+                  <a:txBody>
+                    <a:bodyPr/>
+                    <a:lstStyle/>
+                    <a:p>
+                      <a:pPr algn="r" fontAlgn="ctr"/>
+                      <a:r>
+                        <a:rPr lang="en-US" sz="1500" b="1" dirty="0">
+                          <a:effectLst/>
+                        </a:rPr>
+                        <a:t>State</a:t>
+                      </a:r>
+                    </a:p>
+                  </a:txBody>
+                  <a:tcPr marL="77702" marR="77702" marT="38851" marB="38851" anchor="ctr">
+                    <a:lnL>
+                      <a:noFill/>
+                    </a:lnL>
+                    <a:lnR>
+                      <a:noFill/>
+                    </a:lnR>
+                    <a:lnT>
+                      <a:noFill/>
+                    </a:lnT>
+                    <a:lnB>
+                      <a:noFill/>
+                    </a:lnB>
+                    <a:solidFill>
+                      <a:srgbClr val="FFFFFF"/>
+                    </a:solidFill>
+                  </a:tcPr>
+                </a:tc>
+                <a:tc>
+                  <a:txBody>
+                    <a:bodyPr/>
+                    <a:lstStyle/>
+                    <a:p>
+                      <a:pPr algn="r" fontAlgn="ctr"/>
+                      <a:r>
+                        <a:rPr lang="en-US" sz="1500" b="1">
+                          <a:effectLst/>
+                        </a:rPr>
+                        <a:t>Pink Cab</a:t>
+                      </a:r>
+                    </a:p>
+                  </a:txBody>
+                  <a:tcPr marL="77702" marR="77702" marT="38851" marB="38851" anchor="ctr">
+                    <a:lnL>
+                      <a:noFill/>
+                    </a:lnL>
+                    <a:lnR>
+                      <a:noFill/>
+                    </a:lnR>
+                    <a:lnT>
+                      <a:noFill/>
+                    </a:lnT>
+                    <a:lnB>
+                      <a:noFill/>
+                    </a:lnB>
+                    <a:solidFill>
+                      <a:srgbClr val="FFFFFF"/>
+                    </a:solidFill>
+                  </a:tcPr>
+                </a:tc>
+                <a:tc>
+                  <a:txBody>
+                    <a:bodyPr/>
+                    <a:lstStyle/>
+                    <a:p>
+                      <a:pPr algn="r" fontAlgn="ctr"/>
+                      <a:r>
+                        <a:rPr lang="en-US" sz="1500" b="1">
+                          <a:effectLst/>
+                        </a:rPr>
+                        <a:t>Yellow Cab</a:t>
+                      </a:r>
+                    </a:p>
+                  </a:txBody>
+                  <a:tcPr marL="77702" marR="77702" marT="38851" marB="38851" anchor="ctr">
+                    <a:lnL>
+                      <a:noFill/>
+                    </a:lnL>
+                    <a:lnR>
+                      <a:noFill/>
+                    </a:lnR>
+                    <a:lnT>
+                      <a:noFill/>
+                    </a:lnT>
+                    <a:lnB>
+                      <a:noFill/>
+                    </a:lnB>
+                    <a:solidFill>
+                      <a:srgbClr val="FFFFFF"/>
+                    </a:solidFill>
+                  </a:tcPr>
+                </a:tc>
+                <a:extLst>
+                  <a:ext uri="{0D108BD9-81ED-4DB2-BD59-A6C34878D82A}">
+                    <a16:rowId xmlns:a16="http://schemas.microsoft.com/office/drawing/2014/main" val="2005576767"/>
+                  </a:ext>
+                </a:extLst>
+              </a:tr>
+              <a:tr h="310810">
+                <a:tc>
+                  <a:txBody>
+                    <a:bodyPr/>
+                    <a:lstStyle/>
+                    <a:p>
+                      <a:pPr algn="r" fontAlgn="ctr"/>
+                      <a:r>
+                        <a:rPr lang="en-US" sz="1500">
+                          <a:effectLst/>
+                        </a:rPr>
+                        <a:t>PA</a:t>
+                      </a:r>
+                    </a:p>
+                  </a:txBody>
+                  <a:tcPr marL="77702" marR="77702" marT="38851" marB="38851" anchor="ctr">
+                    <a:lnL>
+                      <a:noFill/>
+                    </a:lnL>
+                    <a:lnR>
+                      <a:noFill/>
+                    </a:lnR>
+                    <a:lnT>
+                      <a:noFill/>
+                    </a:lnT>
+                    <a:lnB>
+                      <a:noFill/>
+                    </a:lnB>
+                    <a:solidFill>
+                      <a:srgbClr val="F5F5F5"/>
+                    </a:solidFill>
+                  </a:tcPr>
+                </a:tc>
+                <a:tc>
+                  <a:txBody>
+                    <a:bodyPr/>
+                    <a:lstStyle/>
+                    <a:p>
+                      <a:pPr algn="r" fontAlgn="ctr"/>
+                      <a:r>
+                        <a:rPr lang="en-US" sz="1500">
+                          <a:effectLst/>
+                        </a:rPr>
+                        <a:t>682</a:t>
+                      </a:r>
+                    </a:p>
+                  </a:txBody>
+                  <a:tcPr marL="77702" marR="77702" marT="38851" marB="38851" anchor="ctr">
+                    <a:lnL>
+                      <a:noFill/>
+                    </a:lnL>
+                    <a:lnR>
+                      <a:noFill/>
+                    </a:lnR>
+                    <a:lnT>
+                      <a:noFill/>
+                    </a:lnT>
+                    <a:lnB>
+                      <a:noFill/>
+                    </a:lnB>
+                    <a:solidFill>
+                      <a:srgbClr val="F5F5F5"/>
+                    </a:solidFill>
+                  </a:tcPr>
+                </a:tc>
+                <a:tc>
+                  <a:txBody>
+                    <a:bodyPr/>
+                    <a:lstStyle/>
+                    <a:p>
+                      <a:pPr algn="r" fontAlgn="ctr"/>
+                      <a:r>
+                        <a:rPr lang="en-US" sz="1500">
+                          <a:effectLst/>
+                        </a:rPr>
+                        <a:t>631</a:t>
+                      </a:r>
+                    </a:p>
+                  </a:txBody>
+                  <a:tcPr marL="77702" marR="77702" marT="38851" marB="38851" anchor="ctr">
+                    <a:lnL>
+                      <a:noFill/>
+                    </a:lnL>
+                    <a:lnR>
+                      <a:noFill/>
+                    </a:lnR>
+                    <a:lnT>
+                      <a:noFill/>
+                    </a:lnT>
+                    <a:lnB>
+                      <a:noFill/>
+                    </a:lnB>
+                    <a:solidFill>
+                      <a:srgbClr val="F5F5F5"/>
+                    </a:solidFill>
+                  </a:tcPr>
+                </a:tc>
+                <a:extLst>
+                  <a:ext uri="{0D108BD9-81ED-4DB2-BD59-A6C34878D82A}">
+                    <a16:rowId xmlns:a16="http://schemas.microsoft.com/office/drawing/2014/main" val="832320345"/>
+                  </a:ext>
+                </a:extLst>
+              </a:tr>
+              <a:tr h="310810">
+                <a:tc>
+                  <a:txBody>
+                    <a:bodyPr/>
+                    <a:lstStyle/>
+                    <a:p>
+                      <a:pPr algn="r" fontAlgn="ctr"/>
+                      <a:r>
+                        <a:rPr lang="en-US" sz="1500">
+                          <a:effectLst/>
+                        </a:rPr>
+                        <a:t>TN</a:t>
+                      </a:r>
+                    </a:p>
+                  </a:txBody>
+                  <a:tcPr marL="77702" marR="77702" marT="38851" marB="38851" anchor="ctr">
+                    <a:lnL>
+                      <a:noFill/>
+                    </a:lnL>
+                    <a:lnR>
+                      <a:noFill/>
+                    </a:lnR>
+                    <a:lnT>
+                      <a:noFill/>
+                    </a:lnT>
+                    <a:lnB>
+                      <a:noFill/>
+                    </a:lnB>
+                    <a:solidFill>
+                      <a:srgbClr val="FFFFFF"/>
+                    </a:solidFill>
+                  </a:tcPr>
+                </a:tc>
+                <a:tc>
+                  <a:txBody>
+                    <a:bodyPr/>
+                    <a:lstStyle/>
+                    <a:p>
+                      <a:pPr algn="r" fontAlgn="ctr"/>
+                      <a:r>
+                        <a:rPr lang="en-US" sz="1500">
+                          <a:effectLst/>
+                        </a:rPr>
+                        <a:t>1841</a:t>
+                      </a:r>
+                    </a:p>
+                  </a:txBody>
+                  <a:tcPr marL="77702" marR="77702" marT="38851" marB="38851" anchor="ctr">
+                    <a:lnL>
+                      <a:noFill/>
+                    </a:lnL>
+                    <a:lnR>
+                      <a:noFill/>
+                    </a:lnR>
+                    <a:lnT>
+                      <a:noFill/>
+                    </a:lnT>
+                    <a:lnB>
+                      <a:noFill/>
+                    </a:lnB>
+                    <a:solidFill>
+                      <a:srgbClr val="FFFFFF"/>
+                    </a:solidFill>
+                  </a:tcPr>
+                </a:tc>
+                <a:tc>
+                  <a:txBody>
+                    <a:bodyPr/>
+                    <a:lstStyle/>
+                    <a:p>
+                      <a:pPr algn="r" fontAlgn="ctr"/>
+                      <a:r>
+                        <a:rPr lang="en-US" sz="1500">
+                          <a:effectLst/>
+                        </a:rPr>
+                        <a:t>1169</a:t>
+                      </a:r>
+                    </a:p>
+                  </a:txBody>
+                  <a:tcPr marL="77702" marR="77702" marT="38851" marB="38851" anchor="ctr">
+                    <a:lnL>
+                      <a:noFill/>
+                    </a:lnL>
+                    <a:lnR>
+                      <a:noFill/>
+                    </a:lnR>
+                    <a:lnT>
+                      <a:noFill/>
+                    </a:lnT>
+                    <a:lnB>
+                      <a:noFill/>
+                    </a:lnB>
+                    <a:solidFill>
+                      <a:srgbClr val="FFFFFF"/>
+                    </a:solidFill>
+                  </a:tcPr>
+                </a:tc>
+                <a:extLst>
+                  <a:ext uri="{0D108BD9-81ED-4DB2-BD59-A6C34878D82A}">
+                    <a16:rowId xmlns:a16="http://schemas.microsoft.com/office/drawing/2014/main" val="3164458442"/>
+                  </a:ext>
+                </a:extLst>
+              </a:tr>
+              <a:tr h="310810">
+                <a:tc>
+                  <a:txBody>
+                    <a:bodyPr/>
+                    <a:lstStyle/>
+                    <a:p>
+                      <a:pPr algn="r" fontAlgn="ctr"/>
+                      <a:r>
+                        <a:rPr lang="en-US" sz="1500">
+                          <a:effectLst/>
+                        </a:rPr>
+                        <a:t>AZ</a:t>
+                      </a:r>
+                    </a:p>
+                  </a:txBody>
+                  <a:tcPr marL="77702" marR="77702" marT="38851" marB="38851" anchor="ctr">
+                    <a:lnL>
+                      <a:noFill/>
+                    </a:lnL>
+                    <a:lnR>
+                      <a:noFill/>
+                    </a:lnR>
+                    <a:lnT>
+                      <a:noFill/>
+                    </a:lnT>
+                    <a:lnB>
+                      <a:noFill/>
+                    </a:lnB>
+                    <a:solidFill>
+                      <a:srgbClr val="F5F5F5"/>
+                    </a:solidFill>
+                  </a:tcPr>
+                </a:tc>
+                <a:tc>
+                  <a:txBody>
+                    <a:bodyPr/>
+                    <a:lstStyle/>
+                    <a:p>
+                      <a:pPr algn="r" fontAlgn="ctr"/>
+                      <a:r>
+                        <a:rPr lang="en-US" sz="1500">
+                          <a:effectLst/>
+                        </a:rPr>
+                        <a:t>1663</a:t>
+                      </a:r>
+                    </a:p>
+                  </a:txBody>
+                  <a:tcPr marL="77702" marR="77702" marT="38851" marB="38851" anchor="ctr">
+                    <a:lnL>
+                      <a:noFill/>
+                    </a:lnL>
+                    <a:lnR>
+                      <a:noFill/>
+                    </a:lnR>
+                    <a:lnT>
+                      <a:noFill/>
+                    </a:lnT>
+                    <a:lnB>
+                      <a:noFill/>
+                    </a:lnB>
+                    <a:solidFill>
+                      <a:srgbClr val="F5F5F5"/>
+                    </a:solidFill>
+                  </a:tcPr>
+                </a:tc>
+                <a:tc>
+                  <a:txBody>
+                    <a:bodyPr/>
+                    <a:lstStyle/>
+                    <a:p>
+                      <a:pPr algn="r" fontAlgn="ctr"/>
+                      <a:r>
+                        <a:rPr lang="en-US" sz="1500">
+                          <a:effectLst/>
+                        </a:rPr>
+                        <a:t>2332</a:t>
+                      </a:r>
+                    </a:p>
+                  </a:txBody>
+                  <a:tcPr marL="77702" marR="77702" marT="38851" marB="38851" anchor="ctr">
+                    <a:lnL>
+                      <a:noFill/>
+                    </a:lnL>
+                    <a:lnR>
+                      <a:noFill/>
+                    </a:lnR>
+                    <a:lnT>
+                      <a:noFill/>
+                    </a:lnT>
+                    <a:lnB>
+                      <a:noFill/>
+                    </a:lnB>
+                    <a:solidFill>
+                      <a:srgbClr val="F5F5F5"/>
+                    </a:solidFill>
+                  </a:tcPr>
+                </a:tc>
+                <a:extLst>
+                  <a:ext uri="{0D108BD9-81ED-4DB2-BD59-A6C34878D82A}">
+                    <a16:rowId xmlns:a16="http://schemas.microsoft.com/office/drawing/2014/main" val="3332764796"/>
+                  </a:ext>
+                </a:extLst>
+              </a:tr>
+              <a:tr h="310810">
+                <a:tc>
+                  <a:txBody>
+                    <a:bodyPr/>
+                    <a:lstStyle/>
+                    <a:p>
+                      <a:pPr algn="r" fontAlgn="ctr"/>
+                      <a:r>
+                        <a:rPr lang="en-US" sz="1500">
+                          <a:effectLst/>
+                        </a:rPr>
+                        <a:t>CO</a:t>
+                      </a:r>
+                    </a:p>
+                  </a:txBody>
+                  <a:tcPr marL="77702" marR="77702" marT="38851" marB="38851" anchor="ctr">
+                    <a:lnL>
+                      <a:noFill/>
+                    </a:lnL>
+                    <a:lnR>
+                      <a:noFill/>
+                    </a:lnR>
+                    <a:lnT>
+                      <a:noFill/>
+                    </a:lnT>
+                    <a:lnB>
+                      <a:noFill/>
+                    </a:lnB>
+                    <a:solidFill>
+                      <a:srgbClr val="FFFFFF"/>
+                    </a:solidFill>
+                  </a:tcPr>
+                </a:tc>
+                <a:tc>
+                  <a:txBody>
+                    <a:bodyPr/>
+                    <a:lstStyle/>
+                    <a:p>
+                      <a:pPr algn="r" fontAlgn="ctr"/>
+                      <a:r>
+                        <a:rPr lang="en-US" sz="1500">
+                          <a:effectLst/>
+                        </a:rPr>
+                        <a:t>1394</a:t>
+                      </a:r>
+                    </a:p>
+                  </a:txBody>
+                  <a:tcPr marL="77702" marR="77702" marT="38851" marB="38851" anchor="ctr">
+                    <a:lnL>
+                      <a:noFill/>
+                    </a:lnL>
+                    <a:lnR>
+                      <a:noFill/>
+                    </a:lnR>
+                    <a:lnT>
+                      <a:noFill/>
+                    </a:lnT>
+                    <a:lnB>
+                      <a:noFill/>
+                    </a:lnB>
+                    <a:solidFill>
+                      <a:srgbClr val="FFFFFF"/>
+                    </a:solidFill>
+                  </a:tcPr>
+                </a:tc>
+                <a:tc>
+                  <a:txBody>
+                    <a:bodyPr/>
+                    <a:lstStyle/>
+                    <a:p>
+                      <a:pPr algn="r" fontAlgn="ctr"/>
+                      <a:r>
+                        <a:rPr lang="en-US" sz="1500">
+                          <a:effectLst/>
+                        </a:rPr>
+                        <a:t>2431</a:t>
+                      </a:r>
+                    </a:p>
+                  </a:txBody>
+                  <a:tcPr marL="77702" marR="77702" marT="38851" marB="38851" anchor="ctr">
+                    <a:lnL>
+                      <a:noFill/>
+                    </a:lnL>
+                    <a:lnR>
+                      <a:noFill/>
+                    </a:lnR>
+                    <a:lnT>
+                      <a:noFill/>
+                    </a:lnT>
+                    <a:lnB>
+                      <a:noFill/>
+                    </a:lnB>
+                    <a:solidFill>
+                      <a:srgbClr val="FFFFFF"/>
+                    </a:solidFill>
+                  </a:tcPr>
+                </a:tc>
+                <a:extLst>
+                  <a:ext uri="{0D108BD9-81ED-4DB2-BD59-A6C34878D82A}">
+                    <a16:rowId xmlns:a16="http://schemas.microsoft.com/office/drawing/2014/main" val="1134788695"/>
+                  </a:ext>
+                </a:extLst>
+              </a:tr>
+              <a:tr h="310810">
+                <a:tc>
+                  <a:txBody>
+                    <a:bodyPr/>
+                    <a:lstStyle/>
+                    <a:p>
+                      <a:pPr algn="r" fontAlgn="ctr"/>
+                      <a:r>
+                        <a:rPr lang="en-US" sz="1500">
+                          <a:effectLst/>
+                        </a:rPr>
+                        <a:t>FL</a:t>
+                      </a:r>
+                    </a:p>
+                  </a:txBody>
+                  <a:tcPr marL="77702" marR="77702" marT="38851" marB="38851" anchor="ctr">
+                    <a:lnL>
+                      <a:noFill/>
+                    </a:lnL>
+                    <a:lnR>
+                      <a:noFill/>
+                    </a:lnR>
+                    <a:lnT>
+                      <a:noFill/>
+                    </a:lnT>
+                    <a:lnB>
+                      <a:noFill/>
+                    </a:lnB>
+                    <a:solidFill>
+                      <a:srgbClr val="F5F5F5"/>
+                    </a:solidFill>
+                  </a:tcPr>
+                </a:tc>
+                <a:tc>
+                  <a:txBody>
+                    <a:bodyPr/>
+                    <a:lstStyle/>
+                    <a:p>
+                      <a:pPr algn="r" fontAlgn="ctr"/>
+                      <a:r>
+                        <a:rPr lang="en-US" sz="1500">
+                          <a:effectLst/>
+                        </a:rPr>
+                        <a:t>2002</a:t>
+                      </a:r>
+                    </a:p>
+                  </a:txBody>
+                  <a:tcPr marL="77702" marR="77702" marT="38851" marB="38851" anchor="ctr">
+                    <a:lnL>
+                      <a:noFill/>
+                    </a:lnL>
+                    <a:lnR>
+                      <a:noFill/>
+                    </a:lnR>
+                    <a:lnT>
+                      <a:noFill/>
+                    </a:lnT>
+                    <a:lnB>
+                      <a:noFill/>
+                    </a:lnB>
+                    <a:solidFill>
+                      <a:srgbClr val="F5F5F5"/>
+                    </a:solidFill>
+                  </a:tcPr>
+                </a:tc>
+                <a:tc>
+                  <a:txBody>
+                    <a:bodyPr/>
+                    <a:lstStyle/>
+                    <a:p>
+                      <a:pPr algn="r" fontAlgn="ctr"/>
+                      <a:r>
+                        <a:rPr lang="en-US" sz="1500">
+                          <a:effectLst/>
+                        </a:rPr>
+                        <a:t>4452</a:t>
+                      </a:r>
+                    </a:p>
+                  </a:txBody>
+                  <a:tcPr marL="77702" marR="77702" marT="38851" marB="38851" anchor="ctr">
+                    <a:lnL>
+                      <a:noFill/>
+                    </a:lnL>
+                    <a:lnR>
+                      <a:noFill/>
+                    </a:lnR>
+                    <a:lnT>
+                      <a:noFill/>
+                    </a:lnT>
+                    <a:lnB>
+                      <a:noFill/>
+                    </a:lnB>
+                    <a:solidFill>
+                      <a:srgbClr val="F5F5F5"/>
+                    </a:solidFill>
+                  </a:tcPr>
+                </a:tc>
+                <a:extLst>
+                  <a:ext uri="{0D108BD9-81ED-4DB2-BD59-A6C34878D82A}">
+                    <a16:rowId xmlns:a16="http://schemas.microsoft.com/office/drawing/2014/main" val="853239617"/>
+                  </a:ext>
+                </a:extLst>
+              </a:tr>
+              <a:tr h="310810">
+                <a:tc>
+                  <a:txBody>
+                    <a:bodyPr/>
+                    <a:lstStyle/>
+                    <a:p>
+                      <a:pPr algn="r" fontAlgn="ctr"/>
+                      <a:r>
+                        <a:rPr lang="en-US" sz="1500">
+                          <a:effectLst/>
+                        </a:rPr>
+                        <a:t>WA</a:t>
+                      </a:r>
+                    </a:p>
+                  </a:txBody>
+                  <a:tcPr marL="77702" marR="77702" marT="38851" marB="38851" anchor="ctr">
+                    <a:lnL>
+                      <a:noFill/>
+                    </a:lnL>
+                    <a:lnR>
+                      <a:noFill/>
+                    </a:lnR>
+                    <a:lnT>
+                      <a:noFill/>
+                    </a:lnT>
+                    <a:lnB>
+                      <a:noFill/>
+                    </a:lnB>
+                    <a:solidFill>
+                      <a:srgbClr val="FFFFFF"/>
+                    </a:solidFill>
+                  </a:tcPr>
+                </a:tc>
+                <a:tc>
+                  <a:txBody>
+                    <a:bodyPr/>
+                    <a:lstStyle/>
+                    <a:p>
+                      <a:pPr algn="r" fontAlgn="ctr"/>
+                      <a:r>
+                        <a:rPr lang="en-US" sz="1500">
+                          <a:effectLst/>
+                        </a:rPr>
+                        <a:t>2732</a:t>
+                      </a:r>
+                    </a:p>
+                  </a:txBody>
+                  <a:tcPr marL="77702" marR="77702" marT="38851" marB="38851" anchor="ctr">
+                    <a:lnL>
+                      <a:noFill/>
+                    </a:lnL>
+                    <a:lnR>
+                      <a:noFill/>
+                    </a:lnR>
+                    <a:lnT>
+                      <a:noFill/>
+                    </a:lnT>
+                    <a:lnB>
+                      <a:noFill/>
+                    </a:lnB>
+                    <a:solidFill>
+                      <a:srgbClr val="FFFFFF"/>
+                    </a:solidFill>
+                  </a:tcPr>
+                </a:tc>
+                <a:tc>
+                  <a:txBody>
+                    <a:bodyPr/>
+                    <a:lstStyle/>
+                    <a:p>
+                      <a:pPr algn="r" fontAlgn="ctr"/>
+                      <a:r>
+                        <a:rPr lang="en-US" sz="1500">
+                          <a:effectLst/>
+                        </a:rPr>
+                        <a:t>5265</a:t>
+                      </a:r>
+                    </a:p>
+                  </a:txBody>
+                  <a:tcPr marL="77702" marR="77702" marT="38851" marB="38851" anchor="ctr">
+                    <a:lnL>
+                      <a:noFill/>
+                    </a:lnL>
+                    <a:lnR>
+                      <a:noFill/>
+                    </a:lnR>
+                    <a:lnT>
+                      <a:noFill/>
+                    </a:lnT>
+                    <a:lnB>
+                      <a:noFill/>
+                    </a:lnB>
+                    <a:solidFill>
+                      <a:srgbClr val="FFFFFF"/>
+                    </a:solidFill>
+                  </a:tcPr>
+                </a:tc>
+                <a:extLst>
+                  <a:ext uri="{0D108BD9-81ED-4DB2-BD59-A6C34878D82A}">
+                    <a16:rowId xmlns:a16="http://schemas.microsoft.com/office/drawing/2014/main" val="3297801007"/>
+                  </a:ext>
+                </a:extLst>
+              </a:tr>
+              <a:tr h="310810">
+                <a:tc>
+                  <a:txBody>
+                    <a:bodyPr/>
+                    <a:lstStyle/>
+                    <a:p>
+                      <a:pPr algn="r" fontAlgn="ctr"/>
+                      <a:r>
+                        <a:rPr lang="en-US" sz="1500">
+                          <a:effectLst/>
+                        </a:rPr>
+                        <a:t>GA</a:t>
+                      </a:r>
+                    </a:p>
+                  </a:txBody>
+                  <a:tcPr marL="77702" marR="77702" marT="38851" marB="38851" anchor="ctr">
+                    <a:lnL>
+                      <a:noFill/>
+                    </a:lnL>
+                    <a:lnR>
+                      <a:noFill/>
+                    </a:lnR>
+                    <a:lnT>
+                      <a:noFill/>
+                    </a:lnT>
+                    <a:lnB>
+                      <a:noFill/>
+                    </a:lnB>
+                    <a:solidFill>
+                      <a:srgbClr val="F5F5F5"/>
+                    </a:solidFill>
+                  </a:tcPr>
+                </a:tc>
+                <a:tc>
+                  <a:txBody>
+                    <a:bodyPr/>
+                    <a:lstStyle/>
+                    <a:p>
+                      <a:pPr algn="r" fontAlgn="ctr"/>
+                      <a:r>
+                        <a:rPr lang="en-US" sz="1500">
+                          <a:effectLst/>
+                        </a:rPr>
+                        <a:t>1762</a:t>
+                      </a:r>
+                    </a:p>
+                  </a:txBody>
+                  <a:tcPr marL="77702" marR="77702" marT="38851" marB="38851" anchor="ctr">
+                    <a:lnL>
+                      <a:noFill/>
+                    </a:lnL>
+                    <a:lnR>
+                      <a:noFill/>
+                    </a:lnR>
+                    <a:lnT>
+                      <a:noFill/>
+                    </a:lnT>
+                    <a:lnB>
+                      <a:noFill/>
+                    </a:lnB>
+                    <a:solidFill>
+                      <a:srgbClr val="F5F5F5"/>
+                    </a:solidFill>
+                  </a:tcPr>
+                </a:tc>
+                <a:tc>
+                  <a:txBody>
+                    <a:bodyPr/>
+                    <a:lstStyle/>
+                    <a:p>
+                      <a:pPr algn="r" fontAlgn="ctr"/>
+                      <a:r>
+                        <a:rPr lang="en-US" sz="1500">
+                          <a:effectLst/>
+                        </a:rPr>
+                        <a:t>5795</a:t>
+                      </a:r>
+                    </a:p>
+                  </a:txBody>
+                  <a:tcPr marL="77702" marR="77702" marT="38851" marB="38851" anchor="ctr">
+                    <a:lnL>
+                      <a:noFill/>
+                    </a:lnL>
+                    <a:lnR>
+                      <a:noFill/>
+                    </a:lnR>
+                    <a:lnT>
+                      <a:noFill/>
+                    </a:lnT>
+                    <a:lnB>
+                      <a:noFill/>
+                    </a:lnB>
+                    <a:solidFill>
+                      <a:srgbClr val="F5F5F5"/>
+                    </a:solidFill>
+                  </a:tcPr>
+                </a:tc>
+                <a:extLst>
+                  <a:ext uri="{0D108BD9-81ED-4DB2-BD59-A6C34878D82A}">
+                    <a16:rowId xmlns:a16="http://schemas.microsoft.com/office/drawing/2014/main" val="2011129372"/>
+                  </a:ext>
+                </a:extLst>
+              </a:tr>
+              <a:tr h="310810">
+                <a:tc>
+                  <a:txBody>
+                    <a:bodyPr/>
+                    <a:lstStyle/>
+                    <a:p>
+                      <a:pPr algn="r" fontAlgn="ctr"/>
+                      <a:r>
+                        <a:rPr lang="en-US" sz="1500">
+                          <a:effectLst/>
+                        </a:rPr>
+                        <a:t>TX</a:t>
+                      </a:r>
+                    </a:p>
+                  </a:txBody>
+                  <a:tcPr marL="77702" marR="77702" marT="38851" marB="38851" anchor="ctr">
+                    <a:lnL>
+                      <a:noFill/>
+                    </a:lnL>
+                    <a:lnR>
+                      <a:noFill/>
+                    </a:lnR>
+                    <a:lnT>
+                      <a:noFill/>
+                    </a:lnT>
+                    <a:lnB>
+                      <a:noFill/>
+                    </a:lnB>
+                    <a:solidFill>
+                      <a:srgbClr val="FFFFFF"/>
+                    </a:solidFill>
+                  </a:tcPr>
+                </a:tc>
+                <a:tc>
+                  <a:txBody>
+                    <a:bodyPr/>
+                    <a:lstStyle/>
+                    <a:p>
+                      <a:pPr algn="r" fontAlgn="ctr"/>
+                      <a:r>
+                        <a:rPr lang="en-US" sz="1500">
+                          <a:effectLst/>
+                        </a:rPr>
+                        <a:t>3248</a:t>
+                      </a:r>
+                    </a:p>
+                  </a:txBody>
+                  <a:tcPr marL="77702" marR="77702" marT="38851" marB="38851" anchor="ctr">
+                    <a:lnL>
+                      <a:noFill/>
+                    </a:lnL>
+                    <a:lnR>
+                      <a:noFill/>
+                    </a:lnR>
+                    <a:lnT>
+                      <a:noFill/>
+                    </a:lnT>
+                    <a:lnB>
+                      <a:noFill/>
+                    </a:lnB>
+                    <a:solidFill>
+                      <a:srgbClr val="FFFFFF"/>
+                    </a:solidFill>
+                  </a:tcPr>
+                </a:tc>
+                <a:tc>
+                  <a:txBody>
+                    <a:bodyPr/>
+                    <a:lstStyle/>
+                    <a:p>
+                      <a:pPr algn="r" fontAlgn="ctr"/>
+                      <a:r>
+                        <a:rPr lang="en-US" sz="1500">
+                          <a:effectLst/>
+                        </a:rPr>
+                        <a:t>8665</a:t>
+                      </a:r>
+                    </a:p>
+                  </a:txBody>
+                  <a:tcPr marL="77702" marR="77702" marT="38851" marB="38851" anchor="ctr">
+                    <a:lnL>
+                      <a:noFill/>
+                    </a:lnL>
+                    <a:lnR>
+                      <a:noFill/>
+                    </a:lnR>
+                    <a:lnT>
+                      <a:noFill/>
+                    </a:lnT>
+                    <a:lnB>
+                      <a:noFill/>
+                    </a:lnB>
+                    <a:solidFill>
+                      <a:srgbClr val="FFFFFF"/>
+                    </a:solidFill>
+                  </a:tcPr>
+                </a:tc>
+                <a:extLst>
+                  <a:ext uri="{0D108BD9-81ED-4DB2-BD59-A6C34878D82A}">
+                    <a16:rowId xmlns:a16="http://schemas.microsoft.com/office/drawing/2014/main" val="2246059138"/>
+                  </a:ext>
+                </a:extLst>
+              </a:tr>
+              <a:tr h="310810">
+                <a:tc>
+                  <a:txBody>
+                    <a:bodyPr/>
+                    <a:lstStyle/>
+                    <a:p>
+                      <a:pPr algn="r" fontAlgn="ctr"/>
+                      <a:r>
+                        <a:rPr lang="en-US" sz="1500">
+                          <a:effectLst/>
+                        </a:rPr>
+                        <a:t>MA</a:t>
+                      </a:r>
+                    </a:p>
+                  </a:txBody>
+                  <a:tcPr marL="77702" marR="77702" marT="38851" marB="38851" anchor="ctr">
+                    <a:lnL>
+                      <a:noFill/>
+                    </a:lnL>
+                    <a:lnR>
+                      <a:noFill/>
+                    </a:lnR>
+                    <a:lnT>
+                      <a:noFill/>
+                    </a:lnT>
+                    <a:lnB>
+                      <a:noFill/>
+                    </a:lnB>
+                    <a:solidFill>
+                      <a:srgbClr val="FFFFFF"/>
+                    </a:solidFill>
+                  </a:tcPr>
+                </a:tc>
+                <a:tc>
+                  <a:txBody>
+                    <a:bodyPr/>
+                    <a:lstStyle/>
+                    <a:p>
+                      <a:pPr algn="r" fontAlgn="ctr"/>
+                      <a:r>
+                        <a:rPr lang="en-US" sz="1500">
+                          <a:effectLst/>
+                        </a:rPr>
+                        <a:t>5186</a:t>
+                      </a:r>
+                    </a:p>
+                  </a:txBody>
+                  <a:tcPr marL="77702" marR="77702" marT="38851" marB="38851" anchor="ctr">
+                    <a:lnL>
+                      <a:noFill/>
+                    </a:lnL>
+                    <a:lnR>
+                      <a:noFill/>
+                    </a:lnR>
+                    <a:lnT>
+                      <a:noFill/>
+                    </a:lnT>
+                    <a:lnB>
+                      <a:noFill/>
+                    </a:lnB>
+                    <a:solidFill>
+                      <a:srgbClr val="FFFFFF"/>
+                    </a:solidFill>
+                  </a:tcPr>
+                </a:tc>
+                <a:tc>
+                  <a:txBody>
+                    <a:bodyPr/>
+                    <a:lstStyle/>
+                    <a:p>
+                      <a:pPr algn="r" fontAlgn="ctr"/>
+                      <a:r>
+                        <a:rPr lang="en-US" sz="1500">
+                          <a:effectLst/>
+                        </a:rPr>
+                        <a:t>24506</a:t>
+                      </a:r>
+                    </a:p>
+                  </a:txBody>
+                  <a:tcPr marL="77702" marR="77702" marT="38851" marB="38851" anchor="ctr">
+                    <a:lnL>
+                      <a:noFill/>
+                    </a:lnL>
+                    <a:lnR>
+                      <a:noFill/>
+                    </a:lnR>
+                    <a:lnT>
+                      <a:noFill/>
+                    </a:lnT>
+                    <a:lnB>
+                      <a:noFill/>
+                    </a:lnB>
+                    <a:solidFill>
+                      <a:srgbClr val="FFFFFF"/>
+                    </a:solidFill>
+                  </a:tcPr>
+                </a:tc>
+                <a:extLst>
+                  <a:ext uri="{0D108BD9-81ED-4DB2-BD59-A6C34878D82A}">
+                    <a16:rowId xmlns:a16="http://schemas.microsoft.com/office/drawing/2014/main" val="3929942891"/>
+                  </a:ext>
+                </a:extLst>
+              </a:tr>
+              <a:tr h="310810">
+                <a:tc>
+                  <a:txBody>
+                    <a:bodyPr/>
+                    <a:lstStyle/>
+                    <a:p>
+                      <a:pPr algn="r" fontAlgn="ctr"/>
+                      <a:r>
+                        <a:rPr lang="en-US" sz="1500">
+                          <a:effectLst/>
+                        </a:rPr>
+                        <a:t>DC</a:t>
+                      </a:r>
+                    </a:p>
+                  </a:txBody>
+                  <a:tcPr marL="77702" marR="77702" marT="38851" marB="38851" anchor="ctr">
+                    <a:lnL>
+                      <a:noFill/>
+                    </a:lnL>
+                    <a:lnR>
+                      <a:noFill/>
+                    </a:lnR>
+                    <a:lnT>
+                      <a:noFill/>
+                    </a:lnT>
+                    <a:lnB>
+                      <a:noFill/>
+                    </a:lnB>
+                    <a:solidFill>
+                      <a:srgbClr val="FFFFFF"/>
+                    </a:solidFill>
+                  </a:tcPr>
+                </a:tc>
+                <a:tc>
+                  <a:txBody>
+                    <a:bodyPr/>
+                    <a:lstStyle/>
+                    <a:p>
+                      <a:pPr algn="r" fontAlgn="ctr"/>
+                      <a:r>
+                        <a:rPr lang="en-US" sz="1500">
+                          <a:effectLst/>
+                        </a:rPr>
+                        <a:t>3692</a:t>
+                      </a:r>
+                    </a:p>
+                  </a:txBody>
+                  <a:tcPr marL="77702" marR="77702" marT="38851" marB="38851" anchor="ctr">
+                    <a:lnL>
+                      <a:noFill/>
+                    </a:lnL>
+                    <a:lnR>
+                      <a:noFill/>
+                    </a:lnR>
+                    <a:lnT>
+                      <a:noFill/>
+                    </a:lnT>
+                    <a:lnB>
+                      <a:noFill/>
+                    </a:lnB>
+                    <a:solidFill>
+                      <a:srgbClr val="FFFFFF"/>
+                    </a:solidFill>
+                  </a:tcPr>
+                </a:tc>
+                <a:tc>
+                  <a:txBody>
+                    <a:bodyPr/>
+                    <a:lstStyle/>
+                    <a:p>
+                      <a:pPr algn="r" fontAlgn="ctr"/>
+                      <a:r>
+                        <a:rPr lang="en-US" sz="1500">
+                          <a:effectLst/>
+                        </a:rPr>
+                        <a:t>40045</a:t>
+                      </a:r>
+                    </a:p>
+                  </a:txBody>
+                  <a:tcPr marL="77702" marR="77702" marT="38851" marB="38851" anchor="ctr">
+                    <a:lnL>
+                      <a:noFill/>
+                    </a:lnL>
+                    <a:lnR>
+                      <a:noFill/>
+                    </a:lnR>
+                    <a:lnT>
+                      <a:noFill/>
+                    </a:lnT>
+                    <a:lnB>
+                      <a:noFill/>
+                    </a:lnB>
+                    <a:solidFill>
+                      <a:srgbClr val="FFFFFF"/>
+                    </a:solidFill>
+                  </a:tcPr>
+                </a:tc>
+                <a:extLst>
+                  <a:ext uri="{0D108BD9-81ED-4DB2-BD59-A6C34878D82A}">
+                    <a16:rowId xmlns:a16="http://schemas.microsoft.com/office/drawing/2014/main" val="2849506192"/>
+                  </a:ext>
+                </a:extLst>
+              </a:tr>
+              <a:tr h="310810">
+                <a:tc>
+                  <a:txBody>
+                    <a:bodyPr/>
+                    <a:lstStyle/>
+                    <a:p>
+                      <a:pPr algn="r" fontAlgn="ctr"/>
+                      <a:r>
+                        <a:rPr lang="en-US" sz="1500">
+                          <a:effectLst/>
+                        </a:rPr>
+                        <a:t>CA</a:t>
+                      </a:r>
+                    </a:p>
+                  </a:txBody>
+                  <a:tcPr marL="77702" marR="77702" marT="38851" marB="38851" anchor="ctr">
+                    <a:lnL>
+                      <a:noFill/>
+                    </a:lnL>
+                    <a:lnR>
+                      <a:noFill/>
+                    </a:lnR>
+                    <a:lnT>
+                      <a:noFill/>
+                    </a:lnT>
+                    <a:lnB>
+                      <a:noFill/>
+                    </a:lnB>
+                    <a:solidFill>
+                      <a:srgbClr val="F5F5F5"/>
+                    </a:solidFill>
+                  </a:tcPr>
+                </a:tc>
+                <a:tc>
+                  <a:txBody>
+                    <a:bodyPr/>
+                    <a:lstStyle/>
+                    <a:p>
+                      <a:pPr algn="r" fontAlgn="ctr"/>
+                      <a:r>
+                        <a:rPr lang="en-US" sz="1500">
+                          <a:effectLst/>
+                        </a:rPr>
+                        <a:t>37181</a:t>
+                      </a:r>
+                    </a:p>
+                  </a:txBody>
+                  <a:tcPr marL="77702" marR="77702" marT="38851" marB="38851" anchor="ctr">
+                    <a:lnL>
+                      <a:noFill/>
+                    </a:lnL>
+                    <a:lnR>
+                      <a:noFill/>
+                    </a:lnR>
+                    <a:lnT>
+                      <a:noFill/>
+                    </a:lnT>
+                    <a:lnB>
+                      <a:noFill/>
+                    </a:lnB>
+                    <a:solidFill>
+                      <a:srgbClr val="F5F5F5"/>
+                    </a:solidFill>
+                  </a:tcPr>
+                </a:tc>
+                <a:tc>
+                  <a:txBody>
+                    <a:bodyPr/>
+                    <a:lstStyle/>
+                    <a:p>
+                      <a:pPr algn="r" fontAlgn="ctr"/>
+                      <a:r>
+                        <a:rPr lang="en-US" sz="1500">
+                          <a:effectLst/>
+                        </a:rPr>
+                        <a:t>46208</a:t>
+                      </a:r>
+                    </a:p>
+                  </a:txBody>
+                  <a:tcPr marL="77702" marR="77702" marT="38851" marB="38851" anchor="ctr">
+                    <a:lnL>
+                      <a:noFill/>
+                    </a:lnL>
+                    <a:lnR>
+                      <a:noFill/>
+                    </a:lnR>
+                    <a:lnT>
+                      <a:noFill/>
+                    </a:lnT>
+                    <a:lnB>
+                      <a:noFill/>
+                    </a:lnB>
+                    <a:solidFill>
+                      <a:srgbClr val="F5F5F5"/>
+                    </a:solidFill>
+                  </a:tcPr>
+                </a:tc>
+                <a:extLst>
+                  <a:ext uri="{0D108BD9-81ED-4DB2-BD59-A6C34878D82A}">
+                    <a16:rowId xmlns:a16="http://schemas.microsoft.com/office/drawing/2014/main" val="1320805898"/>
+                  </a:ext>
+                </a:extLst>
+              </a:tr>
+              <a:tr h="310810">
+                <a:tc>
+                  <a:txBody>
+                    <a:bodyPr/>
+                    <a:lstStyle/>
+                    <a:p>
+                      <a:pPr algn="r" fontAlgn="ctr"/>
+                      <a:r>
+                        <a:rPr lang="en-US" sz="1500">
+                          <a:effectLst/>
+                        </a:rPr>
+                        <a:t>IL</a:t>
+                      </a:r>
+                    </a:p>
+                  </a:txBody>
+                  <a:tcPr marL="77702" marR="77702" marT="38851" marB="38851" anchor="ctr">
+                    <a:lnL>
+                      <a:noFill/>
+                    </a:lnL>
+                    <a:lnR>
+                      <a:noFill/>
+                    </a:lnR>
+                    <a:lnT>
+                      <a:noFill/>
+                    </a:lnT>
+                    <a:lnB>
+                      <a:noFill/>
+                    </a:lnB>
+                    <a:solidFill>
+                      <a:srgbClr val="FFFFFF"/>
+                    </a:solidFill>
+                  </a:tcPr>
+                </a:tc>
+                <a:tc>
+                  <a:txBody>
+                    <a:bodyPr/>
+                    <a:lstStyle/>
+                    <a:p>
+                      <a:pPr algn="r" fontAlgn="ctr"/>
+                      <a:r>
+                        <a:rPr lang="en-US" sz="1500">
+                          <a:effectLst/>
+                        </a:rPr>
+                        <a:t>9361</a:t>
+                      </a:r>
+                    </a:p>
+                  </a:txBody>
+                  <a:tcPr marL="77702" marR="77702" marT="38851" marB="38851" anchor="ctr">
+                    <a:lnL>
+                      <a:noFill/>
+                    </a:lnL>
+                    <a:lnR>
+                      <a:noFill/>
+                    </a:lnR>
+                    <a:lnT>
+                      <a:noFill/>
+                    </a:lnT>
+                    <a:lnB>
+                      <a:noFill/>
+                    </a:lnB>
+                    <a:solidFill>
+                      <a:srgbClr val="FFFFFF"/>
+                    </a:solidFill>
+                  </a:tcPr>
+                </a:tc>
+                <a:tc>
+                  <a:txBody>
+                    <a:bodyPr/>
+                    <a:lstStyle/>
+                    <a:p>
+                      <a:pPr algn="r" fontAlgn="ctr"/>
+                      <a:r>
+                        <a:rPr lang="en-US" sz="1500">
+                          <a:effectLst/>
+                        </a:rPr>
+                        <a:t>47264</a:t>
+                      </a:r>
+                    </a:p>
+                  </a:txBody>
+                  <a:tcPr marL="77702" marR="77702" marT="38851" marB="38851" anchor="ctr">
+                    <a:lnL>
+                      <a:noFill/>
+                    </a:lnL>
+                    <a:lnR>
+                      <a:noFill/>
+                    </a:lnR>
+                    <a:lnT>
+                      <a:noFill/>
+                    </a:lnT>
+                    <a:lnB>
+                      <a:noFill/>
+                    </a:lnB>
+                    <a:solidFill>
+                      <a:srgbClr val="FFFFFF"/>
+                    </a:solidFill>
+                  </a:tcPr>
+                </a:tc>
+                <a:extLst>
+                  <a:ext uri="{0D108BD9-81ED-4DB2-BD59-A6C34878D82A}">
+                    <a16:rowId xmlns:a16="http://schemas.microsoft.com/office/drawing/2014/main" val="3805146340"/>
+                  </a:ext>
+                </a:extLst>
+              </a:tr>
+              <a:tr h="310810">
+                <a:tc>
+                  <a:txBody>
+                    <a:bodyPr/>
+                    <a:lstStyle/>
+                    <a:p>
+                      <a:pPr algn="r" fontAlgn="ctr"/>
+                      <a:r>
+                        <a:rPr lang="en-US" sz="1500" dirty="0">
+                          <a:effectLst/>
+                        </a:rPr>
+                        <a:t>NY</a:t>
+                      </a:r>
+                    </a:p>
+                  </a:txBody>
+                  <a:tcPr marL="77702" marR="77702" marT="38851" marB="38851" anchor="ctr">
+                    <a:lnL>
+                      <a:noFill/>
+                    </a:lnL>
+                    <a:lnR>
+                      <a:noFill/>
+                    </a:lnR>
+                    <a:lnT>
+                      <a:noFill/>
+                    </a:lnT>
+                    <a:lnB>
+                      <a:noFill/>
+                    </a:lnB>
+                    <a:solidFill>
+                      <a:srgbClr val="F5F5F5"/>
+                    </a:solidFill>
+                  </a:tcPr>
+                </a:tc>
+                <a:tc>
+                  <a:txBody>
+                    <a:bodyPr/>
+                    <a:lstStyle/>
+                    <a:p>
+                      <a:pPr algn="r" fontAlgn="ctr"/>
+                      <a:r>
+                        <a:rPr lang="en-US" sz="1500">
+                          <a:effectLst/>
+                        </a:rPr>
+                        <a:t>13967</a:t>
+                      </a:r>
+                    </a:p>
+                  </a:txBody>
+                  <a:tcPr marL="77702" marR="77702" marT="38851" marB="38851" anchor="ctr">
+                    <a:lnL>
+                      <a:noFill/>
+                    </a:lnL>
+                    <a:lnR>
+                      <a:noFill/>
+                    </a:lnR>
+                    <a:lnT>
+                      <a:noFill/>
+                    </a:lnT>
+                    <a:lnB>
+                      <a:noFill/>
+                    </a:lnB>
+                    <a:solidFill>
+                      <a:srgbClr val="F5F5F5"/>
+                    </a:solidFill>
+                  </a:tcPr>
+                </a:tc>
+                <a:tc>
+                  <a:txBody>
+                    <a:bodyPr/>
+                    <a:lstStyle/>
+                    <a:p>
+                      <a:pPr algn="r" fontAlgn="ctr"/>
+                      <a:r>
+                        <a:rPr lang="en-US" sz="1500" dirty="0">
+                          <a:effectLst/>
+                        </a:rPr>
+                        <a:t>85918</a:t>
+                      </a:r>
+                    </a:p>
+                  </a:txBody>
+                  <a:tcPr marL="77702" marR="77702" marT="38851" marB="38851" anchor="ctr">
+                    <a:lnL>
+                      <a:noFill/>
+                    </a:lnL>
+                    <a:lnR>
+                      <a:noFill/>
+                    </a:lnR>
+                    <a:lnT>
+                      <a:noFill/>
+                    </a:lnT>
+                    <a:lnB>
+                      <a:noFill/>
+                    </a:lnB>
+                    <a:solidFill>
+                      <a:srgbClr val="F5F5F5"/>
+                    </a:solidFill>
+                  </a:tcPr>
+                </a:tc>
+                <a:extLst>
+                  <a:ext uri="{0D108BD9-81ED-4DB2-BD59-A6C34878D82A}">
+                    <a16:rowId xmlns:a16="http://schemas.microsoft.com/office/drawing/2014/main" val="2864465147"/>
+                  </a:ext>
+                </a:extLst>
+              </a:tr>
+            </a:tbl>
+          </a:graphicData>
+        </a:graphic>
+      </p:graphicFrame>
     </p:spTree>
     <p:extLst>
       <p:ext uri="{BB962C8B-B14F-4D97-AF65-F5344CB8AC3E}">
-        <p14:creationId xmlns:p14="http://schemas.microsoft.com/office/powerpoint/2010/main" val="116821060"/>
+        <p14:creationId xmlns:p14="http://schemas.microsoft.com/office/powerpoint/2010/main" val="1467147153"/>
       </p:ext>
     </p:extLst>
   </p:cSld>

--- a/EDA G2M Insight Cab Investment - Presentation.pptx
+++ b/EDA G2M Insight Cab Investment - Presentation.pptx
@@ -14,8 +14,10 @@
     <p:sldId id="272" r:id="rId8"/>
     <p:sldId id="275" r:id="rId9"/>
     <p:sldId id="276" r:id="rId10"/>
-    <p:sldId id="269" r:id="rId11"/>
-    <p:sldId id="268" r:id="rId12"/>
+    <p:sldId id="278" r:id="rId11"/>
+    <p:sldId id="279" r:id="rId12"/>
+    <p:sldId id="269" r:id="rId13"/>
+    <p:sldId id="268" r:id="rId14"/>
   </p:sldIdLst>
   <p:sldSz cx="12192000" cy="6858000"/>
   <p:notesSz cx="6858000" cy="9144000"/>
@@ -3104,6 +3106,365 @@
           <p:cNvPr id="2" name="Title 1">
             <a:extLst>
               <a:ext uri="{FF2B5EF4-FFF2-40B4-BE49-F238E27FC236}">
+                <a16:creationId xmlns:a16="http://schemas.microsoft.com/office/drawing/2014/main" id="{E8B8F26E-9345-4747-9094-972E38700A17}"/>
+              </a:ext>
+            </a:extLst>
+          </p:cNvPr>
+          <p:cNvSpPr>
+            <a:spLocks noGrp="1"/>
+          </p:cNvSpPr>
+          <p:nvPr>
+            <p:ph type="ctrTitle"/>
+          </p:nvPr>
+        </p:nvSpPr>
+        <p:spPr>
+          <a:xfrm rot="5400000">
+            <a:off x="5598884" y="-5598884"/>
+            <a:ext cx="994232" cy="12192000"/>
+          </a:xfrm>
+          <a:solidFill>
+            <a:srgbClr val="3B3B3B"/>
+          </a:solidFill>
+        </p:spPr>
+        <p:txBody>
+          <a:bodyPr vert="vert270" tIns="274320" rIns="91440" bIns="274320" anchor="t" anchorCtr="0">
+            <a:normAutofit fontScale="90000"/>
+          </a:bodyPr>
+          <a:lstStyle/>
+          <a:p>
+            <a:pPr algn="l"/>
+            <a:r>
+              <a:rPr lang="en-US" b="1" dirty="0">
+                <a:solidFill>
+                  <a:srgbClr val="FF6600"/>
+                </a:solidFill>
+              </a:rPr>
+              <a:t>Customer Age</a:t>
+            </a:r>
+          </a:p>
+        </p:txBody>
+      </p:sp>
+      <p:pic>
+        <p:nvPicPr>
+          <p:cNvPr id="4" name="Picture 3">
+            <a:extLst>
+              <a:ext uri="{FF2B5EF4-FFF2-40B4-BE49-F238E27FC236}">
+                <a16:creationId xmlns:a16="http://schemas.microsoft.com/office/drawing/2014/main" id="{7A465064-0714-5743-882B-8875105A7023}"/>
+              </a:ext>
+            </a:extLst>
+          </p:cNvPr>
+          <p:cNvPicPr>
+            <a:picLocks noChangeAspect="1"/>
+          </p:cNvPicPr>
+          <p:nvPr/>
+        </p:nvPicPr>
+        <p:blipFill>
+          <a:blip r:embed="rId2" cstate="print">
+            <a:extLst>
+              <a:ext uri="{28A0092B-C50C-407E-A947-70E740481C1C}">
+                <a14:useLocalDpi xmlns:a14="http://schemas.microsoft.com/office/drawing/2010/main" val="0"/>
+              </a:ext>
+            </a:extLst>
+          </a:blip>
+          <a:stretch>
+            <a:fillRect/>
+          </a:stretch>
+        </p:blipFill>
+        <p:spPr>
+          <a:xfrm>
+            <a:off x="0" y="5863771"/>
+            <a:ext cx="1654627" cy="994232"/>
+          </a:xfrm>
+          <a:prstGeom prst="rect">
+            <a:avLst/>
+          </a:prstGeom>
+        </p:spPr>
+      </p:pic>
+      <p:pic>
+        <p:nvPicPr>
+          <p:cNvPr id="3080" name="Picture 8">
+            <a:extLst>
+              <a:ext uri="{FF2B5EF4-FFF2-40B4-BE49-F238E27FC236}">
+                <a16:creationId xmlns:a16="http://schemas.microsoft.com/office/drawing/2014/main" id="{C65A8BBD-DE21-AF9C-9763-7F6F2D5C2A14}"/>
+              </a:ext>
+            </a:extLst>
+          </p:cNvPr>
+          <p:cNvPicPr>
+            <a:picLocks noChangeAspect="1" noChangeArrowheads="1"/>
+          </p:cNvPicPr>
+          <p:nvPr/>
+        </p:nvPicPr>
+        <p:blipFill>
+          <a:blip r:embed="rId3">
+            <a:extLst>
+              <a:ext uri="{28A0092B-C50C-407E-A947-70E740481C1C}">
+                <a14:useLocalDpi xmlns:a14="http://schemas.microsoft.com/office/drawing/2010/main" val="0"/>
+              </a:ext>
+            </a:extLst>
+          </a:blip>
+          <a:srcRect/>
+          <a:stretch>
+            <a:fillRect/>
+          </a:stretch>
+        </p:blipFill>
+        <p:spPr bwMode="auto">
+          <a:xfrm>
+            <a:off x="0" y="820738"/>
+            <a:ext cx="12192000" cy="5214937"/>
+          </a:xfrm>
+          <a:prstGeom prst="rect">
+            <a:avLst/>
+          </a:prstGeom>
+          <a:noFill/>
+          <a:extLst>
+            <a:ext uri="{909E8E84-426E-40DD-AFC4-6F175D3DCCD1}">
+              <a14:hiddenFill xmlns:a14="http://schemas.microsoft.com/office/drawing/2010/main">
+                <a:solidFill>
+                  <a:srgbClr val="FFFFFF"/>
+                </a:solidFill>
+              </a14:hiddenFill>
+            </a:ext>
+          </a:extLst>
+        </p:spPr>
+      </p:pic>
+    </p:spTree>
+    <p:extLst>
+      <p:ext uri="{BB962C8B-B14F-4D97-AF65-F5344CB8AC3E}">
+        <p14:creationId xmlns:p14="http://schemas.microsoft.com/office/powerpoint/2010/main" val="1618857359"/>
+      </p:ext>
+    </p:extLst>
+  </p:cSld>
+  <p:clrMapOvr>
+    <a:masterClrMapping/>
+  </p:clrMapOvr>
+</p:sld>
+</file>
+
+<file path=ppt/slides/slide11.xml><?xml version="1.0" encoding="utf-8"?>
+<p:sld xmlns:a="http://schemas.openxmlformats.org/drawingml/2006/main" xmlns:r="http://schemas.openxmlformats.org/officeDocument/2006/relationships" xmlns:p="http://schemas.openxmlformats.org/presentationml/2006/main">
+  <p:cSld>
+    <p:spTree>
+      <p:nvGrpSpPr>
+        <p:cNvPr id="1" name=""/>
+        <p:cNvGrpSpPr/>
+        <p:nvPr/>
+      </p:nvGrpSpPr>
+      <p:grpSpPr>
+        <a:xfrm>
+          <a:off x="0" y="0"/>
+          <a:ext cx="0" cy="0"/>
+          <a:chOff x="0" y="0"/>
+          <a:chExt cx="0" cy="0"/>
+        </a:xfrm>
+      </p:grpSpPr>
+      <p:sp>
+        <p:nvSpPr>
+          <p:cNvPr id="2" name="Title 1">
+            <a:extLst>
+              <a:ext uri="{FF2B5EF4-FFF2-40B4-BE49-F238E27FC236}">
+                <a16:creationId xmlns:a16="http://schemas.microsoft.com/office/drawing/2014/main" id="{E8B8F26E-9345-4747-9094-972E38700A17}"/>
+              </a:ext>
+            </a:extLst>
+          </p:cNvPr>
+          <p:cNvSpPr>
+            <a:spLocks noGrp="1"/>
+          </p:cNvSpPr>
+          <p:nvPr>
+            <p:ph type="ctrTitle"/>
+          </p:nvPr>
+        </p:nvSpPr>
+        <p:spPr>
+          <a:xfrm rot="5400000">
+            <a:off x="-562431" y="562430"/>
+            <a:ext cx="6858002" cy="5733142"/>
+          </a:xfrm>
+          <a:solidFill>
+            <a:srgbClr val="3B3B3B"/>
+          </a:solidFill>
+        </p:spPr>
+        <p:txBody>
+          <a:bodyPr vert="vert270" anchor="t" anchorCtr="0"/>
+          <a:lstStyle/>
+          <a:p>
+            <a:br>
+              <a:rPr lang="en-US" dirty="0"/>
+            </a:br>
+            <a:br>
+              <a:rPr lang="en-US" dirty="0"/>
+            </a:br>
+            <a:br>
+              <a:rPr lang="en-US" dirty="0"/>
+            </a:br>
+            <a:r>
+              <a:rPr lang="en-US" b="1" dirty="0">
+                <a:solidFill>
+                  <a:srgbClr val="FF6600"/>
+                </a:solidFill>
+              </a:rPr>
+              <a:t>Recommendation</a:t>
+            </a:r>
+          </a:p>
+        </p:txBody>
+      </p:sp>
+      <p:sp>
+        <p:nvSpPr>
+          <p:cNvPr id="3" name="Subtitle 2">
+            <a:extLst>
+              <a:ext uri="{FF2B5EF4-FFF2-40B4-BE49-F238E27FC236}">
+                <a16:creationId xmlns:a16="http://schemas.microsoft.com/office/drawing/2014/main" id="{60B3D5A6-E766-7C41-BD00-B22DA4727FBA}"/>
+              </a:ext>
+            </a:extLst>
+          </p:cNvPr>
+          <p:cNvSpPr>
+            <a:spLocks noGrp="1"/>
+          </p:cNvSpPr>
+          <p:nvPr>
+            <p:ph type="subTitle" idx="1"/>
+          </p:nvPr>
+        </p:nvSpPr>
+        <p:spPr>
+          <a:xfrm rot="5400000">
+            <a:off x="5533569" y="199573"/>
+            <a:ext cx="6858004" cy="6458857"/>
+          </a:xfrm>
+        </p:spPr>
+        <p:txBody>
+          <a:bodyPr vert="vert270">
+            <a:normAutofit/>
+          </a:bodyPr>
+          <a:lstStyle/>
+          <a:p>
+            <a:endParaRPr lang="en-US" dirty="0">
+              <a:solidFill>
+                <a:srgbClr val="FF6600"/>
+              </a:solidFill>
+            </a:endParaRPr>
+          </a:p>
+          <a:p>
+            <a:pPr algn="just"/>
+            <a:r>
+              <a:rPr lang="en-US" dirty="0">
+                <a:solidFill>
+                  <a:srgbClr val="FF6600"/>
+                </a:solidFill>
+              </a:rPr>
+              <a:t>   </a:t>
+            </a:r>
+          </a:p>
+          <a:p>
+            <a:pPr algn="just"/>
+            <a:r>
+              <a:rPr lang="en-US" sz="2800" dirty="0">
+                <a:solidFill>
+                  <a:srgbClr val="FF6600"/>
+                </a:solidFill>
+              </a:rPr>
+              <a:t>         </a:t>
+            </a:r>
+          </a:p>
+          <a:p>
+            <a:pPr algn="just"/>
+            <a:r>
+              <a:rPr lang="en-US" sz="2800" dirty="0">
+                <a:solidFill>
+                  <a:srgbClr val="FF6600"/>
+                </a:solidFill>
+              </a:rPr>
+              <a:t>         </a:t>
+            </a:r>
+            <a:endParaRPr lang="en-US" sz="3200" dirty="0">
+              <a:solidFill>
+                <a:srgbClr val="FF6600"/>
+              </a:solidFill>
+            </a:endParaRPr>
+          </a:p>
+          <a:p>
+            <a:endParaRPr lang="en-US" dirty="0">
+              <a:solidFill>
+                <a:srgbClr val="FF6600"/>
+              </a:solidFill>
+            </a:endParaRPr>
+          </a:p>
+          <a:p>
+            <a:endParaRPr lang="en-US" dirty="0">
+              <a:solidFill>
+                <a:srgbClr val="FF6600"/>
+              </a:solidFill>
+            </a:endParaRPr>
+          </a:p>
+        </p:txBody>
+      </p:sp>
+      <p:pic>
+        <p:nvPicPr>
+          <p:cNvPr id="4" name="Picture 3">
+            <a:extLst>
+              <a:ext uri="{FF2B5EF4-FFF2-40B4-BE49-F238E27FC236}">
+                <a16:creationId xmlns:a16="http://schemas.microsoft.com/office/drawing/2014/main" id="{7A465064-0714-5743-882B-8875105A7023}"/>
+              </a:ext>
+            </a:extLst>
+          </p:cNvPr>
+          <p:cNvPicPr>
+            <a:picLocks noChangeAspect="1"/>
+          </p:cNvPicPr>
+          <p:nvPr/>
+        </p:nvPicPr>
+        <p:blipFill>
+          <a:blip r:embed="rId2" cstate="print">
+            <a:extLst>
+              <a:ext uri="{28A0092B-C50C-407E-A947-70E740481C1C}">
+                <a14:useLocalDpi xmlns:a14="http://schemas.microsoft.com/office/drawing/2010/main" val="0"/>
+              </a:ext>
+            </a:extLst>
+          </a:blip>
+          <a:stretch>
+            <a:fillRect/>
+          </a:stretch>
+        </p:blipFill>
+        <p:spPr>
+          <a:xfrm>
+            <a:off x="0" y="5863771"/>
+            <a:ext cx="1654627" cy="994232"/>
+          </a:xfrm>
+          <a:prstGeom prst="rect">
+            <a:avLst/>
+          </a:prstGeom>
+        </p:spPr>
+      </p:pic>
+    </p:spTree>
+    <p:extLst>
+      <p:ext uri="{BB962C8B-B14F-4D97-AF65-F5344CB8AC3E}">
+        <p14:creationId xmlns:p14="http://schemas.microsoft.com/office/powerpoint/2010/main" val="2960931535"/>
+      </p:ext>
+    </p:extLst>
+  </p:cSld>
+  <p:clrMapOvr>
+    <a:masterClrMapping/>
+  </p:clrMapOvr>
+</p:sld>
+</file>
+
+<file path=ppt/slides/slide12.xml><?xml version="1.0" encoding="utf-8"?>
+<p:sld xmlns:a="http://schemas.openxmlformats.org/drawingml/2006/main" xmlns:r="http://schemas.openxmlformats.org/officeDocument/2006/relationships" xmlns:p="http://schemas.openxmlformats.org/presentationml/2006/main">
+  <p:cSld>
+    <p:spTree>
+      <p:nvGrpSpPr>
+        <p:cNvPr id="1" name=""/>
+        <p:cNvGrpSpPr/>
+        <p:nvPr/>
+      </p:nvGrpSpPr>
+      <p:grpSpPr>
+        <a:xfrm>
+          <a:off x="0" y="0"/>
+          <a:ext cx="0" cy="0"/>
+          <a:chOff x="0" y="0"/>
+          <a:chExt cx="0" cy="0"/>
+        </a:xfrm>
+      </p:grpSpPr>
+      <p:sp>
+        <p:nvSpPr>
+          <p:cNvPr id="2" name="Title 1">
+            <a:extLst>
+              <a:ext uri="{FF2B5EF4-FFF2-40B4-BE49-F238E27FC236}">
                 <a16:creationId xmlns:a16="http://schemas.microsoft.com/office/drawing/2014/main" id="{C0BB1761-87D5-20A7-1491-7E6FC50B2759}"/>
               </a:ext>
             </a:extLst>
@@ -3162,7 +3523,7 @@
 </p:sld>
 </file>
 
-<file path=ppt/slides/slide11.xml><?xml version="1.0" encoding="utf-8"?>
+<file path=ppt/slides/slide13.xml><?xml version="1.0" encoding="utf-8"?>
 <p:sld xmlns:a="http://schemas.openxmlformats.org/drawingml/2006/main" xmlns:r="http://schemas.openxmlformats.org/officeDocument/2006/relationships" xmlns:p="http://schemas.openxmlformats.org/presentationml/2006/main">
   <p:cSld>
     <p:spTree>
@@ -4296,7 +4657,7 @@
         </p:nvGrpSpPr>
         <p:grpSpPr>
           <a:xfrm>
-            <a:off x="1067891" y="3258167"/>
+            <a:off x="3146236" y="3429000"/>
             <a:ext cx="1242615" cy="1643018"/>
             <a:chOff x="1067891" y="3258167"/>
             <a:chExt cx="1242615" cy="1643018"/>
@@ -4391,7 +4752,7 @@
         </p:nvGrpSpPr>
         <p:grpSpPr>
           <a:xfrm>
-            <a:off x="4622739" y="3178393"/>
+            <a:off x="6701084" y="3349226"/>
             <a:ext cx="1813830" cy="1722792"/>
             <a:chOff x="4622739" y="3178393"/>
             <a:chExt cx="1813830" cy="1722792"/>
@@ -4548,140 +4909,6 @@
           </a:p>
         </p:txBody>
       </p:sp>
-      <p:grpSp>
-        <p:nvGrpSpPr>
-          <p:cNvPr id="37" name="Group 36">
-            <a:extLst>
-              <a:ext uri="{FF2B5EF4-FFF2-40B4-BE49-F238E27FC236}">
-                <a16:creationId xmlns:a16="http://schemas.microsoft.com/office/drawing/2014/main" id="{D456EAFF-42A8-AEE0-D3CA-B8B0ABBF4624}"/>
-              </a:ext>
-            </a:extLst>
-          </p:cNvPr>
-          <p:cNvGrpSpPr/>
-          <p:nvPr/>
-        </p:nvGrpSpPr>
-        <p:grpSpPr>
-          <a:xfrm>
-            <a:off x="8612659" y="3158804"/>
-            <a:ext cx="1102931" cy="1700590"/>
-            <a:chOff x="8612659" y="3158804"/>
-            <a:chExt cx="1102931" cy="1700590"/>
-          </a:xfrm>
-        </p:grpSpPr>
-        <p:pic>
-          <p:nvPicPr>
-            <p:cNvPr id="33" name="Graphic 32" descr="User outline">
-              <a:extLst>
-                <a:ext uri="{FF2B5EF4-FFF2-40B4-BE49-F238E27FC236}">
-                  <a16:creationId xmlns:a16="http://schemas.microsoft.com/office/drawing/2014/main" id="{DF7C3A5E-CE72-0BB3-D40C-786348AF94B6}"/>
-                </a:ext>
-              </a:extLst>
-            </p:cNvPr>
-            <p:cNvPicPr>
-              <a:picLocks noChangeAspect="1"/>
-            </p:cNvPicPr>
-            <p:nvPr/>
-          </p:nvPicPr>
-          <p:blipFill>
-            <a:blip r:embed="rId13">
-              <a:extLst>
-                <a:ext uri="{28A0092B-C50C-407E-A947-70E740481C1C}">
-                  <a14:useLocalDpi xmlns:a14="http://schemas.microsoft.com/office/drawing/2010/main" val="0"/>
-                </a:ext>
-                <a:ext uri="{96DAC541-7B7A-43D3-8B79-37D633B846F1}">
-                  <asvg:svgBlip xmlns:asvg="http://schemas.microsoft.com/office/drawing/2016/SVG/main" r:embed="rId14"/>
-                </a:ext>
-              </a:extLst>
-            </a:blip>
-            <a:stretch>
-              <a:fillRect/>
-            </a:stretch>
-          </p:blipFill>
-          <p:spPr>
-            <a:xfrm>
-              <a:off x="8705487" y="3158804"/>
-              <a:ext cx="914400" cy="914400"/>
-            </a:xfrm>
-            <a:prstGeom prst="rect">
-              <a:avLst/>
-            </a:prstGeom>
-          </p:spPr>
-        </p:pic>
-        <p:pic>
-          <p:nvPicPr>
-            <p:cNvPr id="35" name="Graphic 34" descr="Rating Star with solid fill">
-              <a:extLst>
-                <a:ext uri="{FF2B5EF4-FFF2-40B4-BE49-F238E27FC236}">
-                  <a16:creationId xmlns:a16="http://schemas.microsoft.com/office/drawing/2014/main" id="{A47933FA-4822-F420-A098-967476250949}"/>
-                </a:ext>
-              </a:extLst>
-            </p:cNvPr>
-            <p:cNvPicPr>
-              <a:picLocks noChangeAspect="1"/>
-            </p:cNvPicPr>
-            <p:nvPr/>
-          </p:nvPicPr>
-          <p:blipFill>
-            <a:blip r:embed="rId15">
-              <a:extLst>
-                <a:ext uri="{28A0092B-C50C-407E-A947-70E740481C1C}">
-                  <a14:useLocalDpi xmlns:a14="http://schemas.microsoft.com/office/drawing/2010/main" val="0"/>
-                </a:ext>
-                <a:ext uri="{96DAC541-7B7A-43D3-8B79-37D633B846F1}">
-                  <asvg:svgBlip xmlns:asvg="http://schemas.microsoft.com/office/drawing/2016/SVG/main" r:embed="rId16"/>
-                </a:ext>
-              </a:extLst>
-            </a:blip>
-            <a:stretch>
-              <a:fillRect/>
-            </a:stretch>
-          </p:blipFill>
-          <p:spPr>
-            <a:xfrm>
-              <a:off x="8705487" y="3734898"/>
-              <a:ext cx="914400" cy="914400"/>
-            </a:xfrm>
-            <a:prstGeom prst="rect">
-              <a:avLst/>
-            </a:prstGeom>
-          </p:spPr>
-        </p:pic>
-        <p:sp>
-          <p:nvSpPr>
-            <p:cNvPr id="36" name="TextBox 35">
-              <a:extLst>
-                <a:ext uri="{FF2B5EF4-FFF2-40B4-BE49-F238E27FC236}">
-                  <a16:creationId xmlns:a16="http://schemas.microsoft.com/office/drawing/2014/main" id="{B8D0239A-D8AB-3C74-75BA-6FACC61638A4}"/>
-                </a:ext>
-              </a:extLst>
-            </p:cNvPr>
-            <p:cNvSpPr txBox="1"/>
-            <p:nvPr/>
-          </p:nvSpPr>
-          <p:spPr>
-            <a:xfrm>
-              <a:off x="8612659" y="4490062"/>
-              <a:ext cx="1102931" cy="369332"/>
-            </a:xfrm>
-            <a:prstGeom prst="rect">
-              <a:avLst/>
-            </a:prstGeom>
-            <a:noFill/>
-          </p:spPr>
-          <p:txBody>
-            <a:bodyPr wrap="none" rtlCol="0">
-              <a:spAutoFit/>
-            </a:bodyPr>
-            <a:lstStyle/>
-            <a:p>
-              <a:r>
-                <a:rPr lang="en-US" dirty="0"/>
-                <a:t>Retention</a:t>
-              </a:r>
-            </a:p>
-          </p:txBody>
-        </p:sp>
-      </p:grpSp>
     </p:spTree>
     <p:extLst>
       <p:ext uri="{BB962C8B-B14F-4D97-AF65-F5344CB8AC3E}">
@@ -7514,8 +7741,8 @@
         </p:blipFill>
         <p:spPr bwMode="auto">
           <a:xfrm>
-            <a:off x="6096001" y="1196959"/>
-            <a:ext cx="5151162" cy="3655362"/>
+            <a:off x="8237229" y="1297069"/>
+            <a:ext cx="3658454" cy="2596108"/>
           </a:xfrm>
           <a:prstGeom prst="rect">
             <a:avLst/>
@@ -7532,713 +7759,6 @@
           </a:extLst>
         </p:spPr>
       </p:pic>
-      <p:graphicFrame>
-        <p:nvGraphicFramePr>
-          <p:cNvPr id="3" name="Table 2">
-            <a:extLst>
-              <a:ext uri="{FF2B5EF4-FFF2-40B4-BE49-F238E27FC236}">
-                <a16:creationId xmlns:a16="http://schemas.microsoft.com/office/drawing/2014/main" id="{570B6AFD-E6AB-83DF-E0A4-0F40970527D8}"/>
-              </a:ext>
-            </a:extLst>
-          </p:cNvPr>
-          <p:cNvGraphicFramePr>
-            <a:graphicFrameLocks noGrp="1"/>
-          </p:cNvGraphicFramePr>
-          <p:nvPr>
-            <p:extLst>
-              <p:ext uri="{D42A27DB-BD31-4B8C-83A1-F6EECF244321}">
-                <p14:modId xmlns:p14="http://schemas.microsoft.com/office/powerpoint/2010/main" val="3571089865"/>
-              </p:ext>
-            </p:extLst>
-          </p:nvPr>
-        </p:nvGraphicFramePr>
-        <p:xfrm>
-          <a:off x="67731" y="4888299"/>
-          <a:ext cx="9643535" cy="1346582"/>
-        </p:xfrm>
-        <a:graphic>
-          <a:graphicData uri="http://schemas.openxmlformats.org/drawingml/2006/table">
-            <a:tbl>
-              <a:tblPr/>
-              <a:tblGrid>
-                <a:gridCol w="1928707">
-                  <a:extLst>
-                    <a:ext uri="{9D8B030D-6E8A-4147-A177-3AD203B41FA5}">
-                      <a16:colId xmlns:a16="http://schemas.microsoft.com/office/drawing/2014/main" val="470240492"/>
-                    </a:ext>
-                  </a:extLst>
-                </a:gridCol>
-                <a:gridCol w="1928707">
-                  <a:extLst>
-                    <a:ext uri="{9D8B030D-6E8A-4147-A177-3AD203B41FA5}">
-                      <a16:colId xmlns:a16="http://schemas.microsoft.com/office/drawing/2014/main" val="1779825436"/>
-                    </a:ext>
-                  </a:extLst>
-                </a:gridCol>
-                <a:gridCol w="1928707">
-                  <a:extLst>
-                    <a:ext uri="{9D8B030D-6E8A-4147-A177-3AD203B41FA5}">
-                      <a16:colId xmlns:a16="http://schemas.microsoft.com/office/drawing/2014/main" val="2772398768"/>
-                    </a:ext>
-                  </a:extLst>
-                </a:gridCol>
-                <a:gridCol w="1928707">
-                  <a:extLst>
-                    <a:ext uri="{9D8B030D-6E8A-4147-A177-3AD203B41FA5}">
-                      <a16:colId xmlns:a16="http://schemas.microsoft.com/office/drawing/2014/main" val="1287772651"/>
-                    </a:ext>
-                  </a:extLst>
-                </a:gridCol>
-                <a:gridCol w="1928707">
-                  <a:extLst>
-                    <a:ext uri="{9D8B030D-6E8A-4147-A177-3AD203B41FA5}">
-                      <a16:colId xmlns:a16="http://schemas.microsoft.com/office/drawing/2014/main" val="897986154"/>
-                    </a:ext>
-                  </a:extLst>
-                </a:gridCol>
-              </a:tblGrid>
-              <a:tr h="432182">
-                <a:tc>
-                  <a:txBody>
-                    <a:bodyPr/>
-                    <a:lstStyle/>
-                    <a:p>
-                      <a:pPr algn="r" fontAlgn="ctr"/>
-                      <a:r>
-                        <a:rPr lang="en-US" sz="1400" b="1" dirty="0">
-                          <a:effectLst/>
-                        </a:rPr>
-                        <a:t>Year</a:t>
-                      </a:r>
-                    </a:p>
-                  </a:txBody>
-                  <a:tcPr anchor="ctr">
-                    <a:lnL>
-                      <a:noFill/>
-                    </a:lnL>
-                    <a:lnR>
-                      <a:noFill/>
-                    </a:lnR>
-                    <a:lnT>
-                      <a:noFill/>
-                    </a:lnT>
-                    <a:lnB>
-                      <a:noFill/>
-                    </a:lnB>
-                  </a:tcPr>
-                </a:tc>
-                <a:tc>
-                  <a:txBody>
-                    <a:bodyPr/>
-                    <a:lstStyle/>
-                    <a:p>
-                      <a:pPr algn="r" fontAlgn="ctr"/>
-                      <a:r>
-                        <a:rPr lang="en-US" sz="1400" b="1">
-                          <a:effectLst/>
-                        </a:rPr>
-                        <a:t>Pink Cab</a:t>
-                      </a:r>
-                    </a:p>
-                  </a:txBody>
-                  <a:tcPr anchor="ctr">
-                    <a:lnL>
-                      <a:noFill/>
-                    </a:lnL>
-                    <a:lnR>
-                      <a:noFill/>
-                    </a:lnR>
-                    <a:lnT>
-                      <a:noFill/>
-                    </a:lnT>
-                    <a:lnB>
-                      <a:noFill/>
-                    </a:lnB>
-                  </a:tcPr>
-                </a:tc>
-                <a:tc>
-                  <a:txBody>
-                    <a:bodyPr/>
-                    <a:lstStyle/>
-                    <a:p>
-                      <a:pPr algn="r" fontAlgn="ctr"/>
-                      <a:r>
-                        <a:rPr lang="en-US" sz="1400" b="1">
-                          <a:effectLst/>
-                        </a:rPr>
-                        <a:t>Yellow Cab</a:t>
-                      </a:r>
-                    </a:p>
-                  </a:txBody>
-                  <a:tcPr anchor="ctr">
-                    <a:lnL>
-                      <a:noFill/>
-                    </a:lnL>
-                    <a:lnR>
-                      <a:noFill/>
-                    </a:lnR>
-                    <a:lnT>
-                      <a:noFill/>
-                    </a:lnT>
-                    <a:lnB>
-                      <a:noFill/>
-                    </a:lnB>
-                  </a:tcPr>
-                </a:tc>
-                <a:tc>
-                  <a:txBody>
-                    <a:bodyPr/>
-                    <a:lstStyle/>
-                    <a:p>
-                      <a:pPr algn="r" fontAlgn="ctr"/>
-                      <a:r>
-                        <a:rPr lang="en-US" sz="1400" b="1" dirty="0">
-                          <a:effectLst/>
-                        </a:rPr>
-                        <a:t>Pink_Cab_Change</a:t>
-                      </a:r>
-                    </a:p>
-                  </a:txBody>
-                  <a:tcPr anchor="ctr">
-                    <a:lnL>
-                      <a:noFill/>
-                    </a:lnL>
-                    <a:lnR>
-                      <a:noFill/>
-                    </a:lnR>
-                    <a:lnT>
-                      <a:noFill/>
-                    </a:lnT>
-                    <a:lnB>
-                      <a:noFill/>
-                    </a:lnB>
-                  </a:tcPr>
-                </a:tc>
-                <a:tc>
-                  <a:txBody>
-                    <a:bodyPr/>
-                    <a:lstStyle/>
-                    <a:p>
-                      <a:pPr algn="r" fontAlgn="ctr"/>
-                      <a:r>
-                        <a:rPr lang="en-US" sz="1400" b="1">
-                          <a:effectLst/>
-                        </a:rPr>
-                        <a:t>Yellow_Cab_Change</a:t>
-                      </a:r>
-                    </a:p>
-                  </a:txBody>
-                  <a:tcPr anchor="ctr">
-                    <a:lnL>
-                      <a:noFill/>
-                    </a:lnL>
-                    <a:lnR>
-                      <a:noFill/>
-                    </a:lnR>
-                    <a:lnT>
-                      <a:noFill/>
-                    </a:lnT>
-                    <a:lnB>
-                      <a:noFill/>
-                    </a:lnB>
-                  </a:tcPr>
-                </a:tc>
-                <a:extLst>
-                  <a:ext uri="{0D108BD9-81ED-4DB2-BD59-A6C34878D82A}">
-                    <a16:rowId xmlns:a16="http://schemas.microsoft.com/office/drawing/2014/main" val="3800087668"/>
-                  </a:ext>
-                </a:extLst>
-              </a:tr>
-              <a:tr h="251362">
-                <a:tc>
-                  <a:txBody>
-                    <a:bodyPr/>
-                    <a:lstStyle/>
-                    <a:p>
-                      <a:pPr algn="r" fontAlgn="ctr"/>
-                      <a:r>
-                        <a:rPr lang="en-US" sz="1400">
-                          <a:effectLst/>
-                        </a:rPr>
-                        <a:t>2016</a:t>
-                      </a:r>
-                    </a:p>
-                  </a:txBody>
-                  <a:tcPr anchor="ctr">
-                    <a:lnL>
-                      <a:noFill/>
-                    </a:lnL>
-                    <a:lnR>
-                      <a:noFill/>
-                    </a:lnR>
-                    <a:lnT>
-                      <a:noFill/>
-                    </a:lnT>
-                    <a:lnB>
-                      <a:noFill/>
-                    </a:lnB>
-                    <a:solidFill>
-                      <a:srgbClr val="F5F5F5"/>
-                    </a:solidFill>
-                  </a:tcPr>
-                </a:tc>
-                <a:tc>
-                  <a:txBody>
-                    <a:bodyPr/>
-                    <a:lstStyle/>
-                    <a:p>
-                      <a:pPr algn="r" fontAlgn="ctr"/>
-                      <a:r>
-                        <a:rPr lang="en-US" sz="1400">
-                          <a:effectLst/>
-                        </a:rPr>
-                        <a:t>1713511.24</a:t>
-                      </a:r>
-                    </a:p>
-                  </a:txBody>
-                  <a:tcPr anchor="ctr">
-                    <a:lnL>
-                      <a:noFill/>
-                    </a:lnL>
-                    <a:lnR>
-                      <a:noFill/>
-                    </a:lnR>
-                    <a:lnT>
-                      <a:noFill/>
-                    </a:lnT>
-                    <a:lnB>
-                      <a:noFill/>
-                    </a:lnB>
-                    <a:solidFill>
-                      <a:srgbClr val="F5F5F5"/>
-                    </a:solidFill>
-                  </a:tcPr>
-                </a:tc>
-                <a:tc>
-                  <a:txBody>
-                    <a:bodyPr/>
-                    <a:lstStyle/>
-                    <a:p>
-                      <a:pPr algn="r" fontAlgn="ctr"/>
-                      <a:r>
-                        <a:rPr lang="en-US" sz="1400" dirty="0">
-                          <a:effectLst/>
-                        </a:rPr>
-                        <a:t>13926996.40</a:t>
-                      </a:r>
-                    </a:p>
-                  </a:txBody>
-                  <a:tcPr anchor="ctr">
-                    <a:lnL>
-                      <a:noFill/>
-                    </a:lnL>
-                    <a:lnR>
-                      <a:noFill/>
-                    </a:lnR>
-                    <a:lnT>
-                      <a:noFill/>
-                    </a:lnT>
-                    <a:lnB>
-                      <a:noFill/>
-                    </a:lnB>
-                    <a:solidFill>
-                      <a:srgbClr val="F5F5F5"/>
-                    </a:solidFill>
-                  </a:tcPr>
-                </a:tc>
-                <a:tc>
-                  <a:txBody>
-                    <a:bodyPr/>
-                    <a:lstStyle/>
-                    <a:p>
-                      <a:pPr algn="r" fontAlgn="ctr"/>
-                      <a:r>
-                        <a:rPr lang="en-US" sz="1400" dirty="0">
-                          <a:effectLst/>
-                        </a:rPr>
-                        <a:t>0.00</a:t>
-                      </a:r>
-                    </a:p>
-                  </a:txBody>
-                  <a:tcPr anchor="ctr">
-                    <a:lnL>
-                      <a:noFill/>
-                    </a:lnL>
-                    <a:lnR>
-                      <a:noFill/>
-                    </a:lnR>
-                    <a:lnT>
-                      <a:noFill/>
-                    </a:lnT>
-                    <a:lnB>
-                      <a:noFill/>
-                    </a:lnB>
-                    <a:solidFill>
-                      <a:srgbClr val="F5F5F5"/>
-                    </a:solidFill>
-                  </a:tcPr>
-                </a:tc>
-                <a:tc>
-                  <a:txBody>
-                    <a:bodyPr/>
-                    <a:lstStyle/>
-                    <a:p>
-                      <a:pPr algn="r" fontAlgn="ctr"/>
-                      <a:r>
-                        <a:rPr lang="en-US" sz="1400">
-                          <a:effectLst/>
-                        </a:rPr>
-                        <a:t>0.00</a:t>
-                      </a:r>
-                    </a:p>
-                  </a:txBody>
-                  <a:tcPr anchor="ctr">
-                    <a:lnL>
-                      <a:noFill/>
-                    </a:lnL>
-                    <a:lnR>
-                      <a:noFill/>
-                    </a:lnR>
-                    <a:lnT>
-                      <a:noFill/>
-                    </a:lnT>
-                    <a:lnB>
-                      <a:noFill/>
-                    </a:lnB>
-                    <a:solidFill>
-                      <a:srgbClr val="F5F5F5"/>
-                    </a:solidFill>
-                  </a:tcPr>
-                </a:tc>
-                <a:extLst>
-                  <a:ext uri="{0D108BD9-81ED-4DB2-BD59-A6C34878D82A}">
-                    <a16:rowId xmlns:a16="http://schemas.microsoft.com/office/drawing/2014/main" val="2696097322"/>
-                  </a:ext>
-                </a:extLst>
-              </a:tr>
-              <a:tr h="251362">
-                <a:tc>
-                  <a:txBody>
-                    <a:bodyPr/>
-                    <a:lstStyle/>
-                    <a:p>
-                      <a:pPr algn="r" fontAlgn="ctr"/>
-                      <a:r>
-                        <a:rPr lang="en-US" sz="1400">
-                          <a:effectLst/>
-                        </a:rPr>
-                        <a:t>2017</a:t>
-                      </a:r>
-                    </a:p>
-                  </a:txBody>
-                  <a:tcPr anchor="ctr">
-                    <a:lnL>
-                      <a:noFill/>
-                    </a:lnL>
-                    <a:lnR>
-                      <a:noFill/>
-                    </a:lnR>
-                    <a:lnT>
-                      <a:noFill/>
-                    </a:lnT>
-                    <a:lnB>
-                      <a:noFill/>
-                    </a:lnB>
-                  </a:tcPr>
-                </a:tc>
-                <a:tc>
-                  <a:txBody>
-                    <a:bodyPr/>
-                    <a:lstStyle/>
-                    <a:p>
-                      <a:pPr algn="r" fontAlgn="ctr"/>
-                      <a:r>
-                        <a:rPr lang="en-US" sz="1400">
-                          <a:effectLst/>
-                        </a:rPr>
-                        <a:t>2033655.03</a:t>
-                      </a:r>
-                    </a:p>
-                  </a:txBody>
-                  <a:tcPr anchor="ctr">
-                    <a:lnL>
-                      <a:noFill/>
-                    </a:lnL>
-                    <a:lnR>
-                      <a:noFill/>
-                    </a:lnR>
-                    <a:lnT>
-                      <a:noFill/>
-                    </a:lnT>
-                    <a:lnB>
-                      <a:noFill/>
-                    </a:lnB>
-                  </a:tcPr>
-                </a:tc>
-                <a:tc>
-                  <a:txBody>
-                    <a:bodyPr/>
-                    <a:lstStyle/>
-                    <a:p>
-                      <a:pPr algn="r" fontAlgn="ctr"/>
-                      <a:r>
-                        <a:rPr lang="en-US" sz="1400">
-                          <a:effectLst/>
-                        </a:rPr>
-                        <a:t>16575977.40</a:t>
-                      </a:r>
-                    </a:p>
-                  </a:txBody>
-                  <a:tcPr anchor="ctr">
-                    <a:lnL>
-                      <a:noFill/>
-                    </a:lnL>
-                    <a:lnR>
-                      <a:noFill/>
-                    </a:lnR>
-                    <a:lnT>
-                      <a:noFill/>
-                    </a:lnT>
-                    <a:lnB>
-                      <a:noFill/>
-                    </a:lnB>
-                  </a:tcPr>
-                </a:tc>
-                <a:tc>
-                  <a:txBody>
-                    <a:bodyPr/>
-                    <a:lstStyle/>
-                    <a:p>
-                      <a:pPr algn="r" fontAlgn="ctr"/>
-                      <a:r>
-                        <a:rPr lang="en-US" sz="1400">
-                          <a:effectLst/>
-                        </a:rPr>
-                        <a:t>18.68</a:t>
-                      </a:r>
-                    </a:p>
-                  </a:txBody>
-                  <a:tcPr anchor="ctr">
-                    <a:lnL>
-                      <a:noFill/>
-                    </a:lnL>
-                    <a:lnR>
-                      <a:noFill/>
-                    </a:lnR>
-                    <a:lnT>
-                      <a:noFill/>
-                    </a:lnT>
-                    <a:lnB>
-                      <a:noFill/>
-                    </a:lnB>
-                  </a:tcPr>
-                </a:tc>
-                <a:tc>
-                  <a:txBody>
-                    <a:bodyPr/>
-                    <a:lstStyle/>
-                    <a:p>
-                      <a:pPr algn="r" fontAlgn="ctr"/>
-                      <a:r>
-                        <a:rPr lang="en-US" sz="1400">
-                          <a:effectLst/>
-                        </a:rPr>
-                        <a:t>19.02</a:t>
-                      </a:r>
-                    </a:p>
-                  </a:txBody>
-                  <a:tcPr anchor="ctr">
-                    <a:lnL>
-                      <a:noFill/>
-                    </a:lnL>
-                    <a:lnR>
-                      <a:noFill/>
-                    </a:lnR>
-                    <a:lnT>
-                      <a:noFill/>
-                    </a:lnT>
-                    <a:lnB>
-                      <a:noFill/>
-                    </a:lnB>
-                  </a:tcPr>
-                </a:tc>
-                <a:extLst>
-                  <a:ext uri="{0D108BD9-81ED-4DB2-BD59-A6C34878D82A}">
-                    <a16:rowId xmlns:a16="http://schemas.microsoft.com/office/drawing/2014/main" val="2070093742"/>
-                  </a:ext>
-                </a:extLst>
-              </a:tr>
-              <a:tr h="251362">
-                <a:tc>
-                  <a:txBody>
-                    <a:bodyPr/>
-                    <a:lstStyle/>
-                    <a:p>
-                      <a:pPr algn="r" fontAlgn="ctr"/>
-                      <a:r>
-                        <a:rPr lang="en-US" sz="1400" dirty="0">
-                          <a:effectLst/>
-                        </a:rPr>
-                        <a:t>2018</a:t>
-                      </a:r>
-                    </a:p>
-                  </a:txBody>
-                  <a:tcPr anchor="ctr">
-                    <a:lnL>
-                      <a:noFill/>
-                    </a:lnL>
-                    <a:lnR>
-                      <a:noFill/>
-                    </a:lnR>
-                    <a:lnT>
-                      <a:noFill/>
-                    </a:lnT>
-                    <a:lnB>
-                      <a:noFill/>
-                    </a:lnB>
-                    <a:solidFill>
-                      <a:srgbClr val="F5F5F5"/>
-                    </a:solidFill>
-                  </a:tcPr>
-                </a:tc>
-                <a:tc>
-                  <a:txBody>
-                    <a:bodyPr/>
-                    <a:lstStyle/>
-                    <a:p>
-                      <a:pPr algn="r" fontAlgn="ctr"/>
-                      <a:r>
-                        <a:rPr lang="en-US" sz="1400">
-                          <a:effectLst/>
-                        </a:rPr>
-                        <a:t>1560161.92</a:t>
-                      </a:r>
-                    </a:p>
-                  </a:txBody>
-                  <a:tcPr anchor="ctr">
-                    <a:lnL>
-                      <a:noFill/>
-                    </a:lnL>
-                    <a:lnR>
-                      <a:noFill/>
-                    </a:lnR>
-                    <a:lnT>
-                      <a:noFill/>
-                    </a:lnT>
-                    <a:lnB>
-                      <a:noFill/>
-                    </a:lnB>
-                    <a:solidFill>
-                      <a:srgbClr val="F5F5F5"/>
-                    </a:solidFill>
-                  </a:tcPr>
-                </a:tc>
-                <a:tc>
-                  <a:txBody>
-                    <a:bodyPr/>
-                    <a:lstStyle/>
-                    <a:p>
-                      <a:pPr algn="r" fontAlgn="ctr"/>
-                      <a:r>
-                        <a:rPr lang="en-US" sz="1400">
-                          <a:effectLst/>
-                        </a:rPr>
-                        <a:t>13517398.79</a:t>
-                      </a:r>
-                    </a:p>
-                  </a:txBody>
-                  <a:tcPr anchor="ctr">
-                    <a:lnL>
-                      <a:noFill/>
-                    </a:lnL>
-                    <a:lnR>
-                      <a:noFill/>
-                    </a:lnR>
-                    <a:lnT>
-                      <a:noFill/>
-                    </a:lnT>
-                    <a:lnB>
-                      <a:noFill/>
-                    </a:lnB>
-                    <a:solidFill>
-                      <a:srgbClr val="F5F5F5"/>
-                    </a:solidFill>
-                  </a:tcPr>
-                </a:tc>
-                <a:tc>
-                  <a:txBody>
-                    <a:bodyPr/>
-                    <a:lstStyle/>
-                    <a:p>
-                      <a:pPr algn="r" fontAlgn="ctr"/>
-                      <a:r>
-                        <a:rPr lang="en-US" sz="1400">
-                          <a:effectLst/>
-                        </a:rPr>
-                        <a:t>-23.28</a:t>
-                      </a:r>
-                    </a:p>
-                  </a:txBody>
-                  <a:tcPr anchor="ctr">
-                    <a:lnL>
-                      <a:noFill/>
-                    </a:lnL>
-                    <a:lnR>
-                      <a:noFill/>
-                    </a:lnR>
-                    <a:lnT>
-                      <a:noFill/>
-                    </a:lnT>
-                    <a:lnB>
-                      <a:noFill/>
-                    </a:lnB>
-                    <a:solidFill>
-                      <a:srgbClr val="F5F5F5"/>
-                    </a:solidFill>
-                  </a:tcPr>
-                </a:tc>
-                <a:tc>
-                  <a:txBody>
-                    <a:bodyPr/>
-                    <a:lstStyle/>
-                    <a:p>
-                      <a:pPr algn="r" fontAlgn="ctr"/>
-                      <a:r>
-                        <a:rPr lang="en-US" sz="1400" dirty="0">
-                          <a:effectLst/>
-                        </a:rPr>
-                        <a:t>-18.45</a:t>
-                      </a:r>
-                    </a:p>
-                  </a:txBody>
-                  <a:tcPr anchor="ctr">
-                    <a:lnL>
-                      <a:noFill/>
-                    </a:lnL>
-                    <a:lnR>
-                      <a:noFill/>
-                    </a:lnR>
-                    <a:lnT>
-                      <a:noFill/>
-                    </a:lnT>
-                    <a:lnB>
-                      <a:noFill/>
-                    </a:lnB>
-                    <a:solidFill>
-                      <a:srgbClr val="F5F5F5"/>
-                    </a:solidFill>
-                  </a:tcPr>
-                </a:tc>
-                <a:extLst>
-                  <a:ext uri="{0D108BD9-81ED-4DB2-BD59-A6C34878D82A}">
-                    <a16:rowId xmlns:a16="http://schemas.microsoft.com/office/drawing/2014/main" val="2324826085"/>
-                  </a:ext>
-                </a:extLst>
-              </a:tr>
-            </a:tbl>
-          </a:graphicData>
-        </a:graphic>
-      </p:graphicFrame>
       <p:pic>
         <p:nvPicPr>
           <p:cNvPr id="1026" name="Picture 2">
@@ -8269,7 +7789,7 @@
         <p:spPr bwMode="auto">
           <a:xfrm>
             <a:off x="67731" y="1179443"/>
-            <a:ext cx="4766736" cy="3672877"/>
+            <a:ext cx="3644744" cy="2808357"/>
           </a:xfrm>
           <a:prstGeom prst="rect">
             <a:avLst/>
@@ -8286,6 +7806,1279 @@
           </a:extLst>
         </p:spPr>
       </p:pic>
+      <p:pic>
+        <p:nvPicPr>
+          <p:cNvPr id="5" name="Picture 2">
+            <a:extLst>
+              <a:ext uri="{FF2B5EF4-FFF2-40B4-BE49-F238E27FC236}">
+                <a16:creationId xmlns:a16="http://schemas.microsoft.com/office/drawing/2014/main" id="{46014E8C-64E0-274D-70CA-56078C311598}"/>
+              </a:ext>
+            </a:extLst>
+          </p:cNvPr>
+          <p:cNvPicPr>
+            <a:picLocks noChangeAspect="1" noChangeArrowheads="1"/>
+          </p:cNvPicPr>
+          <p:nvPr/>
+        </p:nvPicPr>
+        <p:blipFill>
+          <a:blip r:embed="rId5">
+            <a:extLst>
+              <a:ext uri="{28A0092B-C50C-407E-A947-70E740481C1C}">
+                <a14:useLocalDpi xmlns:a14="http://schemas.microsoft.com/office/drawing/2010/main" val="0"/>
+              </a:ext>
+            </a:extLst>
+          </a:blip>
+          <a:srcRect/>
+          <a:stretch>
+            <a:fillRect/>
+          </a:stretch>
+        </p:blipFill>
+        <p:spPr bwMode="auto">
+          <a:xfrm>
+            <a:off x="4215341" y="1282207"/>
+            <a:ext cx="3519022" cy="2596109"/>
+          </a:xfrm>
+          <a:prstGeom prst="rect">
+            <a:avLst/>
+          </a:prstGeom>
+          <a:noFill/>
+          <a:extLst>
+            <a:ext uri="{909E8E84-426E-40DD-AFC4-6F175D3DCCD1}">
+              <a14:hiddenFill xmlns:a14="http://schemas.microsoft.com/office/drawing/2010/main">
+                <a:solidFill>
+                  <a:srgbClr val="FFFFFF"/>
+                </a:solidFill>
+              </a14:hiddenFill>
+            </a:ext>
+          </a:extLst>
+        </p:spPr>
+      </p:pic>
+      <p:graphicFrame>
+        <p:nvGraphicFramePr>
+          <p:cNvPr id="6" name="Table 5">
+            <a:extLst>
+              <a:ext uri="{FF2B5EF4-FFF2-40B4-BE49-F238E27FC236}">
+                <a16:creationId xmlns:a16="http://schemas.microsoft.com/office/drawing/2014/main" id="{5B256781-3D46-1A36-F91F-058552C46F27}"/>
+              </a:ext>
+            </a:extLst>
+          </p:cNvPr>
+          <p:cNvGraphicFramePr>
+            <a:graphicFrameLocks noGrp="1"/>
+          </p:cNvGraphicFramePr>
+          <p:nvPr>
+            <p:extLst>
+              <p:ext uri="{D42A27DB-BD31-4B8C-83A1-F6EECF244321}">
+                <p14:modId xmlns:p14="http://schemas.microsoft.com/office/powerpoint/2010/main" val="1280364287"/>
+              </p:ext>
+            </p:extLst>
+          </p:nvPr>
+        </p:nvGraphicFramePr>
+        <p:xfrm>
+          <a:off x="296315" y="3859859"/>
+          <a:ext cx="11667086" cy="2131853"/>
+        </p:xfrm>
+        <a:graphic>
+          <a:graphicData uri="http://schemas.openxmlformats.org/drawingml/2006/table">
+            <a:tbl>
+              <a:tblPr/>
+              <a:tblGrid>
+                <a:gridCol w="513181">
+                  <a:extLst>
+                    <a:ext uri="{9D8B030D-6E8A-4147-A177-3AD203B41FA5}">
+                      <a16:colId xmlns:a16="http://schemas.microsoft.com/office/drawing/2014/main" val="3286745304"/>
+                    </a:ext>
+                  </a:extLst>
+                </a:gridCol>
+                <a:gridCol w="901692">
+                  <a:extLst>
+                    <a:ext uri="{9D8B030D-6E8A-4147-A177-3AD203B41FA5}">
+                      <a16:colId xmlns:a16="http://schemas.microsoft.com/office/drawing/2014/main" val="970481402"/>
+                    </a:ext>
+                  </a:extLst>
+                </a:gridCol>
+                <a:gridCol w="972487">
+                  <a:extLst>
+                    <a:ext uri="{9D8B030D-6E8A-4147-A177-3AD203B41FA5}">
+                      <a16:colId xmlns:a16="http://schemas.microsoft.com/office/drawing/2014/main" val="2446810365"/>
+                    </a:ext>
+                  </a:extLst>
+                </a:gridCol>
+                <a:gridCol w="1253942">
+                  <a:extLst>
+                    <a:ext uri="{9D8B030D-6E8A-4147-A177-3AD203B41FA5}">
+                      <a16:colId xmlns:a16="http://schemas.microsoft.com/office/drawing/2014/main" val="626454421"/>
+                    </a:ext>
+                  </a:extLst>
+                </a:gridCol>
+                <a:gridCol w="1393807">
+                  <a:extLst>
+                    <a:ext uri="{9D8B030D-6E8A-4147-A177-3AD203B41FA5}">
+                      <a16:colId xmlns:a16="http://schemas.microsoft.com/office/drawing/2014/main" val="2529584847"/>
+                    </a:ext>
+                  </a:extLst>
+                </a:gridCol>
+                <a:gridCol w="1483596">
+                  <a:extLst>
+                    <a:ext uri="{9D8B030D-6E8A-4147-A177-3AD203B41FA5}">
+                      <a16:colId xmlns:a16="http://schemas.microsoft.com/office/drawing/2014/main" val="3177635373"/>
+                    </a:ext>
+                  </a:extLst>
+                </a:gridCol>
+                <a:gridCol w="1623460">
+                  <a:extLst>
+                    <a:ext uri="{9D8B030D-6E8A-4147-A177-3AD203B41FA5}">
+                      <a16:colId xmlns:a16="http://schemas.microsoft.com/office/drawing/2014/main" val="3400818723"/>
+                    </a:ext>
+                  </a:extLst>
+                </a:gridCol>
+                <a:gridCol w="1692528">
+                  <a:extLst>
+                    <a:ext uri="{9D8B030D-6E8A-4147-A177-3AD203B41FA5}">
+                      <a16:colId xmlns:a16="http://schemas.microsoft.com/office/drawing/2014/main" val="3441874119"/>
+                    </a:ext>
+                  </a:extLst>
+                </a:gridCol>
+                <a:gridCol w="1832393">
+                  <a:extLst>
+                    <a:ext uri="{9D8B030D-6E8A-4147-A177-3AD203B41FA5}">
+                      <a16:colId xmlns:a16="http://schemas.microsoft.com/office/drawing/2014/main" val="246614850"/>
+                    </a:ext>
+                  </a:extLst>
+                </a:gridCol>
+              </a:tblGrid>
+              <a:tr h="687695">
+                <a:tc>
+                  <a:txBody>
+                    <a:bodyPr/>
+                    <a:lstStyle/>
+                    <a:p>
+                      <a:pPr algn="r" fontAlgn="ctr"/>
+                      <a:r>
+                        <a:rPr lang="en-US" sz="1000" b="1" dirty="0">
+                          <a:effectLst/>
+                        </a:rPr>
+                        <a:t>Year</a:t>
+                      </a:r>
+                    </a:p>
+                  </a:txBody>
+                  <a:tcPr anchor="ctr">
+                    <a:lnL>
+                      <a:noFill/>
+                    </a:lnL>
+                    <a:lnR>
+                      <a:noFill/>
+                    </a:lnR>
+                    <a:lnT>
+                      <a:noFill/>
+                    </a:lnT>
+                    <a:lnB>
+                      <a:noFill/>
+                    </a:lnB>
+                  </a:tcPr>
+                </a:tc>
+                <a:tc>
+                  <a:txBody>
+                    <a:bodyPr/>
+                    <a:lstStyle/>
+                    <a:p>
+                      <a:pPr algn="r" fontAlgn="ctr"/>
+                      <a:r>
+                        <a:rPr lang="en-US" sz="1000" b="1" dirty="0">
+                          <a:effectLst/>
+                        </a:rPr>
+                        <a:t>Pink Cab</a:t>
+                      </a:r>
+                    </a:p>
+                  </a:txBody>
+                  <a:tcPr anchor="ctr">
+                    <a:lnL>
+                      <a:noFill/>
+                    </a:lnL>
+                    <a:lnR>
+                      <a:noFill/>
+                    </a:lnR>
+                    <a:lnT>
+                      <a:noFill/>
+                    </a:lnT>
+                    <a:lnB>
+                      <a:noFill/>
+                    </a:lnB>
+                  </a:tcPr>
+                </a:tc>
+                <a:tc>
+                  <a:txBody>
+                    <a:bodyPr/>
+                    <a:lstStyle/>
+                    <a:p>
+                      <a:pPr algn="r" fontAlgn="ctr"/>
+                      <a:r>
+                        <a:rPr lang="en-US" sz="1000" b="1" dirty="0">
+                          <a:effectLst/>
+                        </a:rPr>
+                        <a:t>Yellow Cab</a:t>
+                      </a:r>
+                    </a:p>
+                  </a:txBody>
+                  <a:tcPr anchor="ctr">
+                    <a:lnL>
+                      <a:noFill/>
+                    </a:lnL>
+                    <a:lnR>
+                      <a:noFill/>
+                    </a:lnR>
+                    <a:lnT>
+                      <a:noFill/>
+                    </a:lnT>
+                    <a:lnB>
+                      <a:noFill/>
+                    </a:lnB>
+                  </a:tcPr>
+                </a:tc>
+                <a:tc>
+                  <a:txBody>
+                    <a:bodyPr/>
+                    <a:lstStyle/>
+                    <a:p>
+                      <a:pPr algn="r" fontAlgn="ctr"/>
+                      <a:r>
+                        <a:rPr lang="en-US" sz="1000" b="1">
+                          <a:effectLst/>
+                        </a:rPr>
+                        <a:t>Pink_Cab_Change</a:t>
+                      </a:r>
+                    </a:p>
+                  </a:txBody>
+                  <a:tcPr anchor="ctr">
+                    <a:lnL>
+                      <a:noFill/>
+                    </a:lnL>
+                    <a:lnR>
+                      <a:noFill/>
+                    </a:lnR>
+                    <a:lnT>
+                      <a:noFill/>
+                    </a:lnT>
+                    <a:lnB>
+                      <a:noFill/>
+                    </a:lnB>
+                  </a:tcPr>
+                </a:tc>
+                <a:tc>
+                  <a:txBody>
+                    <a:bodyPr/>
+                    <a:lstStyle/>
+                    <a:p>
+                      <a:pPr algn="r" fontAlgn="ctr"/>
+                      <a:r>
+                        <a:rPr lang="en-US" sz="1000" b="1">
+                          <a:effectLst/>
+                        </a:rPr>
+                        <a:t>Yellow_Cab_Change</a:t>
+                      </a:r>
+                    </a:p>
+                  </a:txBody>
+                  <a:tcPr anchor="ctr">
+                    <a:lnL>
+                      <a:noFill/>
+                    </a:lnL>
+                    <a:lnR>
+                      <a:noFill/>
+                    </a:lnR>
+                    <a:lnT>
+                      <a:noFill/>
+                    </a:lnT>
+                    <a:lnB>
+                      <a:noFill/>
+                    </a:lnB>
+                  </a:tcPr>
+                </a:tc>
+                <a:tc>
+                  <a:txBody>
+                    <a:bodyPr/>
+                    <a:lstStyle/>
+                    <a:p>
+                      <a:pPr algn="r" fontAlgn="ctr"/>
+                      <a:r>
+                        <a:rPr lang="en-US" sz="1000" b="1">
+                          <a:effectLst/>
+                        </a:rPr>
+                        <a:t>Pink_Cab_Cumulative</a:t>
+                      </a:r>
+                    </a:p>
+                  </a:txBody>
+                  <a:tcPr anchor="ctr">
+                    <a:lnL>
+                      <a:noFill/>
+                    </a:lnL>
+                    <a:lnR>
+                      <a:noFill/>
+                    </a:lnR>
+                    <a:lnT>
+                      <a:noFill/>
+                    </a:lnT>
+                    <a:lnB>
+                      <a:noFill/>
+                    </a:lnB>
+                  </a:tcPr>
+                </a:tc>
+                <a:tc>
+                  <a:txBody>
+                    <a:bodyPr/>
+                    <a:lstStyle/>
+                    <a:p>
+                      <a:pPr algn="r" fontAlgn="ctr"/>
+                      <a:r>
+                        <a:rPr lang="en-US" sz="1000" b="1">
+                          <a:effectLst/>
+                        </a:rPr>
+                        <a:t>Yellow_Cab_Cumulative</a:t>
+                      </a:r>
+                    </a:p>
+                  </a:txBody>
+                  <a:tcPr anchor="ctr">
+                    <a:lnL>
+                      <a:noFill/>
+                    </a:lnL>
+                    <a:lnR>
+                      <a:noFill/>
+                    </a:lnR>
+                    <a:lnT>
+                      <a:noFill/>
+                    </a:lnT>
+                    <a:lnB>
+                      <a:noFill/>
+                    </a:lnB>
+                  </a:tcPr>
+                </a:tc>
+                <a:tc>
+                  <a:txBody>
+                    <a:bodyPr/>
+                    <a:lstStyle/>
+                    <a:p>
+                      <a:pPr algn="r" fontAlgn="ctr"/>
+                      <a:r>
+                        <a:rPr lang="en-US" sz="1000" b="1" dirty="0" err="1">
+                          <a:effectLst/>
+                        </a:rPr>
+                        <a:t>Pink_Cumulative_Change</a:t>
+                      </a:r>
+                      <a:endParaRPr lang="en-US" sz="1000" b="1" dirty="0">
+                        <a:effectLst/>
+                      </a:endParaRPr>
+                    </a:p>
+                  </a:txBody>
+                  <a:tcPr anchor="ctr">
+                    <a:lnL>
+                      <a:noFill/>
+                    </a:lnL>
+                    <a:lnR>
+                      <a:noFill/>
+                    </a:lnR>
+                    <a:lnT>
+                      <a:noFill/>
+                    </a:lnT>
+                    <a:lnB>
+                      <a:noFill/>
+                    </a:lnB>
+                  </a:tcPr>
+                </a:tc>
+                <a:tc>
+                  <a:txBody>
+                    <a:bodyPr/>
+                    <a:lstStyle/>
+                    <a:p>
+                      <a:pPr algn="r" fontAlgn="ctr"/>
+                      <a:r>
+                        <a:rPr lang="en-US" sz="1000" b="1">
+                          <a:effectLst/>
+                        </a:rPr>
+                        <a:t>Yellow_Cumulative_Change</a:t>
+                      </a:r>
+                    </a:p>
+                  </a:txBody>
+                  <a:tcPr anchor="ctr">
+                    <a:lnL>
+                      <a:noFill/>
+                    </a:lnL>
+                    <a:lnR>
+                      <a:noFill/>
+                    </a:lnR>
+                    <a:lnT>
+                      <a:noFill/>
+                    </a:lnT>
+                    <a:lnB>
+                      <a:noFill/>
+                    </a:lnB>
+                  </a:tcPr>
+                </a:tc>
+                <a:extLst>
+                  <a:ext uri="{0D108BD9-81ED-4DB2-BD59-A6C34878D82A}">
+                    <a16:rowId xmlns:a16="http://schemas.microsoft.com/office/drawing/2014/main" val="693492701"/>
+                  </a:ext>
+                </a:extLst>
+              </a:tr>
+              <a:tr h="481386">
+                <a:tc>
+                  <a:txBody>
+                    <a:bodyPr/>
+                    <a:lstStyle/>
+                    <a:p>
+                      <a:pPr algn="r" fontAlgn="ctr"/>
+                      <a:r>
+                        <a:rPr lang="en-US" sz="1000">
+                          <a:effectLst/>
+                        </a:rPr>
+                        <a:t>2016</a:t>
+                      </a:r>
+                    </a:p>
+                  </a:txBody>
+                  <a:tcPr anchor="ctr">
+                    <a:lnL>
+                      <a:noFill/>
+                    </a:lnL>
+                    <a:lnR>
+                      <a:noFill/>
+                    </a:lnR>
+                    <a:lnT>
+                      <a:noFill/>
+                    </a:lnT>
+                    <a:lnB>
+                      <a:noFill/>
+                    </a:lnB>
+                    <a:solidFill>
+                      <a:srgbClr val="F5F5F5"/>
+                    </a:solidFill>
+                  </a:tcPr>
+                </a:tc>
+                <a:tc>
+                  <a:txBody>
+                    <a:bodyPr/>
+                    <a:lstStyle/>
+                    <a:p>
+                      <a:pPr algn="r" fontAlgn="ctr"/>
+                      <a:r>
+                        <a:rPr lang="en-US" sz="1000">
+                          <a:effectLst/>
+                        </a:rPr>
+                        <a:t>1713511.24</a:t>
+                      </a:r>
+                    </a:p>
+                  </a:txBody>
+                  <a:tcPr anchor="ctr">
+                    <a:lnL>
+                      <a:noFill/>
+                    </a:lnL>
+                    <a:lnR>
+                      <a:noFill/>
+                    </a:lnR>
+                    <a:lnT>
+                      <a:noFill/>
+                    </a:lnT>
+                    <a:lnB>
+                      <a:noFill/>
+                    </a:lnB>
+                    <a:solidFill>
+                      <a:srgbClr val="F5F5F5"/>
+                    </a:solidFill>
+                  </a:tcPr>
+                </a:tc>
+                <a:tc>
+                  <a:txBody>
+                    <a:bodyPr/>
+                    <a:lstStyle/>
+                    <a:p>
+                      <a:pPr algn="r" fontAlgn="ctr"/>
+                      <a:r>
+                        <a:rPr lang="en-US" sz="1000">
+                          <a:effectLst/>
+                        </a:rPr>
+                        <a:t>13926996.40</a:t>
+                      </a:r>
+                    </a:p>
+                  </a:txBody>
+                  <a:tcPr anchor="ctr">
+                    <a:lnL>
+                      <a:noFill/>
+                    </a:lnL>
+                    <a:lnR>
+                      <a:noFill/>
+                    </a:lnR>
+                    <a:lnT>
+                      <a:noFill/>
+                    </a:lnT>
+                    <a:lnB>
+                      <a:noFill/>
+                    </a:lnB>
+                    <a:solidFill>
+                      <a:srgbClr val="F5F5F5"/>
+                    </a:solidFill>
+                  </a:tcPr>
+                </a:tc>
+                <a:tc>
+                  <a:txBody>
+                    <a:bodyPr/>
+                    <a:lstStyle/>
+                    <a:p>
+                      <a:pPr algn="r" fontAlgn="ctr"/>
+                      <a:r>
+                        <a:rPr lang="en-US" sz="1000">
+                          <a:effectLst/>
+                        </a:rPr>
+                        <a:t>0.00</a:t>
+                      </a:r>
+                    </a:p>
+                  </a:txBody>
+                  <a:tcPr anchor="ctr">
+                    <a:lnL>
+                      <a:noFill/>
+                    </a:lnL>
+                    <a:lnR>
+                      <a:noFill/>
+                    </a:lnR>
+                    <a:lnT>
+                      <a:noFill/>
+                    </a:lnT>
+                    <a:lnB>
+                      <a:noFill/>
+                    </a:lnB>
+                    <a:solidFill>
+                      <a:srgbClr val="F5F5F5"/>
+                    </a:solidFill>
+                  </a:tcPr>
+                </a:tc>
+                <a:tc>
+                  <a:txBody>
+                    <a:bodyPr/>
+                    <a:lstStyle/>
+                    <a:p>
+                      <a:pPr algn="r" fontAlgn="ctr"/>
+                      <a:r>
+                        <a:rPr lang="en-US" sz="1000">
+                          <a:effectLst/>
+                        </a:rPr>
+                        <a:t>0.00</a:t>
+                      </a:r>
+                    </a:p>
+                  </a:txBody>
+                  <a:tcPr anchor="ctr">
+                    <a:lnL>
+                      <a:noFill/>
+                    </a:lnL>
+                    <a:lnR>
+                      <a:noFill/>
+                    </a:lnR>
+                    <a:lnT>
+                      <a:noFill/>
+                    </a:lnT>
+                    <a:lnB>
+                      <a:noFill/>
+                    </a:lnB>
+                    <a:solidFill>
+                      <a:srgbClr val="F5F5F5"/>
+                    </a:solidFill>
+                  </a:tcPr>
+                </a:tc>
+                <a:tc>
+                  <a:txBody>
+                    <a:bodyPr/>
+                    <a:lstStyle/>
+                    <a:p>
+                      <a:pPr algn="r" fontAlgn="ctr"/>
+                      <a:r>
+                        <a:rPr lang="en-US" sz="1000">
+                          <a:effectLst/>
+                        </a:rPr>
+                        <a:t>1713511.24</a:t>
+                      </a:r>
+                    </a:p>
+                  </a:txBody>
+                  <a:tcPr anchor="ctr">
+                    <a:lnL>
+                      <a:noFill/>
+                    </a:lnL>
+                    <a:lnR>
+                      <a:noFill/>
+                    </a:lnR>
+                    <a:lnT>
+                      <a:noFill/>
+                    </a:lnT>
+                    <a:lnB>
+                      <a:noFill/>
+                    </a:lnB>
+                    <a:solidFill>
+                      <a:srgbClr val="F5F5F5"/>
+                    </a:solidFill>
+                  </a:tcPr>
+                </a:tc>
+                <a:tc>
+                  <a:txBody>
+                    <a:bodyPr/>
+                    <a:lstStyle/>
+                    <a:p>
+                      <a:pPr algn="r" fontAlgn="ctr"/>
+                      <a:r>
+                        <a:rPr lang="en-US" sz="1000">
+                          <a:effectLst/>
+                        </a:rPr>
+                        <a:t>13926996.40</a:t>
+                      </a:r>
+                    </a:p>
+                  </a:txBody>
+                  <a:tcPr anchor="ctr">
+                    <a:lnL>
+                      <a:noFill/>
+                    </a:lnL>
+                    <a:lnR>
+                      <a:noFill/>
+                    </a:lnR>
+                    <a:lnT>
+                      <a:noFill/>
+                    </a:lnT>
+                    <a:lnB>
+                      <a:noFill/>
+                    </a:lnB>
+                    <a:solidFill>
+                      <a:srgbClr val="F5F5F5"/>
+                    </a:solidFill>
+                  </a:tcPr>
+                </a:tc>
+                <a:tc>
+                  <a:txBody>
+                    <a:bodyPr/>
+                    <a:lstStyle/>
+                    <a:p>
+                      <a:pPr algn="r" fontAlgn="ctr"/>
+                      <a:r>
+                        <a:rPr lang="en-US" sz="1000">
+                          <a:effectLst/>
+                        </a:rPr>
+                        <a:t>0.00</a:t>
+                      </a:r>
+                    </a:p>
+                  </a:txBody>
+                  <a:tcPr anchor="ctr">
+                    <a:lnL>
+                      <a:noFill/>
+                    </a:lnL>
+                    <a:lnR>
+                      <a:noFill/>
+                    </a:lnR>
+                    <a:lnT>
+                      <a:noFill/>
+                    </a:lnT>
+                    <a:lnB>
+                      <a:noFill/>
+                    </a:lnB>
+                    <a:solidFill>
+                      <a:srgbClr val="F5F5F5"/>
+                    </a:solidFill>
+                  </a:tcPr>
+                </a:tc>
+                <a:tc>
+                  <a:txBody>
+                    <a:bodyPr/>
+                    <a:lstStyle/>
+                    <a:p>
+                      <a:pPr algn="r" fontAlgn="ctr"/>
+                      <a:r>
+                        <a:rPr lang="en-US" sz="1000">
+                          <a:effectLst/>
+                        </a:rPr>
+                        <a:t>0.00</a:t>
+                      </a:r>
+                    </a:p>
+                  </a:txBody>
+                  <a:tcPr anchor="ctr">
+                    <a:lnL>
+                      <a:noFill/>
+                    </a:lnL>
+                    <a:lnR>
+                      <a:noFill/>
+                    </a:lnR>
+                    <a:lnT>
+                      <a:noFill/>
+                    </a:lnT>
+                    <a:lnB>
+                      <a:noFill/>
+                    </a:lnB>
+                    <a:solidFill>
+                      <a:srgbClr val="F5F5F5"/>
+                    </a:solidFill>
+                  </a:tcPr>
+                </a:tc>
+                <a:extLst>
+                  <a:ext uri="{0D108BD9-81ED-4DB2-BD59-A6C34878D82A}">
+                    <a16:rowId xmlns:a16="http://schemas.microsoft.com/office/drawing/2014/main" val="2415604816"/>
+                  </a:ext>
+                </a:extLst>
+              </a:tr>
+              <a:tr h="481386">
+                <a:tc>
+                  <a:txBody>
+                    <a:bodyPr/>
+                    <a:lstStyle/>
+                    <a:p>
+                      <a:pPr algn="r" fontAlgn="ctr"/>
+                      <a:r>
+                        <a:rPr lang="en-US" sz="1000">
+                          <a:effectLst/>
+                        </a:rPr>
+                        <a:t>2017</a:t>
+                      </a:r>
+                    </a:p>
+                  </a:txBody>
+                  <a:tcPr anchor="ctr">
+                    <a:lnL>
+                      <a:noFill/>
+                    </a:lnL>
+                    <a:lnR>
+                      <a:noFill/>
+                    </a:lnR>
+                    <a:lnT>
+                      <a:noFill/>
+                    </a:lnT>
+                    <a:lnB>
+                      <a:noFill/>
+                    </a:lnB>
+                  </a:tcPr>
+                </a:tc>
+                <a:tc>
+                  <a:txBody>
+                    <a:bodyPr/>
+                    <a:lstStyle/>
+                    <a:p>
+                      <a:pPr algn="r" fontAlgn="ctr"/>
+                      <a:r>
+                        <a:rPr lang="en-US" sz="1000">
+                          <a:effectLst/>
+                        </a:rPr>
+                        <a:t>2033655.03</a:t>
+                      </a:r>
+                    </a:p>
+                  </a:txBody>
+                  <a:tcPr anchor="ctr">
+                    <a:lnL>
+                      <a:noFill/>
+                    </a:lnL>
+                    <a:lnR>
+                      <a:noFill/>
+                    </a:lnR>
+                    <a:lnT>
+                      <a:noFill/>
+                    </a:lnT>
+                    <a:lnB>
+                      <a:noFill/>
+                    </a:lnB>
+                  </a:tcPr>
+                </a:tc>
+                <a:tc>
+                  <a:txBody>
+                    <a:bodyPr/>
+                    <a:lstStyle/>
+                    <a:p>
+                      <a:pPr algn="r" fontAlgn="ctr"/>
+                      <a:r>
+                        <a:rPr lang="en-US" sz="1000">
+                          <a:effectLst/>
+                        </a:rPr>
+                        <a:t>16575977.40</a:t>
+                      </a:r>
+                    </a:p>
+                  </a:txBody>
+                  <a:tcPr anchor="ctr">
+                    <a:lnL>
+                      <a:noFill/>
+                    </a:lnL>
+                    <a:lnR>
+                      <a:noFill/>
+                    </a:lnR>
+                    <a:lnT>
+                      <a:noFill/>
+                    </a:lnT>
+                    <a:lnB>
+                      <a:noFill/>
+                    </a:lnB>
+                  </a:tcPr>
+                </a:tc>
+                <a:tc>
+                  <a:txBody>
+                    <a:bodyPr/>
+                    <a:lstStyle/>
+                    <a:p>
+                      <a:pPr algn="r" fontAlgn="ctr"/>
+                      <a:r>
+                        <a:rPr lang="en-US" sz="1000">
+                          <a:effectLst/>
+                        </a:rPr>
+                        <a:t>18.68</a:t>
+                      </a:r>
+                    </a:p>
+                  </a:txBody>
+                  <a:tcPr anchor="ctr">
+                    <a:lnL>
+                      <a:noFill/>
+                    </a:lnL>
+                    <a:lnR>
+                      <a:noFill/>
+                    </a:lnR>
+                    <a:lnT>
+                      <a:noFill/>
+                    </a:lnT>
+                    <a:lnB>
+                      <a:noFill/>
+                    </a:lnB>
+                  </a:tcPr>
+                </a:tc>
+                <a:tc>
+                  <a:txBody>
+                    <a:bodyPr/>
+                    <a:lstStyle/>
+                    <a:p>
+                      <a:pPr algn="r" fontAlgn="ctr"/>
+                      <a:r>
+                        <a:rPr lang="en-US" sz="1000">
+                          <a:effectLst/>
+                        </a:rPr>
+                        <a:t>19.02</a:t>
+                      </a:r>
+                    </a:p>
+                  </a:txBody>
+                  <a:tcPr anchor="ctr">
+                    <a:lnL>
+                      <a:noFill/>
+                    </a:lnL>
+                    <a:lnR>
+                      <a:noFill/>
+                    </a:lnR>
+                    <a:lnT>
+                      <a:noFill/>
+                    </a:lnT>
+                    <a:lnB>
+                      <a:noFill/>
+                    </a:lnB>
+                  </a:tcPr>
+                </a:tc>
+                <a:tc>
+                  <a:txBody>
+                    <a:bodyPr/>
+                    <a:lstStyle/>
+                    <a:p>
+                      <a:pPr algn="r" fontAlgn="ctr"/>
+                      <a:r>
+                        <a:rPr lang="en-US" sz="1000">
+                          <a:effectLst/>
+                        </a:rPr>
+                        <a:t>3747166.27</a:t>
+                      </a:r>
+                    </a:p>
+                  </a:txBody>
+                  <a:tcPr anchor="ctr">
+                    <a:lnL>
+                      <a:noFill/>
+                    </a:lnL>
+                    <a:lnR>
+                      <a:noFill/>
+                    </a:lnR>
+                    <a:lnT>
+                      <a:noFill/>
+                    </a:lnT>
+                    <a:lnB>
+                      <a:noFill/>
+                    </a:lnB>
+                  </a:tcPr>
+                </a:tc>
+                <a:tc>
+                  <a:txBody>
+                    <a:bodyPr/>
+                    <a:lstStyle/>
+                    <a:p>
+                      <a:pPr algn="r" fontAlgn="ctr"/>
+                      <a:r>
+                        <a:rPr lang="en-US" sz="1000">
+                          <a:effectLst/>
+                        </a:rPr>
+                        <a:t>30502973.80</a:t>
+                      </a:r>
+                    </a:p>
+                  </a:txBody>
+                  <a:tcPr anchor="ctr">
+                    <a:lnL>
+                      <a:noFill/>
+                    </a:lnL>
+                    <a:lnR>
+                      <a:noFill/>
+                    </a:lnR>
+                    <a:lnT>
+                      <a:noFill/>
+                    </a:lnT>
+                    <a:lnB>
+                      <a:noFill/>
+                    </a:lnB>
+                  </a:tcPr>
+                </a:tc>
+                <a:tc>
+                  <a:txBody>
+                    <a:bodyPr/>
+                    <a:lstStyle/>
+                    <a:p>
+                      <a:pPr algn="r" fontAlgn="ctr"/>
+                      <a:r>
+                        <a:rPr lang="en-US" sz="1000">
+                          <a:effectLst/>
+                        </a:rPr>
+                        <a:t>118.68</a:t>
+                      </a:r>
+                    </a:p>
+                  </a:txBody>
+                  <a:tcPr anchor="ctr">
+                    <a:lnL>
+                      <a:noFill/>
+                    </a:lnL>
+                    <a:lnR>
+                      <a:noFill/>
+                    </a:lnR>
+                    <a:lnT>
+                      <a:noFill/>
+                    </a:lnT>
+                    <a:lnB>
+                      <a:noFill/>
+                    </a:lnB>
+                  </a:tcPr>
+                </a:tc>
+                <a:tc>
+                  <a:txBody>
+                    <a:bodyPr/>
+                    <a:lstStyle/>
+                    <a:p>
+                      <a:pPr algn="r" fontAlgn="ctr"/>
+                      <a:r>
+                        <a:rPr lang="en-US" sz="1000">
+                          <a:effectLst/>
+                        </a:rPr>
+                        <a:t>119.02</a:t>
+                      </a:r>
+                    </a:p>
+                  </a:txBody>
+                  <a:tcPr anchor="ctr">
+                    <a:lnL>
+                      <a:noFill/>
+                    </a:lnL>
+                    <a:lnR>
+                      <a:noFill/>
+                    </a:lnR>
+                    <a:lnT>
+                      <a:noFill/>
+                    </a:lnT>
+                    <a:lnB>
+                      <a:noFill/>
+                    </a:lnB>
+                  </a:tcPr>
+                </a:tc>
+                <a:extLst>
+                  <a:ext uri="{0D108BD9-81ED-4DB2-BD59-A6C34878D82A}">
+                    <a16:rowId xmlns:a16="http://schemas.microsoft.com/office/drawing/2014/main" val="2717630114"/>
+                  </a:ext>
+                </a:extLst>
+              </a:tr>
+              <a:tr h="481386">
+                <a:tc>
+                  <a:txBody>
+                    <a:bodyPr/>
+                    <a:lstStyle/>
+                    <a:p>
+                      <a:pPr algn="r" fontAlgn="ctr"/>
+                      <a:r>
+                        <a:rPr lang="en-US" sz="1000" dirty="0">
+                          <a:effectLst/>
+                        </a:rPr>
+                        <a:t>2018</a:t>
+                      </a:r>
+                    </a:p>
+                  </a:txBody>
+                  <a:tcPr anchor="ctr">
+                    <a:lnL>
+                      <a:noFill/>
+                    </a:lnL>
+                    <a:lnR>
+                      <a:noFill/>
+                    </a:lnR>
+                    <a:lnT>
+                      <a:noFill/>
+                    </a:lnT>
+                    <a:lnB>
+                      <a:noFill/>
+                    </a:lnB>
+                    <a:solidFill>
+                      <a:srgbClr val="F5F5F5"/>
+                    </a:solidFill>
+                  </a:tcPr>
+                </a:tc>
+                <a:tc>
+                  <a:txBody>
+                    <a:bodyPr/>
+                    <a:lstStyle/>
+                    <a:p>
+                      <a:pPr algn="r" fontAlgn="ctr"/>
+                      <a:r>
+                        <a:rPr lang="en-US" sz="1000">
+                          <a:effectLst/>
+                        </a:rPr>
+                        <a:t>1560161.92</a:t>
+                      </a:r>
+                    </a:p>
+                  </a:txBody>
+                  <a:tcPr anchor="ctr">
+                    <a:lnL>
+                      <a:noFill/>
+                    </a:lnL>
+                    <a:lnR>
+                      <a:noFill/>
+                    </a:lnR>
+                    <a:lnT>
+                      <a:noFill/>
+                    </a:lnT>
+                    <a:lnB>
+                      <a:noFill/>
+                    </a:lnB>
+                    <a:solidFill>
+                      <a:srgbClr val="F5F5F5"/>
+                    </a:solidFill>
+                  </a:tcPr>
+                </a:tc>
+                <a:tc>
+                  <a:txBody>
+                    <a:bodyPr/>
+                    <a:lstStyle/>
+                    <a:p>
+                      <a:pPr algn="r" fontAlgn="ctr"/>
+                      <a:r>
+                        <a:rPr lang="en-US" sz="1000">
+                          <a:effectLst/>
+                        </a:rPr>
+                        <a:t>13517398.79</a:t>
+                      </a:r>
+                    </a:p>
+                  </a:txBody>
+                  <a:tcPr anchor="ctr">
+                    <a:lnL>
+                      <a:noFill/>
+                    </a:lnL>
+                    <a:lnR>
+                      <a:noFill/>
+                    </a:lnR>
+                    <a:lnT>
+                      <a:noFill/>
+                    </a:lnT>
+                    <a:lnB>
+                      <a:noFill/>
+                    </a:lnB>
+                    <a:solidFill>
+                      <a:srgbClr val="F5F5F5"/>
+                    </a:solidFill>
+                  </a:tcPr>
+                </a:tc>
+                <a:tc>
+                  <a:txBody>
+                    <a:bodyPr/>
+                    <a:lstStyle/>
+                    <a:p>
+                      <a:pPr algn="r" fontAlgn="ctr"/>
+                      <a:r>
+                        <a:rPr lang="en-US" sz="1000">
+                          <a:effectLst/>
+                        </a:rPr>
+                        <a:t>-23.28</a:t>
+                      </a:r>
+                    </a:p>
+                  </a:txBody>
+                  <a:tcPr anchor="ctr">
+                    <a:lnL>
+                      <a:noFill/>
+                    </a:lnL>
+                    <a:lnR>
+                      <a:noFill/>
+                    </a:lnR>
+                    <a:lnT>
+                      <a:noFill/>
+                    </a:lnT>
+                    <a:lnB>
+                      <a:noFill/>
+                    </a:lnB>
+                    <a:solidFill>
+                      <a:srgbClr val="F5F5F5"/>
+                    </a:solidFill>
+                  </a:tcPr>
+                </a:tc>
+                <a:tc>
+                  <a:txBody>
+                    <a:bodyPr/>
+                    <a:lstStyle/>
+                    <a:p>
+                      <a:pPr algn="r" fontAlgn="ctr"/>
+                      <a:r>
+                        <a:rPr lang="en-US" sz="1000">
+                          <a:effectLst/>
+                        </a:rPr>
+                        <a:t>-18.45</a:t>
+                      </a:r>
+                    </a:p>
+                  </a:txBody>
+                  <a:tcPr anchor="ctr">
+                    <a:lnL>
+                      <a:noFill/>
+                    </a:lnL>
+                    <a:lnR>
+                      <a:noFill/>
+                    </a:lnR>
+                    <a:lnT>
+                      <a:noFill/>
+                    </a:lnT>
+                    <a:lnB>
+                      <a:noFill/>
+                    </a:lnB>
+                    <a:solidFill>
+                      <a:srgbClr val="F5F5F5"/>
+                    </a:solidFill>
+                  </a:tcPr>
+                </a:tc>
+                <a:tc>
+                  <a:txBody>
+                    <a:bodyPr/>
+                    <a:lstStyle/>
+                    <a:p>
+                      <a:pPr algn="r" fontAlgn="ctr"/>
+                      <a:r>
+                        <a:rPr lang="en-US" sz="1000">
+                          <a:effectLst/>
+                        </a:rPr>
+                        <a:t>5307328.19</a:t>
+                      </a:r>
+                    </a:p>
+                  </a:txBody>
+                  <a:tcPr anchor="ctr">
+                    <a:lnL>
+                      <a:noFill/>
+                    </a:lnL>
+                    <a:lnR>
+                      <a:noFill/>
+                    </a:lnR>
+                    <a:lnT>
+                      <a:noFill/>
+                    </a:lnT>
+                    <a:lnB>
+                      <a:noFill/>
+                    </a:lnB>
+                    <a:solidFill>
+                      <a:srgbClr val="F5F5F5"/>
+                    </a:solidFill>
+                  </a:tcPr>
+                </a:tc>
+                <a:tc>
+                  <a:txBody>
+                    <a:bodyPr/>
+                    <a:lstStyle/>
+                    <a:p>
+                      <a:pPr algn="r" fontAlgn="ctr"/>
+                      <a:r>
+                        <a:rPr lang="en-US" sz="1000">
+                          <a:effectLst/>
+                        </a:rPr>
+                        <a:t>44020372.59</a:t>
+                      </a:r>
+                    </a:p>
+                  </a:txBody>
+                  <a:tcPr anchor="ctr">
+                    <a:lnL>
+                      <a:noFill/>
+                    </a:lnL>
+                    <a:lnR>
+                      <a:noFill/>
+                    </a:lnR>
+                    <a:lnT>
+                      <a:noFill/>
+                    </a:lnT>
+                    <a:lnB>
+                      <a:noFill/>
+                    </a:lnB>
+                    <a:solidFill>
+                      <a:srgbClr val="F5F5F5"/>
+                    </a:solidFill>
+                  </a:tcPr>
+                </a:tc>
+                <a:tc>
+                  <a:txBody>
+                    <a:bodyPr/>
+                    <a:lstStyle/>
+                    <a:p>
+                      <a:pPr algn="r" fontAlgn="ctr"/>
+                      <a:r>
+                        <a:rPr lang="en-US" sz="1000">
+                          <a:effectLst/>
+                        </a:rPr>
+                        <a:t>41.64</a:t>
+                      </a:r>
+                    </a:p>
+                  </a:txBody>
+                  <a:tcPr anchor="ctr">
+                    <a:lnL>
+                      <a:noFill/>
+                    </a:lnL>
+                    <a:lnR>
+                      <a:noFill/>
+                    </a:lnR>
+                    <a:lnT>
+                      <a:noFill/>
+                    </a:lnT>
+                    <a:lnB>
+                      <a:noFill/>
+                    </a:lnB>
+                    <a:solidFill>
+                      <a:srgbClr val="F5F5F5"/>
+                    </a:solidFill>
+                  </a:tcPr>
+                </a:tc>
+                <a:tc>
+                  <a:txBody>
+                    <a:bodyPr/>
+                    <a:lstStyle/>
+                    <a:p>
+                      <a:pPr algn="r" fontAlgn="ctr"/>
+                      <a:r>
+                        <a:rPr lang="en-US" sz="1000" dirty="0">
+                          <a:effectLst/>
+                        </a:rPr>
+                        <a:t>44.32</a:t>
+                      </a:r>
+                    </a:p>
+                  </a:txBody>
+                  <a:tcPr anchor="ctr">
+                    <a:lnL>
+                      <a:noFill/>
+                    </a:lnL>
+                    <a:lnR>
+                      <a:noFill/>
+                    </a:lnR>
+                    <a:lnT>
+                      <a:noFill/>
+                    </a:lnT>
+                    <a:lnB>
+                      <a:noFill/>
+                    </a:lnB>
+                    <a:solidFill>
+                      <a:srgbClr val="F5F5F5"/>
+                    </a:solidFill>
+                  </a:tcPr>
+                </a:tc>
+                <a:extLst>
+                  <a:ext uri="{0D108BD9-81ED-4DB2-BD59-A6C34878D82A}">
+                    <a16:rowId xmlns:a16="http://schemas.microsoft.com/office/drawing/2014/main" val="2358938441"/>
+                  </a:ext>
+                </a:extLst>
+              </a:tr>
+            </a:tbl>
+          </a:graphicData>
+        </a:graphic>
+      </p:graphicFrame>
     </p:spTree>
     <p:extLst>
       <p:ext uri="{BB962C8B-B14F-4D97-AF65-F5344CB8AC3E}">
@@ -8424,8 +9217,8 @@
         </p:blipFill>
         <p:spPr bwMode="auto">
           <a:xfrm>
-            <a:off x="0" y="1134191"/>
-            <a:ext cx="5105400" cy="3724275"/>
+            <a:off x="284639" y="1820331"/>
+            <a:ext cx="4892955" cy="3569301"/>
           </a:xfrm>
           <a:prstGeom prst="rect">
             <a:avLst/>
@@ -8442,1503 +9235,53 @@
           </a:extLst>
         </p:spPr>
       </p:pic>
-      <p:graphicFrame>
-        <p:nvGraphicFramePr>
-          <p:cNvPr id="6" name="Table 5">
+      <p:pic>
+        <p:nvPicPr>
+          <p:cNvPr id="2052" name="Picture 4">
             <a:extLst>
               <a:ext uri="{FF2B5EF4-FFF2-40B4-BE49-F238E27FC236}">
-                <a16:creationId xmlns:a16="http://schemas.microsoft.com/office/drawing/2014/main" id="{645D43BA-C359-8F98-13C7-55A082E910C8}"/>
+                <a16:creationId xmlns:a16="http://schemas.microsoft.com/office/drawing/2014/main" id="{A21C1050-80D6-F8B4-E113-80DDA1A79A95}"/>
               </a:ext>
             </a:extLst>
           </p:cNvPr>
-          <p:cNvGraphicFramePr>
-            <a:graphicFrameLocks noGrp="1"/>
-          </p:cNvGraphicFramePr>
-          <p:nvPr>
-            <p:extLst>
-              <p:ext uri="{D42A27DB-BD31-4B8C-83A1-F6EECF244321}">
-                <p14:modId xmlns:p14="http://schemas.microsoft.com/office/powerpoint/2010/main" val="2900316455"/>
-              </p:ext>
-            </p:extLst>
-          </p:nvPr>
-        </p:nvGraphicFramePr>
-        <p:xfrm>
-          <a:off x="6578602" y="1253330"/>
-          <a:ext cx="4824741" cy="4351340"/>
-        </p:xfrm>
-        <a:graphic>
-          <a:graphicData uri="http://schemas.openxmlformats.org/drawingml/2006/table">
-            <a:tbl>
-              <a:tblPr/>
-              <a:tblGrid>
-                <a:gridCol w="1608247">
-                  <a:extLst>
-                    <a:ext uri="{9D8B030D-6E8A-4147-A177-3AD203B41FA5}">
-                      <a16:colId xmlns:a16="http://schemas.microsoft.com/office/drawing/2014/main" val="2018898016"/>
-                    </a:ext>
-                  </a:extLst>
-                </a:gridCol>
-                <a:gridCol w="1608247">
-                  <a:extLst>
-                    <a:ext uri="{9D8B030D-6E8A-4147-A177-3AD203B41FA5}">
-                      <a16:colId xmlns:a16="http://schemas.microsoft.com/office/drawing/2014/main" val="4239961980"/>
-                    </a:ext>
-                  </a:extLst>
-                </a:gridCol>
-                <a:gridCol w="1608247">
-                  <a:extLst>
-                    <a:ext uri="{9D8B030D-6E8A-4147-A177-3AD203B41FA5}">
-                      <a16:colId xmlns:a16="http://schemas.microsoft.com/office/drawing/2014/main" val="599830404"/>
-                    </a:ext>
-                  </a:extLst>
-                </a:gridCol>
-              </a:tblGrid>
-              <a:tr h="310810">
-                <a:tc>
-                  <a:txBody>
-                    <a:bodyPr/>
-                    <a:lstStyle/>
-                    <a:p>
-                      <a:pPr algn="r" fontAlgn="ctr"/>
-                      <a:r>
-                        <a:rPr lang="en-US" sz="1500" b="1" dirty="0">
-                          <a:effectLst/>
-                        </a:rPr>
-                        <a:t>State</a:t>
-                      </a:r>
-                    </a:p>
-                  </a:txBody>
-                  <a:tcPr marL="77702" marR="77702" marT="38851" marB="38851" anchor="ctr">
-                    <a:lnL>
-                      <a:noFill/>
-                    </a:lnL>
-                    <a:lnR>
-                      <a:noFill/>
-                    </a:lnR>
-                    <a:lnT>
-                      <a:noFill/>
-                    </a:lnT>
-                    <a:lnB>
-                      <a:noFill/>
-                    </a:lnB>
-                    <a:solidFill>
-                      <a:srgbClr val="FFFFFF"/>
-                    </a:solidFill>
-                  </a:tcPr>
-                </a:tc>
-                <a:tc>
-                  <a:txBody>
-                    <a:bodyPr/>
-                    <a:lstStyle/>
-                    <a:p>
-                      <a:pPr algn="r" fontAlgn="ctr"/>
-                      <a:r>
-                        <a:rPr lang="en-US" sz="1500" b="1">
-                          <a:effectLst/>
-                        </a:rPr>
-                        <a:t>Pink Cab</a:t>
-                      </a:r>
-                    </a:p>
-                  </a:txBody>
-                  <a:tcPr marL="77702" marR="77702" marT="38851" marB="38851" anchor="ctr">
-                    <a:lnL>
-                      <a:noFill/>
-                    </a:lnL>
-                    <a:lnR>
-                      <a:noFill/>
-                    </a:lnR>
-                    <a:lnT>
-                      <a:noFill/>
-                    </a:lnT>
-                    <a:lnB>
-                      <a:noFill/>
-                    </a:lnB>
-                    <a:solidFill>
-                      <a:srgbClr val="FFFFFF"/>
-                    </a:solidFill>
-                  </a:tcPr>
-                </a:tc>
-                <a:tc>
-                  <a:txBody>
-                    <a:bodyPr/>
-                    <a:lstStyle/>
-                    <a:p>
-                      <a:pPr algn="r" fontAlgn="ctr"/>
-                      <a:r>
-                        <a:rPr lang="en-US" sz="1500" b="1">
-                          <a:effectLst/>
-                        </a:rPr>
-                        <a:t>Yellow Cab</a:t>
-                      </a:r>
-                    </a:p>
-                  </a:txBody>
-                  <a:tcPr marL="77702" marR="77702" marT="38851" marB="38851" anchor="ctr">
-                    <a:lnL>
-                      <a:noFill/>
-                    </a:lnL>
-                    <a:lnR>
-                      <a:noFill/>
-                    </a:lnR>
-                    <a:lnT>
-                      <a:noFill/>
-                    </a:lnT>
-                    <a:lnB>
-                      <a:noFill/>
-                    </a:lnB>
-                    <a:solidFill>
-                      <a:srgbClr val="FFFFFF"/>
-                    </a:solidFill>
-                  </a:tcPr>
-                </a:tc>
-                <a:extLst>
-                  <a:ext uri="{0D108BD9-81ED-4DB2-BD59-A6C34878D82A}">
-                    <a16:rowId xmlns:a16="http://schemas.microsoft.com/office/drawing/2014/main" val="2005576767"/>
-                  </a:ext>
-                </a:extLst>
-              </a:tr>
-              <a:tr h="310810">
-                <a:tc>
-                  <a:txBody>
-                    <a:bodyPr/>
-                    <a:lstStyle/>
-                    <a:p>
-                      <a:pPr algn="r" fontAlgn="ctr"/>
-                      <a:r>
-                        <a:rPr lang="en-US" sz="1500">
-                          <a:effectLst/>
-                        </a:rPr>
-                        <a:t>PA</a:t>
-                      </a:r>
-                    </a:p>
-                  </a:txBody>
-                  <a:tcPr marL="77702" marR="77702" marT="38851" marB="38851" anchor="ctr">
-                    <a:lnL>
-                      <a:noFill/>
-                    </a:lnL>
-                    <a:lnR>
-                      <a:noFill/>
-                    </a:lnR>
-                    <a:lnT>
-                      <a:noFill/>
-                    </a:lnT>
-                    <a:lnB>
-                      <a:noFill/>
-                    </a:lnB>
-                    <a:solidFill>
-                      <a:srgbClr val="F5F5F5"/>
-                    </a:solidFill>
-                  </a:tcPr>
-                </a:tc>
-                <a:tc>
-                  <a:txBody>
-                    <a:bodyPr/>
-                    <a:lstStyle/>
-                    <a:p>
-                      <a:pPr algn="r" fontAlgn="ctr"/>
-                      <a:r>
-                        <a:rPr lang="en-US" sz="1500">
-                          <a:effectLst/>
-                        </a:rPr>
-                        <a:t>682</a:t>
-                      </a:r>
-                    </a:p>
-                  </a:txBody>
-                  <a:tcPr marL="77702" marR="77702" marT="38851" marB="38851" anchor="ctr">
-                    <a:lnL>
-                      <a:noFill/>
-                    </a:lnL>
-                    <a:lnR>
-                      <a:noFill/>
-                    </a:lnR>
-                    <a:lnT>
-                      <a:noFill/>
-                    </a:lnT>
-                    <a:lnB>
-                      <a:noFill/>
-                    </a:lnB>
-                    <a:solidFill>
-                      <a:srgbClr val="F5F5F5"/>
-                    </a:solidFill>
-                  </a:tcPr>
-                </a:tc>
-                <a:tc>
-                  <a:txBody>
-                    <a:bodyPr/>
-                    <a:lstStyle/>
-                    <a:p>
-                      <a:pPr algn="r" fontAlgn="ctr"/>
-                      <a:r>
-                        <a:rPr lang="en-US" sz="1500">
-                          <a:effectLst/>
-                        </a:rPr>
-                        <a:t>631</a:t>
-                      </a:r>
-                    </a:p>
-                  </a:txBody>
-                  <a:tcPr marL="77702" marR="77702" marT="38851" marB="38851" anchor="ctr">
-                    <a:lnL>
-                      <a:noFill/>
-                    </a:lnL>
-                    <a:lnR>
-                      <a:noFill/>
-                    </a:lnR>
-                    <a:lnT>
-                      <a:noFill/>
-                    </a:lnT>
-                    <a:lnB>
-                      <a:noFill/>
-                    </a:lnB>
-                    <a:solidFill>
-                      <a:srgbClr val="F5F5F5"/>
-                    </a:solidFill>
-                  </a:tcPr>
-                </a:tc>
-                <a:extLst>
-                  <a:ext uri="{0D108BD9-81ED-4DB2-BD59-A6C34878D82A}">
-                    <a16:rowId xmlns:a16="http://schemas.microsoft.com/office/drawing/2014/main" val="832320345"/>
-                  </a:ext>
-                </a:extLst>
-              </a:tr>
-              <a:tr h="310810">
-                <a:tc>
-                  <a:txBody>
-                    <a:bodyPr/>
-                    <a:lstStyle/>
-                    <a:p>
-                      <a:pPr algn="r" fontAlgn="ctr"/>
-                      <a:r>
-                        <a:rPr lang="en-US" sz="1500">
-                          <a:effectLst/>
-                        </a:rPr>
-                        <a:t>TN</a:t>
-                      </a:r>
-                    </a:p>
-                  </a:txBody>
-                  <a:tcPr marL="77702" marR="77702" marT="38851" marB="38851" anchor="ctr">
-                    <a:lnL>
-                      <a:noFill/>
-                    </a:lnL>
-                    <a:lnR>
-                      <a:noFill/>
-                    </a:lnR>
-                    <a:lnT>
-                      <a:noFill/>
-                    </a:lnT>
-                    <a:lnB>
-                      <a:noFill/>
-                    </a:lnB>
-                    <a:solidFill>
-                      <a:srgbClr val="FFFFFF"/>
-                    </a:solidFill>
-                  </a:tcPr>
-                </a:tc>
-                <a:tc>
-                  <a:txBody>
-                    <a:bodyPr/>
-                    <a:lstStyle/>
-                    <a:p>
-                      <a:pPr algn="r" fontAlgn="ctr"/>
-                      <a:r>
-                        <a:rPr lang="en-US" sz="1500">
-                          <a:effectLst/>
-                        </a:rPr>
-                        <a:t>1841</a:t>
-                      </a:r>
-                    </a:p>
-                  </a:txBody>
-                  <a:tcPr marL="77702" marR="77702" marT="38851" marB="38851" anchor="ctr">
-                    <a:lnL>
-                      <a:noFill/>
-                    </a:lnL>
-                    <a:lnR>
-                      <a:noFill/>
-                    </a:lnR>
-                    <a:lnT>
-                      <a:noFill/>
-                    </a:lnT>
-                    <a:lnB>
-                      <a:noFill/>
-                    </a:lnB>
-                    <a:solidFill>
-                      <a:srgbClr val="FFFFFF"/>
-                    </a:solidFill>
-                  </a:tcPr>
-                </a:tc>
-                <a:tc>
-                  <a:txBody>
-                    <a:bodyPr/>
-                    <a:lstStyle/>
-                    <a:p>
-                      <a:pPr algn="r" fontAlgn="ctr"/>
-                      <a:r>
-                        <a:rPr lang="en-US" sz="1500">
-                          <a:effectLst/>
-                        </a:rPr>
-                        <a:t>1169</a:t>
-                      </a:r>
-                    </a:p>
-                  </a:txBody>
-                  <a:tcPr marL="77702" marR="77702" marT="38851" marB="38851" anchor="ctr">
-                    <a:lnL>
-                      <a:noFill/>
-                    </a:lnL>
-                    <a:lnR>
-                      <a:noFill/>
-                    </a:lnR>
-                    <a:lnT>
-                      <a:noFill/>
-                    </a:lnT>
-                    <a:lnB>
-                      <a:noFill/>
-                    </a:lnB>
-                    <a:solidFill>
-                      <a:srgbClr val="FFFFFF"/>
-                    </a:solidFill>
-                  </a:tcPr>
-                </a:tc>
-                <a:extLst>
-                  <a:ext uri="{0D108BD9-81ED-4DB2-BD59-A6C34878D82A}">
-                    <a16:rowId xmlns:a16="http://schemas.microsoft.com/office/drawing/2014/main" val="3164458442"/>
-                  </a:ext>
-                </a:extLst>
-              </a:tr>
-              <a:tr h="310810">
-                <a:tc>
-                  <a:txBody>
-                    <a:bodyPr/>
-                    <a:lstStyle/>
-                    <a:p>
-                      <a:pPr algn="r" fontAlgn="ctr"/>
-                      <a:r>
-                        <a:rPr lang="en-US" sz="1500">
-                          <a:effectLst/>
-                        </a:rPr>
-                        <a:t>AZ</a:t>
-                      </a:r>
-                    </a:p>
-                  </a:txBody>
-                  <a:tcPr marL="77702" marR="77702" marT="38851" marB="38851" anchor="ctr">
-                    <a:lnL>
-                      <a:noFill/>
-                    </a:lnL>
-                    <a:lnR>
-                      <a:noFill/>
-                    </a:lnR>
-                    <a:lnT>
-                      <a:noFill/>
-                    </a:lnT>
-                    <a:lnB>
-                      <a:noFill/>
-                    </a:lnB>
-                    <a:solidFill>
-                      <a:srgbClr val="F5F5F5"/>
-                    </a:solidFill>
-                  </a:tcPr>
-                </a:tc>
-                <a:tc>
-                  <a:txBody>
-                    <a:bodyPr/>
-                    <a:lstStyle/>
-                    <a:p>
-                      <a:pPr algn="r" fontAlgn="ctr"/>
-                      <a:r>
-                        <a:rPr lang="en-US" sz="1500">
-                          <a:effectLst/>
-                        </a:rPr>
-                        <a:t>1663</a:t>
-                      </a:r>
-                    </a:p>
-                  </a:txBody>
-                  <a:tcPr marL="77702" marR="77702" marT="38851" marB="38851" anchor="ctr">
-                    <a:lnL>
-                      <a:noFill/>
-                    </a:lnL>
-                    <a:lnR>
-                      <a:noFill/>
-                    </a:lnR>
-                    <a:lnT>
-                      <a:noFill/>
-                    </a:lnT>
-                    <a:lnB>
-                      <a:noFill/>
-                    </a:lnB>
-                    <a:solidFill>
-                      <a:srgbClr val="F5F5F5"/>
-                    </a:solidFill>
-                  </a:tcPr>
-                </a:tc>
-                <a:tc>
-                  <a:txBody>
-                    <a:bodyPr/>
-                    <a:lstStyle/>
-                    <a:p>
-                      <a:pPr algn="r" fontAlgn="ctr"/>
-                      <a:r>
-                        <a:rPr lang="en-US" sz="1500">
-                          <a:effectLst/>
-                        </a:rPr>
-                        <a:t>2332</a:t>
-                      </a:r>
-                    </a:p>
-                  </a:txBody>
-                  <a:tcPr marL="77702" marR="77702" marT="38851" marB="38851" anchor="ctr">
-                    <a:lnL>
-                      <a:noFill/>
-                    </a:lnL>
-                    <a:lnR>
-                      <a:noFill/>
-                    </a:lnR>
-                    <a:lnT>
-                      <a:noFill/>
-                    </a:lnT>
-                    <a:lnB>
-                      <a:noFill/>
-                    </a:lnB>
-                    <a:solidFill>
-                      <a:srgbClr val="F5F5F5"/>
-                    </a:solidFill>
-                  </a:tcPr>
-                </a:tc>
-                <a:extLst>
-                  <a:ext uri="{0D108BD9-81ED-4DB2-BD59-A6C34878D82A}">
-                    <a16:rowId xmlns:a16="http://schemas.microsoft.com/office/drawing/2014/main" val="3332764796"/>
-                  </a:ext>
-                </a:extLst>
-              </a:tr>
-              <a:tr h="310810">
-                <a:tc>
-                  <a:txBody>
-                    <a:bodyPr/>
-                    <a:lstStyle/>
-                    <a:p>
-                      <a:pPr algn="r" fontAlgn="ctr"/>
-                      <a:r>
-                        <a:rPr lang="en-US" sz="1500">
-                          <a:effectLst/>
-                        </a:rPr>
-                        <a:t>CO</a:t>
-                      </a:r>
-                    </a:p>
-                  </a:txBody>
-                  <a:tcPr marL="77702" marR="77702" marT="38851" marB="38851" anchor="ctr">
-                    <a:lnL>
-                      <a:noFill/>
-                    </a:lnL>
-                    <a:lnR>
-                      <a:noFill/>
-                    </a:lnR>
-                    <a:lnT>
-                      <a:noFill/>
-                    </a:lnT>
-                    <a:lnB>
-                      <a:noFill/>
-                    </a:lnB>
-                    <a:solidFill>
-                      <a:srgbClr val="FFFFFF"/>
-                    </a:solidFill>
-                  </a:tcPr>
-                </a:tc>
-                <a:tc>
-                  <a:txBody>
-                    <a:bodyPr/>
-                    <a:lstStyle/>
-                    <a:p>
-                      <a:pPr algn="r" fontAlgn="ctr"/>
-                      <a:r>
-                        <a:rPr lang="en-US" sz="1500">
-                          <a:effectLst/>
-                        </a:rPr>
-                        <a:t>1394</a:t>
-                      </a:r>
-                    </a:p>
-                  </a:txBody>
-                  <a:tcPr marL="77702" marR="77702" marT="38851" marB="38851" anchor="ctr">
-                    <a:lnL>
-                      <a:noFill/>
-                    </a:lnL>
-                    <a:lnR>
-                      <a:noFill/>
-                    </a:lnR>
-                    <a:lnT>
-                      <a:noFill/>
-                    </a:lnT>
-                    <a:lnB>
-                      <a:noFill/>
-                    </a:lnB>
-                    <a:solidFill>
-                      <a:srgbClr val="FFFFFF"/>
-                    </a:solidFill>
-                  </a:tcPr>
-                </a:tc>
-                <a:tc>
-                  <a:txBody>
-                    <a:bodyPr/>
-                    <a:lstStyle/>
-                    <a:p>
-                      <a:pPr algn="r" fontAlgn="ctr"/>
-                      <a:r>
-                        <a:rPr lang="en-US" sz="1500">
-                          <a:effectLst/>
-                        </a:rPr>
-                        <a:t>2431</a:t>
-                      </a:r>
-                    </a:p>
-                  </a:txBody>
-                  <a:tcPr marL="77702" marR="77702" marT="38851" marB="38851" anchor="ctr">
-                    <a:lnL>
-                      <a:noFill/>
-                    </a:lnL>
-                    <a:lnR>
-                      <a:noFill/>
-                    </a:lnR>
-                    <a:lnT>
-                      <a:noFill/>
-                    </a:lnT>
-                    <a:lnB>
-                      <a:noFill/>
-                    </a:lnB>
-                    <a:solidFill>
-                      <a:srgbClr val="FFFFFF"/>
-                    </a:solidFill>
-                  </a:tcPr>
-                </a:tc>
-                <a:extLst>
-                  <a:ext uri="{0D108BD9-81ED-4DB2-BD59-A6C34878D82A}">
-                    <a16:rowId xmlns:a16="http://schemas.microsoft.com/office/drawing/2014/main" val="1134788695"/>
-                  </a:ext>
-                </a:extLst>
-              </a:tr>
-              <a:tr h="310810">
-                <a:tc>
-                  <a:txBody>
-                    <a:bodyPr/>
-                    <a:lstStyle/>
-                    <a:p>
-                      <a:pPr algn="r" fontAlgn="ctr"/>
-                      <a:r>
-                        <a:rPr lang="en-US" sz="1500">
-                          <a:effectLst/>
-                        </a:rPr>
-                        <a:t>FL</a:t>
-                      </a:r>
-                    </a:p>
-                  </a:txBody>
-                  <a:tcPr marL="77702" marR="77702" marT="38851" marB="38851" anchor="ctr">
-                    <a:lnL>
-                      <a:noFill/>
-                    </a:lnL>
-                    <a:lnR>
-                      <a:noFill/>
-                    </a:lnR>
-                    <a:lnT>
-                      <a:noFill/>
-                    </a:lnT>
-                    <a:lnB>
-                      <a:noFill/>
-                    </a:lnB>
-                    <a:solidFill>
-                      <a:srgbClr val="F5F5F5"/>
-                    </a:solidFill>
-                  </a:tcPr>
-                </a:tc>
-                <a:tc>
-                  <a:txBody>
-                    <a:bodyPr/>
-                    <a:lstStyle/>
-                    <a:p>
-                      <a:pPr algn="r" fontAlgn="ctr"/>
-                      <a:r>
-                        <a:rPr lang="en-US" sz="1500">
-                          <a:effectLst/>
-                        </a:rPr>
-                        <a:t>2002</a:t>
-                      </a:r>
-                    </a:p>
-                  </a:txBody>
-                  <a:tcPr marL="77702" marR="77702" marT="38851" marB="38851" anchor="ctr">
-                    <a:lnL>
-                      <a:noFill/>
-                    </a:lnL>
-                    <a:lnR>
-                      <a:noFill/>
-                    </a:lnR>
-                    <a:lnT>
-                      <a:noFill/>
-                    </a:lnT>
-                    <a:lnB>
-                      <a:noFill/>
-                    </a:lnB>
-                    <a:solidFill>
-                      <a:srgbClr val="F5F5F5"/>
-                    </a:solidFill>
-                  </a:tcPr>
-                </a:tc>
-                <a:tc>
-                  <a:txBody>
-                    <a:bodyPr/>
-                    <a:lstStyle/>
-                    <a:p>
-                      <a:pPr algn="r" fontAlgn="ctr"/>
-                      <a:r>
-                        <a:rPr lang="en-US" sz="1500">
-                          <a:effectLst/>
-                        </a:rPr>
-                        <a:t>4452</a:t>
-                      </a:r>
-                    </a:p>
-                  </a:txBody>
-                  <a:tcPr marL="77702" marR="77702" marT="38851" marB="38851" anchor="ctr">
-                    <a:lnL>
-                      <a:noFill/>
-                    </a:lnL>
-                    <a:lnR>
-                      <a:noFill/>
-                    </a:lnR>
-                    <a:lnT>
-                      <a:noFill/>
-                    </a:lnT>
-                    <a:lnB>
-                      <a:noFill/>
-                    </a:lnB>
-                    <a:solidFill>
-                      <a:srgbClr val="F5F5F5"/>
-                    </a:solidFill>
-                  </a:tcPr>
-                </a:tc>
-                <a:extLst>
-                  <a:ext uri="{0D108BD9-81ED-4DB2-BD59-A6C34878D82A}">
-                    <a16:rowId xmlns:a16="http://schemas.microsoft.com/office/drawing/2014/main" val="853239617"/>
-                  </a:ext>
-                </a:extLst>
-              </a:tr>
-              <a:tr h="310810">
-                <a:tc>
-                  <a:txBody>
-                    <a:bodyPr/>
-                    <a:lstStyle/>
-                    <a:p>
-                      <a:pPr algn="r" fontAlgn="ctr"/>
-                      <a:r>
-                        <a:rPr lang="en-US" sz="1500">
-                          <a:effectLst/>
-                        </a:rPr>
-                        <a:t>WA</a:t>
-                      </a:r>
-                    </a:p>
-                  </a:txBody>
-                  <a:tcPr marL="77702" marR="77702" marT="38851" marB="38851" anchor="ctr">
-                    <a:lnL>
-                      <a:noFill/>
-                    </a:lnL>
-                    <a:lnR>
-                      <a:noFill/>
-                    </a:lnR>
-                    <a:lnT>
-                      <a:noFill/>
-                    </a:lnT>
-                    <a:lnB>
-                      <a:noFill/>
-                    </a:lnB>
-                    <a:solidFill>
-                      <a:srgbClr val="FFFFFF"/>
-                    </a:solidFill>
-                  </a:tcPr>
-                </a:tc>
-                <a:tc>
-                  <a:txBody>
-                    <a:bodyPr/>
-                    <a:lstStyle/>
-                    <a:p>
-                      <a:pPr algn="r" fontAlgn="ctr"/>
-                      <a:r>
-                        <a:rPr lang="en-US" sz="1500">
-                          <a:effectLst/>
-                        </a:rPr>
-                        <a:t>2732</a:t>
-                      </a:r>
-                    </a:p>
-                  </a:txBody>
-                  <a:tcPr marL="77702" marR="77702" marT="38851" marB="38851" anchor="ctr">
-                    <a:lnL>
-                      <a:noFill/>
-                    </a:lnL>
-                    <a:lnR>
-                      <a:noFill/>
-                    </a:lnR>
-                    <a:lnT>
-                      <a:noFill/>
-                    </a:lnT>
-                    <a:lnB>
-                      <a:noFill/>
-                    </a:lnB>
-                    <a:solidFill>
-                      <a:srgbClr val="FFFFFF"/>
-                    </a:solidFill>
-                  </a:tcPr>
-                </a:tc>
-                <a:tc>
-                  <a:txBody>
-                    <a:bodyPr/>
-                    <a:lstStyle/>
-                    <a:p>
-                      <a:pPr algn="r" fontAlgn="ctr"/>
-                      <a:r>
-                        <a:rPr lang="en-US" sz="1500">
-                          <a:effectLst/>
-                        </a:rPr>
-                        <a:t>5265</a:t>
-                      </a:r>
-                    </a:p>
-                  </a:txBody>
-                  <a:tcPr marL="77702" marR="77702" marT="38851" marB="38851" anchor="ctr">
-                    <a:lnL>
-                      <a:noFill/>
-                    </a:lnL>
-                    <a:lnR>
-                      <a:noFill/>
-                    </a:lnR>
-                    <a:lnT>
-                      <a:noFill/>
-                    </a:lnT>
-                    <a:lnB>
-                      <a:noFill/>
-                    </a:lnB>
-                    <a:solidFill>
-                      <a:srgbClr val="FFFFFF"/>
-                    </a:solidFill>
-                  </a:tcPr>
-                </a:tc>
-                <a:extLst>
-                  <a:ext uri="{0D108BD9-81ED-4DB2-BD59-A6C34878D82A}">
-                    <a16:rowId xmlns:a16="http://schemas.microsoft.com/office/drawing/2014/main" val="3297801007"/>
-                  </a:ext>
-                </a:extLst>
-              </a:tr>
-              <a:tr h="310810">
-                <a:tc>
-                  <a:txBody>
-                    <a:bodyPr/>
-                    <a:lstStyle/>
-                    <a:p>
-                      <a:pPr algn="r" fontAlgn="ctr"/>
-                      <a:r>
-                        <a:rPr lang="en-US" sz="1500">
-                          <a:effectLst/>
-                        </a:rPr>
-                        <a:t>GA</a:t>
-                      </a:r>
-                    </a:p>
-                  </a:txBody>
-                  <a:tcPr marL="77702" marR="77702" marT="38851" marB="38851" anchor="ctr">
-                    <a:lnL>
-                      <a:noFill/>
-                    </a:lnL>
-                    <a:lnR>
-                      <a:noFill/>
-                    </a:lnR>
-                    <a:lnT>
-                      <a:noFill/>
-                    </a:lnT>
-                    <a:lnB>
-                      <a:noFill/>
-                    </a:lnB>
-                    <a:solidFill>
-                      <a:srgbClr val="F5F5F5"/>
-                    </a:solidFill>
-                  </a:tcPr>
-                </a:tc>
-                <a:tc>
-                  <a:txBody>
-                    <a:bodyPr/>
-                    <a:lstStyle/>
-                    <a:p>
-                      <a:pPr algn="r" fontAlgn="ctr"/>
-                      <a:r>
-                        <a:rPr lang="en-US" sz="1500">
-                          <a:effectLst/>
-                        </a:rPr>
-                        <a:t>1762</a:t>
-                      </a:r>
-                    </a:p>
-                  </a:txBody>
-                  <a:tcPr marL="77702" marR="77702" marT="38851" marB="38851" anchor="ctr">
-                    <a:lnL>
-                      <a:noFill/>
-                    </a:lnL>
-                    <a:lnR>
-                      <a:noFill/>
-                    </a:lnR>
-                    <a:lnT>
-                      <a:noFill/>
-                    </a:lnT>
-                    <a:lnB>
-                      <a:noFill/>
-                    </a:lnB>
-                    <a:solidFill>
-                      <a:srgbClr val="F5F5F5"/>
-                    </a:solidFill>
-                  </a:tcPr>
-                </a:tc>
-                <a:tc>
-                  <a:txBody>
-                    <a:bodyPr/>
-                    <a:lstStyle/>
-                    <a:p>
-                      <a:pPr algn="r" fontAlgn="ctr"/>
-                      <a:r>
-                        <a:rPr lang="en-US" sz="1500">
-                          <a:effectLst/>
-                        </a:rPr>
-                        <a:t>5795</a:t>
-                      </a:r>
-                    </a:p>
-                  </a:txBody>
-                  <a:tcPr marL="77702" marR="77702" marT="38851" marB="38851" anchor="ctr">
-                    <a:lnL>
-                      <a:noFill/>
-                    </a:lnL>
-                    <a:lnR>
-                      <a:noFill/>
-                    </a:lnR>
-                    <a:lnT>
-                      <a:noFill/>
-                    </a:lnT>
-                    <a:lnB>
-                      <a:noFill/>
-                    </a:lnB>
-                    <a:solidFill>
-                      <a:srgbClr val="F5F5F5"/>
-                    </a:solidFill>
-                  </a:tcPr>
-                </a:tc>
-                <a:extLst>
-                  <a:ext uri="{0D108BD9-81ED-4DB2-BD59-A6C34878D82A}">
-                    <a16:rowId xmlns:a16="http://schemas.microsoft.com/office/drawing/2014/main" val="2011129372"/>
-                  </a:ext>
-                </a:extLst>
-              </a:tr>
-              <a:tr h="310810">
-                <a:tc>
-                  <a:txBody>
-                    <a:bodyPr/>
-                    <a:lstStyle/>
-                    <a:p>
-                      <a:pPr algn="r" fontAlgn="ctr"/>
-                      <a:r>
-                        <a:rPr lang="en-US" sz="1500">
-                          <a:effectLst/>
-                        </a:rPr>
-                        <a:t>TX</a:t>
-                      </a:r>
-                    </a:p>
-                  </a:txBody>
-                  <a:tcPr marL="77702" marR="77702" marT="38851" marB="38851" anchor="ctr">
-                    <a:lnL>
-                      <a:noFill/>
-                    </a:lnL>
-                    <a:lnR>
-                      <a:noFill/>
-                    </a:lnR>
-                    <a:lnT>
-                      <a:noFill/>
-                    </a:lnT>
-                    <a:lnB>
-                      <a:noFill/>
-                    </a:lnB>
-                    <a:solidFill>
-                      <a:srgbClr val="FFFFFF"/>
-                    </a:solidFill>
-                  </a:tcPr>
-                </a:tc>
-                <a:tc>
-                  <a:txBody>
-                    <a:bodyPr/>
-                    <a:lstStyle/>
-                    <a:p>
-                      <a:pPr algn="r" fontAlgn="ctr"/>
-                      <a:r>
-                        <a:rPr lang="en-US" sz="1500">
-                          <a:effectLst/>
-                        </a:rPr>
-                        <a:t>3248</a:t>
-                      </a:r>
-                    </a:p>
-                  </a:txBody>
-                  <a:tcPr marL="77702" marR="77702" marT="38851" marB="38851" anchor="ctr">
-                    <a:lnL>
-                      <a:noFill/>
-                    </a:lnL>
-                    <a:lnR>
-                      <a:noFill/>
-                    </a:lnR>
-                    <a:lnT>
-                      <a:noFill/>
-                    </a:lnT>
-                    <a:lnB>
-                      <a:noFill/>
-                    </a:lnB>
-                    <a:solidFill>
-                      <a:srgbClr val="FFFFFF"/>
-                    </a:solidFill>
-                  </a:tcPr>
-                </a:tc>
-                <a:tc>
-                  <a:txBody>
-                    <a:bodyPr/>
-                    <a:lstStyle/>
-                    <a:p>
-                      <a:pPr algn="r" fontAlgn="ctr"/>
-                      <a:r>
-                        <a:rPr lang="en-US" sz="1500">
-                          <a:effectLst/>
-                        </a:rPr>
-                        <a:t>8665</a:t>
-                      </a:r>
-                    </a:p>
-                  </a:txBody>
-                  <a:tcPr marL="77702" marR="77702" marT="38851" marB="38851" anchor="ctr">
-                    <a:lnL>
-                      <a:noFill/>
-                    </a:lnL>
-                    <a:lnR>
-                      <a:noFill/>
-                    </a:lnR>
-                    <a:lnT>
-                      <a:noFill/>
-                    </a:lnT>
-                    <a:lnB>
-                      <a:noFill/>
-                    </a:lnB>
-                    <a:solidFill>
-                      <a:srgbClr val="FFFFFF"/>
-                    </a:solidFill>
-                  </a:tcPr>
-                </a:tc>
-                <a:extLst>
-                  <a:ext uri="{0D108BD9-81ED-4DB2-BD59-A6C34878D82A}">
-                    <a16:rowId xmlns:a16="http://schemas.microsoft.com/office/drawing/2014/main" val="2246059138"/>
-                  </a:ext>
-                </a:extLst>
-              </a:tr>
-              <a:tr h="310810">
-                <a:tc>
-                  <a:txBody>
-                    <a:bodyPr/>
-                    <a:lstStyle/>
-                    <a:p>
-                      <a:pPr algn="r" fontAlgn="ctr"/>
-                      <a:r>
-                        <a:rPr lang="en-US" sz="1500">
-                          <a:effectLst/>
-                        </a:rPr>
-                        <a:t>MA</a:t>
-                      </a:r>
-                    </a:p>
-                  </a:txBody>
-                  <a:tcPr marL="77702" marR="77702" marT="38851" marB="38851" anchor="ctr">
-                    <a:lnL>
-                      <a:noFill/>
-                    </a:lnL>
-                    <a:lnR>
-                      <a:noFill/>
-                    </a:lnR>
-                    <a:lnT>
-                      <a:noFill/>
-                    </a:lnT>
-                    <a:lnB>
-                      <a:noFill/>
-                    </a:lnB>
-                    <a:solidFill>
-                      <a:srgbClr val="FFFFFF"/>
-                    </a:solidFill>
-                  </a:tcPr>
-                </a:tc>
-                <a:tc>
-                  <a:txBody>
-                    <a:bodyPr/>
-                    <a:lstStyle/>
-                    <a:p>
-                      <a:pPr algn="r" fontAlgn="ctr"/>
-                      <a:r>
-                        <a:rPr lang="en-US" sz="1500">
-                          <a:effectLst/>
-                        </a:rPr>
-                        <a:t>5186</a:t>
-                      </a:r>
-                    </a:p>
-                  </a:txBody>
-                  <a:tcPr marL="77702" marR="77702" marT="38851" marB="38851" anchor="ctr">
-                    <a:lnL>
-                      <a:noFill/>
-                    </a:lnL>
-                    <a:lnR>
-                      <a:noFill/>
-                    </a:lnR>
-                    <a:lnT>
-                      <a:noFill/>
-                    </a:lnT>
-                    <a:lnB>
-                      <a:noFill/>
-                    </a:lnB>
-                    <a:solidFill>
-                      <a:srgbClr val="FFFFFF"/>
-                    </a:solidFill>
-                  </a:tcPr>
-                </a:tc>
-                <a:tc>
-                  <a:txBody>
-                    <a:bodyPr/>
-                    <a:lstStyle/>
-                    <a:p>
-                      <a:pPr algn="r" fontAlgn="ctr"/>
-                      <a:r>
-                        <a:rPr lang="en-US" sz="1500">
-                          <a:effectLst/>
-                        </a:rPr>
-                        <a:t>24506</a:t>
-                      </a:r>
-                    </a:p>
-                  </a:txBody>
-                  <a:tcPr marL="77702" marR="77702" marT="38851" marB="38851" anchor="ctr">
-                    <a:lnL>
-                      <a:noFill/>
-                    </a:lnL>
-                    <a:lnR>
-                      <a:noFill/>
-                    </a:lnR>
-                    <a:lnT>
-                      <a:noFill/>
-                    </a:lnT>
-                    <a:lnB>
-                      <a:noFill/>
-                    </a:lnB>
-                    <a:solidFill>
-                      <a:srgbClr val="FFFFFF"/>
-                    </a:solidFill>
-                  </a:tcPr>
-                </a:tc>
-                <a:extLst>
-                  <a:ext uri="{0D108BD9-81ED-4DB2-BD59-A6C34878D82A}">
-                    <a16:rowId xmlns:a16="http://schemas.microsoft.com/office/drawing/2014/main" val="3929942891"/>
-                  </a:ext>
-                </a:extLst>
-              </a:tr>
-              <a:tr h="310810">
-                <a:tc>
-                  <a:txBody>
-                    <a:bodyPr/>
-                    <a:lstStyle/>
-                    <a:p>
-                      <a:pPr algn="r" fontAlgn="ctr"/>
-                      <a:r>
-                        <a:rPr lang="en-US" sz="1500">
-                          <a:effectLst/>
-                        </a:rPr>
-                        <a:t>DC</a:t>
-                      </a:r>
-                    </a:p>
-                  </a:txBody>
-                  <a:tcPr marL="77702" marR="77702" marT="38851" marB="38851" anchor="ctr">
-                    <a:lnL>
-                      <a:noFill/>
-                    </a:lnL>
-                    <a:lnR>
-                      <a:noFill/>
-                    </a:lnR>
-                    <a:lnT>
-                      <a:noFill/>
-                    </a:lnT>
-                    <a:lnB>
-                      <a:noFill/>
-                    </a:lnB>
-                    <a:solidFill>
-                      <a:srgbClr val="FFFFFF"/>
-                    </a:solidFill>
-                  </a:tcPr>
-                </a:tc>
-                <a:tc>
-                  <a:txBody>
-                    <a:bodyPr/>
-                    <a:lstStyle/>
-                    <a:p>
-                      <a:pPr algn="r" fontAlgn="ctr"/>
-                      <a:r>
-                        <a:rPr lang="en-US" sz="1500">
-                          <a:effectLst/>
-                        </a:rPr>
-                        <a:t>3692</a:t>
-                      </a:r>
-                    </a:p>
-                  </a:txBody>
-                  <a:tcPr marL="77702" marR="77702" marT="38851" marB="38851" anchor="ctr">
-                    <a:lnL>
-                      <a:noFill/>
-                    </a:lnL>
-                    <a:lnR>
-                      <a:noFill/>
-                    </a:lnR>
-                    <a:lnT>
-                      <a:noFill/>
-                    </a:lnT>
-                    <a:lnB>
-                      <a:noFill/>
-                    </a:lnB>
-                    <a:solidFill>
-                      <a:srgbClr val="FFFFFF"/>
-                    </a:solidFill>
-                  </a:tcPr>
-                </a:tc>
-                <a:tc>
-                  <a:txBody>
-                    <a:bodyPr/>
-                    <a:lstStyle/>
-                    <a:p>
-                      <a:pPr algn="r" fontAlgn="ctr"/>
-                      <a:r>
-                        <a:rPr lang="en-US" sz="1500">
-                          <a:effectLst/>
-                        </a:rPr>
-                        <a:t>40045</a:t>
-                      </a:r>
-                    </a:p>
-                  </a:txBody>
-                  <a:tcPr marL="77702" marR="77702" marT="38851" marB="38851" anchor="ctr">
-                    <a:lnL>
-                      <a:noFill/>
-                    </a:lnL>
-                    <a:lnR>
-                      <a:noFill/>
-                    </a:lnR>
-                    <a:lnT>
-                      <a:noFill/>
-                    </a:lnT>
-                    <a:lnB>
-                      <a:noFill/>
-                    </a:lnB>
-                    <a:solidFill>
-                      <a:srgbClr val="FFFFFF"/>
-                    </a:solidFill>
-                  </a:tcPr>
-                </a:tc>
-                <a:extLst>
-                  <a:ext uri="{0D108BD9-81ED-4DB2-BD59-A6C34878D82A}">
-                    <a16:rowId xmlns:a16="http://schemas.microsoft.com/office/drawing/2014/main" val="2849506192"/>
-                  </a:ext>
-                </a:extLst>
-              </a:tr>
-              <a:tr h="310810">
-                <a:tc>
-                  <a:txBody>
-                    <a:bodyPr/>
-                    <a:lstStyle/>
-                    <a:p>
-                      <a:pPr algn="r" fontAlgn="ctr"/>
-                      <a:r>
-                        <a:rPr lang="en-US" sz="1500">
-                          <a:effectLst/>
-                        </a:rPr>
-                        <a:t>CA</a:t>
-                      </a:r>
-                    </a:p>
-                  </a:txBody>
-                  <a:tcPr marL="77702" marR="77702" marT="38851" marB="38851" anchor="ctr">
-                    <a:lnL>
-                      <a:noFill/>
-                    </a:lnL>
-                    <a:lnR>
-                      <a:noFill/>
-                    </a:lnR>
-                    <a:lnT>
-                      <a:noFill/>
-                    </a:lnT>
-                    <a:lnB>
-                      <a:noFill/>
-                    </a:lnB>
-                    <a:solidFill>
-                      <a:srgbClr val="F5F5F5"/>
-                    </a:solidFill>
-                  </a:tcPr>
-                </a:tc>
-                <a:tc>
-                  <a:txBody>
-                    <a:bodyPr/>
-                    <a:lstStyle/>
-                    <a:p>
-                      <a:pPr algn="r" fontAlgn="ctr"/>
-                      <a:r>
-                        <a:rPr lang="en-US" sz="1500">
-                          <a:effectLst/>
-                        </a:rPr>
-                        <a:t>37181</a:t>
-                      </a:r>
-                    </a:p>
-                  </a:txBody>
-                  <a:tcPr marL="77702" marR="77702" marT="38851" marB="38851" anchor="ctr">
-                    <a:lnL>
-                      <a:noFill/>
-                    </a:lnL>
-                    <a:lnR>
-                      <a:noFill/>
-                    </a:lnR>
-                    <a:lnT>
-                      <a:noFill/>
-                    </a:lnT>
-                    <a:lnB>
-                      <a:noFill/>
-                    </a:lnB>
-                    <a:solidFill>
-                      <a:srgbClr val="F5F5F5"/>
-                    </a:solidFill>
-                  </a:tcPr>
-                </a:tc>
-                <a:tc>
-                  <a:txBody>
-                    <a:bodyPr/>
-                    <a:lstStyle/>
-                    <a:p>
-                      <a:pPr algn="r" fontAlgn="ctr"/>
-                      <a:r>
-                        <a:rPr lang="en-US" sz="1500">
-                          <a:effectLst/>
-                        </a:rPr>
-                        <a:t>46208</a:t>
-                      </a:r>
-                    </a:p>
-                  </a:txBody>
-                  <a:tcPr marL="77702" marR="77702" marT="38851" marB="38851" anchor="ctr">
-                    <a:lnL>
-                      <a:noFill/>
-                    </a:lnL>
-                    <a:lnR>
-                      <a:noFill/>
-                    </a:lnR>
-                    <a:lnT>
-                      <a:noFill/>
-                    </a:lnT>
-                    <a:lnB>
-                      <a:noFill/>
-                    </a:lnB>
-                    <a:solidFill>
-                      <a:srgbClr val="F5F5F5"/>
-                    </a:solidFill>
-                  </a:tcPr>
-                </a:tc>
-                <a:extLst>
-                  <a:ext uri="{0D108BD9-81ED-4DB2-BD59-A6C34878D82A}">
-                    <a16:rowId xmlns:a16="http://schemas.microsoft.com/office/drawing/2014/main" val="1320805898"/>
-                  </a:ext>
-                </a:extLst>
-              </a:tr>
-              <a:tr h="310810">
-                <a:tc>
-                  <a:txBody>
-                    <a:bodyPr/>
-                    <a:lstStyle/>
-                    <a:p>
-                      <a:pPr algn="r" fontAlgn="ctr"/>
-                      <a:r>
-                        <a:rPr lang="en-US" sz="1500">
-                          <a:effectLst/>
-                        </a:rPr>
-                        <a:t>IL</a:t>
-                      </a:r>
-                    </a:p>
-                  </a:txBody>
-                  <a:tcPr marL="77702" marR="77702" marT="38851" marB="38851" anchor="ctr">
-                    <a:lnL>
-                      <a:noFill/>
-                    </a:lnL>
-                    <a:lnR>
-                      <a:noFill/>
-                    </a:lnR>
-                    <a:lnT>
-                      <a:noFill/>
-                    </a:lnT>
-                    <a:lnB>
-                      <a:noFill/>
-                    </a:lnB>
-                    <a:solidFill>
-                      <a:srgbClr val="FFFFFF"/>
-                    </a:solidFill>
-                  </a:tcPr>
-                </a:tc>
-                <a:tc>
-                  <a:txBody>
-                    <a:bodyPr/>
-                    <a:lstStyle/>
-                    <a:p>
-                      <a:pPr algn="r" fontAlgn="ctr"/>
-                      <a:r>
-                        <a:rPr lang="en-US" sz="1500">
-                          <a:effectLst/>
-                        </a:rPr>
-                        <a:t>9361</a:t>
-                      </a:r>
-                    </a:p>
-                  </a:txBody>
-                  <a:tcPr marL="77702" marR="77702" marT="38851" marB="38851" anchor="ctr">
-                    <a:lnL>
-                      <a:noFill/>
-                    </a:lnL>
-                    <a:lnR>
-                      <a:noFill/>
-                    </a:lnR>
-                    <a:lnT>
-                      <a:noFill/>
-                    </a:lnT>
-                    <a:lnB>
-                      <a:noFill/>
-                    </a:lnB>
-                    <a:solidFill>
-                      <a:srgbClr val="FFFFFF"/>
-                    </a:solidFill>
-                  </a:tcPr>
-                </a:tc>
-                <a:tc>
-                  <a:txBody>
-                    <a:bodyPr/>
-                    <a:lstStyle/>
-                    <a:p>
-                      <a:pPr algn="r" fontAlgn="ctr"/>
-                      <a:r>
-                        <a:rPr lang="en-US" sz="1500">
-                          <a:effectLst/>
-                        </a:rPr>
-                        <a:t>47264</a:t>
-                      </a:r>
-                    </a:p>
-                  </a:txBody>
-                  <a:tcPr marL="77702" marR="77702" marT="38851" marB="38851" anchor="ctr">
-                    <a:lnL>
-                      <a:noFill/>
-                    </a:lnL>
-                    <a:lnR>
-                      <a:noFill/>
-                    </a:lnR>
-                    <a:lnT>
-                      <a:noFill/>
-                    </a:lnT>
-                    <a:lnB>
-                      <a:noFill/>
-                    </a:lnB>
-                    <a:solidFill>
-                      <a:srgbClr val="FFFFFF"/>
-                    </a:solidFill>
-                  </a:tcPr>
-                </a:tc>
-                <a:extLst>
-                  <a:ext uri="{0D108BD9-81ED-4DB2-BD59-A6C34878D82A}">
-                    <a16:rowId xmlns:a16="http://schemas.microsoft.com/office/drawing/2014/main" val="3805146340"/>
-                  </a:ext>
-                </a:extLst>
-              </a:tr>
-              <a:tr h="310810">
-                <a:tc>
-                  <a:txBody>
-                    <a:bodyPr/>
-                    <a:lstStyle/>
-                    <a:p>
-                      <a:pPr algn="r" fontAlgn="ctr"/>
-                      <a:r>
-                        <a:rPr lang="en-US" sz="1500" dirty="0">
-                          <a:effectLst/>
-                        </a:rPr>
-                        <a:t>NY</a:t>
-                      </a:r>
-                    </a:p>
-                  </a:txBody>
-                  <a:tcPr marL="77702" marR="77702" marT="38851" marB="38851" anchor="ctr">
-                    <a:lnL>
-                      <a:noFill/>
-                    </a:lnL>
-                    <a:lnR>
-                      <a:noFill/>
-                    </a:lnR>
-                    <a:lnT>
-                      <a:noFill/>
-                    </a:lnT>
-                    <a:lnB>
-                      <a:noFill/>
-                    </a:lnB>
-                    <a:solidFill>
-                      <a:srgbClr val="F5F5F5"/>
-                    </a:solidFill>
-                  </a:tcPr>
-                </a:tc>
-                <a:tc>
-                  <a:txBody>
-                    <a:bodyPr/>
-                    <a:lstStyle/>
-                    <a:p>
-                      <a:pPr algn="r" fontAlgn="ctr"/>
-                      <a:r>
-                        <a:rPr lang="en-US" sz="1500">
-                          <a:effectLst/>
-                        </a:rPr>
-                        <a:t>13967</a:t>
-                      </a:r>
-                    </a:p>
-                  </a:txBody>
-                  <a:tcPr marL="77702" marR="77702" marT="38851" marB="38851" anchor="ctr">
-                    <a:lnL>
-                      <a:noFill/>
-                    </a:lnL>
-                    <a:lnR>
-                      <a:noFill/>
-                    </a:lnR>
-                    <a:lnT>
-                      <a:noFill/>
-                    </a:lnT>
-                    <a:lnB>
-                      <a:noFill/>
-                    </a:lnB>
-                    <a:solidFill>
-                      <a:srgbClr val="F5F5F5"/>
-                    </a:solidFill>
-                  </a:tcPr>
-                </a:tc>
-                <a:tc>
-                  <a:txBody>
-                    <a:bodyPr/>
-                    <a:lstStyle/>
-                    <a:p>
-                      <a:pPr algn="r" fontAlgn="ctr"/>
-                      <a:r>
-                        <a:rPr lang="en-US" sz="1500" dirty="0">
-                          <a:effectLst/>
-                        </a:rPr>
-                        <a:t>85918</a:t>
-                      </a:r>
-                    </a:p>
-                  </a:txBody>
-                  <a:tcPr marL="77702" marR="77702" marT="38851" marB="38851" anchor="ctr">
-                    <a:lnL>
-                      <a:noFill/>
-                    </a:lnL>
-                    <a:lnR>
-                      <a:noFill/>
-                    </a:lnR>
-                    <a:lnT>
-                      <a:noFill/>
-                    </a:lnT>
-                    <a:lnB>
-                      <a:noFill/>
-                    </a:lnB>
-                    <a:solidFill>
-                      <a:srgbClr val="F5F5F5"/>
-                    </a:solidFill>
-                  </a:tcPr>
-                </a:tc>
-                <a:extLst>
-                  <a:ext uri="{0D108BD9-81ED-4DB2-BD59-A6C34878D82A}">
-                    <a16:rowId xmlns:a16="http://schemas.microsoft.com/office/drawing/2014/main" val="2864465147"/>
-                  </a:ext>
-                </a:extLst>
-              </a:tr>
-            </a:tbl>
-          </a:graphicData>
-        </a:graphic>
-      </p:graphicFrame>
+          <p:cNvPicPr>
+            <a:picLocks noChangeAspect="1" noChangeArrowheads="1"/>
+          </p:cNvPicPr>
+          <p:nvPr/>
+        </p:nvPicPr>
+        <p:blipFill>
+          <a:blip r:embed="rId4">
+            <a:extLst>
+              <a:ext uri="{28A0092B-C50C-407E-A947-70E740481C1C}">
+                <a14:useLocalDpi xmlns:a14="http://schemas.microsoft.com/office/drawing/2010/main" val="0"/>
+              </a:ext>
+            </a:extLst>
+          </a:blip>
+          <a:srcRect/>
+          <a:stretch>
+            <a:fillRect/>
+          </a:stretch>
+        </p:blipFill>
+        <p:spPr bwMode="auto">
+          <a:xfrm>
+            <a:off x="6018360" y="1820331"/>
+            <a:ext cx="5889001" cy="3488787"/>
+          </a:xfrm>
+          <a:prstGeom prst="rect">
+            <a:avLst/>
+          </a:prstGeom>
+          <a:noFill/>
+          <a:extLst>
+            <a:ext uri="{909E8E84-426E-40DD-AFC4-6F175D3DCCD1}">
+              <a14:hiddenFill xmlns:a14="http://schemas.microsoft.com/office/drawing/2010/main">
+                <a:solidFill>
+                  <a:srgbClr val="FFFFFF"/>
+                </a:solidFill>
+              </a14:hiddenFill>
+            </a:ext>
+          </a:extLst>
+        </p:spPr>
+      </p:pic>
     </p:spTree>
     <p:extLst>
       <p:ext uri="{BB962C8B-B14F-4D97-AF65-F5344CB8AC3E}">

--- a/EDA G2M Insight Cab Investment - Presentation.pptx
+++ b/EDA G2M Insight Cab Investment - Presentation.pptx
@@ -16,8 +16,9 @@
     <p:sldId id="276" r:id="rId10"/>
     <p:sldId id="278" r:id="rId11"/>
     <p:sldId id="279" r:id="rId12"/>
-    <p:sldId id="269" r:id="rId13"/>
-    <p:sldId id="268" r:id="rId14"/>
+    <p:sldId id="280" r:id="rId13"/>
+    <p:sldId id="269" r:id="rId14"/>
+    <p:sldId id="268" r:id="rId15"/>
   </p:sldIdLst>
   <p:sldSz cx="12192000" cy="6858000"/>
   <p:notesSz cx="6858000" cy="9144000"/>
@@ -253,7 +254,7 @@
           <a:p>
             <a:fld id="{C764DE79-268F-4C1A-8933-263129D2AF90}" type="datetimeFigureOut">
               <a:rPr lang="en-US" dirty="0"/>
-              <a:t>9/21/2023</a:t>
+              <a:t>9/22/2023</a:t>
             </a:fld>
             <a:endParaRPr lang="en-US"/>
           </a:p>
@@ -421,7 +422,7 @@
           <a:p>
             <a:fld id="{C764DE79-268F-4C1A-8933-263129D2AF90}" type="datetimeFigureOut">
               <a:rPr lang="en-US" dirty="0"/>
-              <a:t>9/21/2023</a:t>
+              <a:t>9/22/2023</a:t>
             </a:fld>
             <a:endParaRPr lang="en-US"/>
           </a:p>
@@ -599,7 +600,7 @@
           <a:p>
             <a:fld id="{C764DE79-268F-4C1A-8933-263129D2AF90}" type="datetimeFigureOut">
               <a:rPr lang="en-US" dirty="0"/>
-              <a:t>9/21/2023</a:t>
+              <a:t>9/22/2023</a:t>
             </a:fld>
             <a:endParaRPr lang="en-US"/>
           </a:p>
@@ -767,7 +768,7 @@
           <a:p>
             <a:fld id="{C764DE79-268F-4C1A-8933-263129D2AF90}" type="datetimeFigureOut">
               <a:rPr lang="en-US" dirty="0"/>
-              <a:t>9/21/2023</a:t>
+              <a:t>9/22/2023</a:t>
             </a:fld>
             <a:endParaRPr lang="en-US"/>
           </a:p>
@@ -1012,7 +1013,7 @@
           <a:p>
             <a:fld id="{C764DE79-268F-4C1A-8933-263129D2AF90}" type="datetimeFigureOut">
               <a:rPr lang="en-US" dirty="0"/>
-              <a:t>9/21/2023</a:t>
+              <a:t>9/22/2023</a:t>
             </a:fld>
             <a:endParaRPr lang="en-US"/>
           </a:p>
@@ -1241,7 +1242,7 @@
           <a:p>
             <a:fld id="{C764DE79-268F-4C1A-8933-263129D2AF90}" type="datetimeFigureOut">
               <a:rPr lang="en-US" dirty="0"/>
-              <a:t>9/21/2023</a:t>
+              <a:t>9/22/2023</a:t>
             </a:fld>
             <a:endParaRPr lang="en-US"/>
           </a:p>
@@ -1605,7 +1606,7 @@
           <a:p>
             <a:fld id="{C764DE79-268F-4C1A-8933-263129D2AF90}" type="datetimeFigureOut">
               <a:rPr lang="en-US" dirty="0"/>
-              <a:t>9/21/2023</a:t>
+              <a:t>9/22/2023</a:t>
             </a:fld>
             <a:endParaRPr lang="en-US"/>
           </a:p>
@@ -1722,7 +1723,7 @@
           <a:p>
             <a:fld id="{C764DE79-268F-4C1A-8933-263129D2AF90}" type="datetimeFigureOut">
               <a:rPr lang="en-US" dirty="0"/>
-              <a:t>9/21/2023</a:t>
+              <a:t>9/22/2023</a:t>
             </a:fld>
             <a:endParaRPr lang="en-US"/>
           </a:p>
@@ -1817,7 +1818,7 @@
           <a:p>
             <a:fld id="{C764DE79-268F-4C1A-8933-263129D2AF90}" type="datetimeFigureOut">
               <a:rPr lang="en-US" dirty="0"/>
-              <a:t>9/21/2023</a:t>
+              <a:t>9/22/2023</a:t>
             </a:fld>
             <a:endParaRPr lang="en-US"/>
           </a:p>
@@ -2092,7 +2093,7 @@
           <a:p>
             <a:fld id="{C764DE79-268F-4C1A-8933-263129D2AF90}" type="datetimeFigureOut">
               <a:rPr lang="en-US" dirty="0"/>
-              <a:t>9/21/2023</a:t>
+              <a:t>9/22/2023</a:t>
             </a:fld>
             <a:endParaRPr lang="en-US"/>
           </a:p>
@@ -2347,7 +2348,7 @@
           <a:p>
             <a:fld id="{C764DE79-268F-4C1A-8933-263129D2AF90}" type="datetimeFigureOut">
               <a:rPr lang="en-US" dirty="0"/>
-              <a:t>9/21/2023</a:t>
+              <a:t>9/22/2023</a:t>
             </a:fld>
             <a:endParaRPr lang="en-US"/>
           </a:p>
@@ -2558,7 +2559,7 @@
           <a:p>
             <a:fld id="{C764DE79-268F-4C1A-8933-263129D2AF90}" type="datetimeFigureOut">
               <a:rPr lang="en-US" dirty="0"/>
-              <a:t>9/21/2023</a:t>
+              <a:t>9/22/2023</a:t>
             </a:fld>
             <a:endParaRPr lang="en-US"/>
           </a:p>
@@ -3301,7 +3302,7 @@
                   <a:srgbClr val="FF6600"/>
                 </a:solidFill>
               </a:rPr>
-              <a:t>Recommendation</a:t>
+              <a:t>Summary</a:t>
             </a:r>
           </a:p>
         </p:txBody>
@@ -3379,6 +3380,1014 @@
             </a:endParaRPr>
           </a:p>
           <a:p>
+            <a:endParaRPr lang="en-US" dirty="0">
+              <a:solidFill>
+                <a:srgbClr val="FF6600"/>
+              </a:solidFill>
+            </a:endParaRPr>
+          </a:p>
+          <a:p>
+            <a:endParaRPr lang="en-US" dirty="0">
+              <a:solidFill>
+                <a:srgbClr val="FF6600"/>
+              </a:solidFill>
+            </a:endParaRPr>
+          </a:p>
+        </p:txBody>
+      </p:sp>
+      <p:pic>
+        <p:nvPicPr>
+          <p:cNvPr id="4" name="Picture 3">
+            <a:extLst>
+              <a:ext uri="{FF2B5EF4-FFF2-40B4-BE49-F238E27FC236}">
+                <a16:creationId xmlns:a16="http://schemas.microsoft.com/office/drawing/2014/main" id="{7A465064-0714-5743-882B-8875105A7023}"/>
+              </a:ext>
+            </a:extLst>
+          </p:cNvPr>
+          <p:cNvPicPr>
+            <a:picLocks noChangeAspect="1"/>
+          </p:cNvPicPr>
+          <p:nvPr/>
+        </p:nvPicPr>
+        <p:blipFill>
+          <a:blip r:embed="rId2" cstate="print">
+            <a:extLst>
+              <a:ext uri="{28A0092B-C50C-407E-A947-70E740481C1C}">
+                <a14:useLocalDpi xmlns:a14="http://schemas.microsoft.com/office/drawing/2010/main" val="0"/>
+              </a:ext>
+            </a:extLst>
+          </a:blip>
+          <a:stretch>
+            <a:fillRect/>
+          </a:stretch>
+        </p:blipFill>
+        <p:spPr>
+          <a:xfrm>
+            <a:off x="0" y="5863771"/>
+            <a:ext cx="1654627" cy="994232"/>
+          </a:xfrm>
+          <a:prstGeom prst="rect">
+            <a:avLst/>
+          </a:prstGeom>
+        </p:spPr>
+      </p:pic>
+      <p:grpSp>
+        <p:nvGrpSpPr>
+          <p:cNvPr id="5" name="Group 4">
+            <a:extLst>
+              <a:ext uri="{FF2B5EF4-FFF2-40B4-BE49-F238E27FC236}">
+                <a16:creationId xmlns:a16="http://schemas.microsoft.com/office/drawing/2014/main" id="{799C73C7-CAED-2EA9-FC05-4D415B61B5AB}"/>
+              </a:ext>
+            </a:extLst>
+          </p:cNvPr>
+          <p:cNvGrpSpPr/>
+          <p:nvPr/>
+        </p:nvGrpSpPr>
+        <p:grpSpPr>
+          <a:xfrm>
+            <a:off x="5733141" y="0"/>
+            <a:ext cx="1068819" cy="1186121"/>
+            <a:chOff x="291920" y="1213944"/>
+            <a:chExt cx="1600180" cy="1775800"/>
+          </a:xfrm>
+        </p:grpSpPr>
+        <p:pic>
+          <p:nvPicPr>
+            <p:cNvPr id="6" name="Graphic 5" descr="Supply And Demand with solid fill">
+              <a:extLst>
+                <a:ext uri="{FF2B5EF4-FFF2-40B4-BE49-F238E27FC236}">
+                  <a16:creationId xmlns:a16="http://schemas.microsoft.com/office/drawing/2014/main" id="{E026AA30-08E0-5DBB-E0E8-C791C3149046}"/>
+                </a:ext>
+              </a:extLst>
+            </p:cNvPr>
+            <p:cNvPicPr>
+              <a:picLocks noChangeAspect="1"/>
+            </p:cNvPicPr>
+            <p:nvPr/>
+          </p:nvPicPr>
+          <p:blipFill>
+            <a:blip r:embed="rId3">
+              <a:extLst>
+                <a:ext uri="{28A0092B-C50C-407E-A947-70E740481C1C}">
+                  <a14:useLocalDpi xmlns:a14="http://schemas.microsoft.com/office/drawing/2010/main" val="0"/>
+                </a:ext>
+                <a:ext uri="{96DAC541-7B7A-43D3-8B79-37D633B846F1}">
+                  <asvg:svgBlip xmlns:asvg="http://schemas.microsoft.com/office/drawing/2016/SVG/main" r:embed="rId4"/>
+                </a:ext>
+              </a:extLst>
+            </a:blip>
+            <a:stretch>
+              <a:fillRect/>
+            </a:stretch>
+          </p:blipFill>
+          <p:spPr>
+            <a:xfrm>
+              <a:off x="365235" y="1213944"/>
+              <a:ext cx="1361090" cy="1361090"/>
+            </a:xfrm>
+            <a:prstGeom prst="rect">
+              <a:avLst/>
+            </a:prstGeom>
+          </p:spPr>
+        </p:pic>
+        <p:sp>
+          <p:nvSpPr>
+            <p:cNvPr id="7" name="TextBox 6">
+              <a:extLst>
+                <a:ext uri="{FF2B5EF4-FFF2-40B4-BE49-F238E27FC236}">
+                  <a16:creationId xmlns:a16="http://schemas.microsoft.com/office/drawing/2014/main" id="{0B5C205C-17A8-A7B9-8134-073020A058CA}"/>
+                </a:ext>
+              </a:extLst>
+            </p:cNvPr>
+            <p:cNvSpPr txBox="1"/>
+            <p:nvPr/>
+          </p:nvSpPr>
+          <p:spPr>
+            <a:xfrm>
+              <a:off x="291920" y="2575035"/>
+              <a:ext cx="1600180" cy="414709"/>
+            </a:xfrm>
+            <a:prstGeom prst="rect">
+              <a:avLst/>
+            </a:prstGeom>
+            <a:noFill/>
+          </p:spPr>
+          <p:txBody>
+            <a:bodyPr wrap="none" rtlCol="0">
+              <a:spAutoFit/>
+            </a:bodyPr>
+            <a:lstStyle/>
+            <a:p>
+              <a:r>
+                <a:rPr lang="en-US" sz="1200" dirty="0"/>
+                <a:t>Profit Analysis</a:t>
+              </a:r>
+            </a:p>
+          </p:txBody>
+        </p:sp>
+      </p:grpSp>
+      <p:sp>
+        <p:nvSpPr>
+          <p:cNvPr id="8" name="TextBox 7">
+            <a:extLst>
+              <a:ext uri="{FF2B5EF4-FFF2-40B4-BE49-F238E27FC236}">
+                <a16:creationId xmlns:a16="http://schemas.microsoft.com/office/drawing/2014/main" id="{54F588E4-CC0A-9226-4BC3-2C0BF84A8810}"/>
+              </a:ext>
+            </a:extLst>
+          </p:cNvPr>
+          <p:cNvSpPr txBox="1"/>
+          <p:nvPr/>
+        </p:nvSpPr>
+        <p:spPr>
+          <a:xfrm>
+            <a:off x="6923269" y="324346"/>
+            <a:ext cx="4580754" cy="584775"/>
+          </a:xfrm>
+          <a:prstGeom prst="rect">
+            <a:avLst/>
+          </a:prstGeom>
+          <a:noFill/>
+        </p:spPr>
+        <p:txBody>
+          <a:bodyPr wrap="square" rtlCol="0">
+            <a:spAutoFit/>
+          </a:bodyPr>
+          <a:lstStyle/>
+          <a:p>
+            <a:pPr algn="just"/>
+            <a:r>
+              <a:rPr lang="en-US" sz="1600" dirty="0">
+                <a:solidFill>
+                  <a:srgbClr val="FF6600"/>
+                </a:solidFill>
+              </a:rPr>
+              <a:t>Yellow Cab has slightly higher YoY Profits entering 2017, but a smaller loss than Pink Cab entering 2018.</a:t>
+            </a:r>
+          </a:p>
+        </p:txBody>
+      </p:sp>
+      <p:grpSp>
+        <p:nvGrpSpPr>
+          <p:cNvPr id="9" name="Group 8">
+            <a:extLst>
+              <a:ext uri="{FF2B5EF4-FFF2-40B4-BE49-F238E27FC236}">
+                <a16:creationId xmlns:a16="http://schemas.microsoft.com/office/drawing/2014/main" id="{30B53101-2D28-9FA4-75F3-3EEF89490834}"/>
+              </a:ext>
+            </a:extLst>
+          </p:cNvPr>
+          <p:cNvGrpSpPr/>
+          <p:nvPr/>
+        </p:nvGrpSpPr>
+        <p:grpSpPr>
+          <a:xfrm>
+            <a:off x="5663057" y="1257037"/>
+            <a:ext cx="1208985" cy="1279693"/>
+            <a:chOff x="2343300" y="1319549"/>
+            <a:chExt cx="1520546" cy="1609477"/>
+          </a:xfrm>
+        </p:grpSpPr>
+        <p:pic>
+          <p:nvPicPr>
+            <p:cNvPr id="10" name="Graphic 9" descr="Venn diagram outline">
+              <a:extLst>
+                <a:ext uri="{FF2B5EF4-FFF2-40B4-BE49-F238E27FC236}">
+                  <a16:creationId xmlns:a16="http://schemas.microsoft.com/office/drawing/2014/main" id="{2A2FA8B0-45AB-276C-A3C3-D263C1F1CBAB}"/>
+                </a:ext>
+              </a:extLst>
+            </p:cNvPr>
+            <p:cNvPicPr>
+              <a:picLocks noChangeAspect="1"/>
+            </p:cNvPicPr>
+            <p:nvPr/>
+          </p:nvPicPr>
+          <p:blipFill>
+            <a:blip r:embed="rId5">
+              <a:extLst>
+                <a:ext uri="{28A0092B-C50C-407E-A947-70E740481C1C}">
+                  <a14:useLocalDpi xmlns:a14="http://schemas.microsoft.com/office/drawing/2010/main" val="0"/>
+                </a:ext>
+                <a:ext uri="{96DAC541-7B7A-43D3-8B79-37D633B846F1}">
+                  <asvg:svgBlip xmlns:asvg="http://schemas.microsoft.com/office/drawing/2016/SVG/main" r:embed="rId6"/>
+                </a:ext>
+              </a:extLst>
+            </a:blip>
+            <a:stretch>
+              <a:fillRect/>
+            </a:stretch>
+          </p:blipFill>
+          <p:spPr>
+            <a:xfrm>
+              <a:off x="2580289" y="1319549"/>
+              <a:ext cx="1171903" cy="1171903"/>
+            </a:xfrm>
+            <a:prstGeom prst="rect">
+              <a:avLst/>
+            </a:prstGeom>
+          </p:spPr>
+        </p:pic>
+        <p:sp>
+          <p:nvSpPr>
+            <p:cNvPr id="11" name="TextBox 10">
+              <a:extLst>
+                <a:ext uri="{FF2B5EF4-FFF2-40B4-BE49-F238E27FC236}">
+                  <a16:creationId xmlns:a16="http://schemas.microsoft.com/office/drawing/2014/main" id="{4F0C93B2-46E9-3031-837D-F73036936BF4}"/>
+                </a:ext>
+              </a:extLst>
+            </p:cNvPr>
+            <p:cNvSpPr txBox="1"/>
+            <p:nvPr/>
+          </p:nvSpPr>
+          <p:spPr>
+            <a:xfrm>
+              <a:off x="2343300" y="2580643"/>
+              <a:ext cx="1520546" cy="348383"/>
+            </a:xfrm>
+            <a:prstGeom prst="rect">
+              <a:avLst/>
+            </a:prstGeom>
+            <a:noFill/>
+          </p:spPr>
+          <p:txBody>
+            <a:bodyPr wrap="none" rtlCol="0">
+              <a:spAutoFit/>
+            </a:bodyPr>
+            <a:lstStyle/>
+            <a:p>
+              <a:r>
+                <a:rPr lang="en-US" sz="1200" dirty="0"/>
+                <a:t>City Comparison</a:t>
+              </a:r>
+            </a:p>
+          </p:txBody>
+        </p:sp>
+      </p:grpSp>
+      <p:sp>
+        <p:nvSpPr>
+          <p:cNvPr id="12" name="TextBox 11">
+            <a:extLst>
+              <a:ext uri="{FF2B5EF4-FFF2-40B4-BE49-F238E27FC236}">
+                <a16:creationId xmlns:a16="http://schemas.microsoft.com/office/drawing/2014/main" id="{6258B6C0-5F8F-D770-9438-289BAA9FE626}"/>
+              </a:ext>
+            </a:extLst>
+          </p:cNvPr>
+          <p:cNvSpPr txBox="1"/>
+          <p:nvPr/>
+        </p:nvSpPr>
+        <p:spPr>
+          <a:xfrm>
+            <a:off x="6923269" y="1357819"/>
+            <a:ext cx="4580754" cy="830997"/>
+          </a:xfrm>
+          <a:prstGeom prst="rect">
+            <a:avLst/>
+          </a:prstGeom>
+          <a:noFill/>
+        </p:spPr>
+        <p:txBody>
+          <a:bodyPr wrap="square" rtlCol="0">
+            <a:spAutoFit/>
+          </a:bodyPr>
+          <a:lstStyle/>
+          <a:p>
+            <a:pPr algn="just"/>
+            <a:r>
+              <a:rPr lang="en-US" sz="1600" dirty="0">
+                <a:solidFill>
+                  <a:srgbClr val="FF6600"/>
+                </a:solidFill>
+              </a:rPr>
+              <a:t>Overall, Yellow Cab has more market shares in the major cities in the United States of America, which contributes to more profits and clientele.</a:t>
+            </a:r>
+          </a:p>
+        </p:txBody>
+      </p:sp>
+      <p:grpSp>
+        <p:nvGrpSpPr>
+          <p:cNvPr id="13" name="Group 12">
+            <a:extLst>
+              <a:ext uri="{FF2B5EF4-FFF2-40B4-BE49-F238E27FC236}">
+                <a16:creationId xmlns:a16="http://schemas.microsoft.com/office/drawing/2014/main" id="{8ABC2E8E-F64A-1EF6-E661-64B3D9C2B094}"/>
+              </a:ext>
+            </a:extLst>
+          </p:cNvPr>
+          <p:cNvGrpSpPr/>
+          <p:nvPr/>
+        </p:nvGrpSpPr>
+        <p:grpSpPr>
+          <a:xfrm>
+            <a:off x="5883280" y="2854979"/>
+            <a:ext cx="807953" cy="1069871"/>
+            <a:chOff x="4721118" y="1415457"/>
+            <a:chExt cx="1075995" cy="1424805"/>
+          </a:xfrm>
+        </p:grpSpPr>
+        <p:pic>
+          <p:nvPicPr>
+            <p:cNvPr id="14" name="Graphic 13" descr="Gender outline">
+              <a:extLst>
+                <a:ext uri="{FF2B5EF4-FFF2-40B4-BE49-F238E27FC236}">
+                  <a16:creationId xmlns:a16="http://schemas.microsoft.com/office/drawing/2014/main" id="{A643964D-A0ED-38AF-9FDF-D04A173AD5D5}"/>
+                </a:ext>
+              </a:extLst>
+            </p:cNvPr>
+            <p:cNvPicPr>
+              <a:picLocks noChangeAspect="1"/>
+            </p:cNvPicPr>
+            <p:nvPr/>
+          </p:nvPicPr>
+          <p:blipFill>
+            <a:blip r:embed="rId7">
+              <a:extLst>
+                <a:ext uri="{28A0092B-C50C-407E-A947-70E740481C1C}">
+                  <a14:useLocalDpi xmlns:a14="http://schemas.microsoft.com/office/drawing/2010/main" val="0"/>
+                </a:ext>
+                <a:ext uri="{96DAC541-7B7A-43D3-8B79-37D633B846F1}">
+                  <asvg:svgBlip xmlns:asvg="http://schemas.microsoft.com/office/drawing/2016/SVG/main" r:embed="rId8"/>
+                </a:ext>
+              </a:extLst>
+            </a:blip>
+            <a:stretch>
+              <a:fillRect/>
+            </a:stretch>
+          </p:blipFill>
+          <p:spPr>
+            <a:xfrm>
+              <a:off x="4721118" y="1415457"/>
+              <a:ext cx="1075995" cy="1075995"/>
+            </a:xfrm>
+            <a:prstGeom prst="rect">
+              <a:avLst/>
+            </a:prstGeom>
+          </p:spPr>
+        </p:pic>
+        <p:sp>
+          <p:nvSpPr>
+            <p:cNvPr id="15" name="TextBox 14">
+              <a:extLst>
+                <a:ext uri="{FF2B5EF4-FFF2-40B4-BE49-F238E27FC236}">
+                  <a16:creationId xmlns:a16="http://schemas.microsoft.com/office/drawing/2014/main" id="{40696A12-641C-C5F6-1C04-557EA73432A3}"/>
+                </a:ext>
+              </a:extLst>
+            </p:cNvPr>
+            <p:cNvSpPr txBox="1"/>
+            <p:nvPr/>
+          </p:nvSpPr>
+          <p:spPr>
+            <a:xfrm>
+              <a:off x="4800357" y="2471368"/>
+              <a:ext cx="865024" cy="368894"/>
+            </a:xfrm>
+            <a:prstGeom prst="rect">
+              <a:avLst/>
+            </a:prstGeom>
+            <a:noFill/>
+          </p:spPr>
+          <p:txBody>
+            <a:bodyPr wrap="none" rtlCol="0">
+              <a:spAutoFit/>
+            </a:bodyPr>
+            <a:lstStyle/>
+            <a:p>
+              <a:r>
+                <a:rPr lang="en-US" sz="1200" dirty="0"/>
+                <a:t>Gender</a:t>
+              </a:r>
+            </a:p>
+          </p:txBody>
+        </p:sp>
+      </p:grpSp>
+      <p:sp>
+        <p:nvSpPr>
+          <p:cNvPr id="16" name="TextBox 15">
+            <a:extLst>
+              <a:ext uri="{FF2B5EF4-FFF2-40B4-BE49-F238E27FC236}">
+                <a16:creationId xmlns:a16="http://schemas.microsoft.com/office/drawing/2014/main" id="{11617FA1-5F42-C7B1-9088-9D7FDE722AE0}"/>
+              </a:ext>
+            </a:extLst>
+          </p:cNvPr>
+          <p:cNvSpPr txBox="1"/>
+          <p:nvPr/>
+        </p:nvSpPr>
+        <p:spPr>
+          <a:xfrm>
+            <a:off x="6923269" y="2816854"/>
+            <a:ext cx="4580754" cy="830997"/>
+          </a:xfrm>
+          <a:prstGeom prst="rect">
+            <a:avLst/>
+          </a:prstGeom>
+          <a:noFill/>
+        </p:spPr>
+        <p:txBody>
+          <a:bodyPr wrap="square" rtlCol="0">
+            <a:spAutoFit/>
+          </a:bodyPr>
+          <a:lstStyle/>
+          <a:p>
+            <a:pPr algn="just"/>
+            <a:r>
+              <a:rPr lang="en-US" sz="1600" dirty="0">
+                <a:solidFill>
+                  <a:srgbClr val="FF6600"/>
+                </a:solidFill>
+              </a:rPr>
+              <a:t>Most of the riders are Male, showing an increase of Male and Female passengers in Yellow Cab than its competitor.</a:t>
+            </a:r>
+          </a:p>
+        </p:txBody>
+      </p:sp>
+      <p:grpSp>
+        <p:nvGrpSpPr>
+          <p:cNvPr id="17" name="Group 16">
+            <a:extLst>
+              <a:ext uri="{FF2B5EF4-FFF2-40B4-BE49-F238E27FC236}">
+                <a16:creationId xmlns:a16="http://schemas.microsoft.com/office/drawing/2014/main" id="{105A0E51-3EA9-C762-0A5A-FB66824AF729}"/>
+              </a:ext>
+            </a:extLst>
+          </p:cNvPr>
+          <p:cNvGrpSpPr/>
+          <p:nvPr/>
+        </p:nvGrpSpPr>
+        <p:grpSpPr>
+          <a:xfrm>
+            <a:off x="5863571" y="4262313"/>
+            <a:ext cx="807953" cy="1105155"/>
+            <a:chOff x="1067891" y="3258167"/>
+            <a:chExt cx="1242615" cy="1699704"/>
+          </a:xfrm>
+        </p:grpSpPr>
+        <p:pic>
+          <p:nvPicPr>
+            <p:cNvPr id="18" name="Graphic 17" descr="Man with cane with solid fill">
+              <a:extLst>
+                <a:ext uri="{FF2B5EF4-FFF2-40B4-BE49-F238E27FC236}">
+                  <a16:creationId xmlns:a16="http://schemas.microsoft.com/office/drawing/2014/main" id="{31631C8F-43A1-12A5-2DD2-318F88E2ECAD}"/>
+                </a:ext>
+              </a:extLst>
+            </p:cNvPr>
+            <p:cNvPicPr>
+              <a:picLocks noChangeAspect="1"/>
+            </p:cNvPicPr>
+            <p:nvPr/>
+          </p:nvPicPr>
+          <p:blipFill>
+            <a:blip r:embed="rId9">
+              <a:extLst>
+                <a:ext uri="{28A0092B-C50C-407E-A947-70E740481C1C}">
+                  <a14:useLocalDpi xmlns:a14="http://schemas.microsoft.com/office/drawing/2010/main" val="0"/>
+                </a:ext>
+                <a:ext uri="{96DAC541-7B7A-43D3-8B79-37D633B846F1}">
+                  <asvg:svgBlip xmlns:asvg="http://schemas.microsoft.com/office/drawing/2016/SVG/main" r:embed="rId10"/>
+                </a:ext>
+              </a:extLst>
+            </a:blip>
+            <a:stretch>
+              <a:fillRect/>
+            </a:stretch>
+          </p:blipFill>
+          <p:spPr>
+            <a:xfrm>
+              <a:off x="1067891" y="3258167"/>
+              <a:ext cx="1242615" cy="1242615"/>
+            </a:xfrm>
+            <a:prstGeom prst="rect">
+              <a:avLst/>
+            </a:prstGeom>
+          </p:spPr>
+        </p:pic>
+        <p:sp>
+          <p:nvSpPr>
+            <p:cNvPr id="19" name="TextBox 18">
+              <a:extLst>
+                <a:ext uri="{FF2B5EF4-FFF2-40B4-BE49-F238E27FC236}">
+                  <a16:creationId xmlns:a16="http://schemas.microsoft.com/office/drawing/2014/main" id="{B001A0D9-0C6E-FFEC-0879-7772E2D4DACD}"/>
+                </a:ext>
+              </a:extLst>
+            </p:cNvPr>
+            <p:cNvSpPr txBox="1"/>
+            <p:nvPr/>
+          </p:nvSpPr>
+          <p:spPr>
+            <a:xfrm>
+              <a:off x="1384521" y="4531853"/>
+              <a:ext cx="649383" cy="426018"/>
+            </a:xfrm>
+            <a:prstGeom prst="rect">
+              <a:avLst/>
+            </a:prstGeom>
+            <a:noFill/>
+          </p:spPr>
+          <p:txBody>
+            <a:bodyPr wrap="none" rtlCol="0">
+              <a:spAutoFit/>
+            </a:bodyPr>
+            <a:lstStyle/>
+            <a:p>
+              <a:r>
+                <a:rPr lang="en-US" sz="1200" dirty="0"/>
+                <a:t>Age</a:t>
+              </a:r>
+            </a:p>
+          </p:txBody>
+        </p:sp>
+      </p:grpSp>
+      <p:sp>
+        <p:nvSpPr>
+          <p:cNvPr id="20" name="TextBox 19">
+            <a:extLst>
+              <a:ext uri="{FF2B5EF4-FFF2-40B4-BE49-F238E27FC236}">
+                <a16:creationId xmlns:a16="http://schemas.microsoft.com/office/drawing/2014/main" id="{753BDCB8-B42A-3AAF-42B0-F13133E798F2}"/>
+              </a:ext>
+            </a:extLst>
+          </p:cNvPr>
+          <p:cNvSpPr txBox="1"/>
+          <p:nvPr/>
+        </p:nvSpPr>
+        <p:spPr>
+          <a:xfrm>
+            <a:off x="6923269" y="4207153"/>
+            <a:ext cx="4580754" cy="1077218"/>
+          </a:xfrm>
+          <a:prstGeom prst="rect">
+            <a:avLst/>
+          </a:prstGeom>
+          <a:noFill/>
+        </p:spPr>
+        <p:txBody>
+          <a:bodyPr wrap="square" rtlCol="0">
+            <a:spAutoFit/>
+          </a:bodyPr>
+          <a:lstStyle/>
+          <a:p>
+            <a:pPr algn="just"/>
+            <a:r>
+              <a:rPr lang="en-US" sz="1600" dirty="0">
+                <a:solidFill>
+                  <a:srgbClr val="FF6600"/>
+                </a:solidFill>
+              </a:rPr>
+              <a:t>Yellow Cab targets ages from 18-65 and has more than double customers than Pink Cab in every age category, although both companies see a dramatic drop of customers entering 41 years.</a:t>
+            </a:r>
+          </a:p>
+        </p:txBody>
+      </p:sp>
+      <p:grpSp>
+        <p:nvGrpSpPr>
+          <p:cNvPr id="21" name="Group 20">
+            <a:extLst>
+              <a:ext uri="{FF2B5EF4-FFF2-40B4-BE49-F238E27FC236}">
+                <a16:creationId xmlns:a16="http://schemas.microsoft.com/office/drawing/2014/main" id="{EAE5FA7B-0487-F46D-2E44-E00438FD19B0}"/>
+              </a:ext>
+            </a:extLst>
+          </p:cNvPr>
+          <p:cNvGrpSpPr/>
+          <p:nvPr/>
+        </p:nvGrpSpPr>
+        <p:grpSpPr>
+          <a:xfrm>
+            <a:off x="5693863" y="5621834"/>
+            <a:ext cx="1269707" cy="1126202"/>
+            <a:chOff x="4462412" y="3178393"/>
+            <a:chExt cx="2019062" cy="1790863"/>
+          </a:xfrm>
+        </p:grpSpPr>
+        <p:pic>
+          <p:nvPicPr>
+            <p:cNvPr id="22" name="Graphic 21" descr="Bar chart outline">
+              <a:extLst>
+                <a:ext uri="{FF2B5EF4-FFF2-40B4-BE49-F238E27FC236}">
+                  <a16:creationId xmlns:a16="http://schemas.microsoft.com/office/drawing/2014/main" id="{35C80102-4EDA-5CBD-B281-737CE75E955B}"/>
+                </a:ext>
+              </a:extLst>
+            </p:cNvPr>
+            <p:cNvPicPr>
+              <a:picLocks noChangeAspect="1"/>
+            </p:cNvPicPr>
+            <p:nvPr/>
+          </p:nvPicPr>
+          <p:blipFill>
+            <a:blip r:embed="rId11">
+              <a:extLst>
+                <a:ext uri="{28A0092B-C50C-407E-A947-70E740481C1C}">
+                  <a14:useLocalDpi xmlns:a14="http://schemas.microsoft.com/office/drawing/2010/main" val="0"/>
+                </a:ext>
+                <a:ext uri="{96DAC541-7B7A-43D3-8B79-37D633B846F1}">
+                  <asvg:svgBlip xmlns:asvg="http://schemas.microsoft.com/office/drawing/2016/SVG/main" r:embed="rId12"/>
+                </a:ext>
+              </a:extLst>
+            </a:blip>
+            <a:stretch>
+              <a:fillRect/>
+            </a:stretch>
+          </p:blipFill>
+          <p:spPr>
+            <a:xfrm>
+              <a:off x="4770865" y="3178393"/>
+              <a:ext cx="1402162" cy="1402162"/>
+            </a:xfrm>
+            <a:prstGeom prst="rect">
+              <a:avLst/>
+            </a:prstGeom>
+          </p:spPr>
+        </p:pic>
+        <p:sp>
+          <p:nvSpPr>
+            <p:cNvPr id="23" name="TextBox 22">
+              <a:extLst>
+                <a:ext uri="{FF2B5EF4-FFF2-40B4-BE49-F238E27FC236}">
+                  <a16:creationId xmlns:a16="http://schemas.microsoft.com/office/drawing/2014/main" id="{5495EB19-70BC-A7DE-63F5-FB53343CABB8}"/>
+                </a:ext>
+              </a:extLst>
+            </p:cNvPr>
+            <p:cNvSpPr txBox="1"/>
+            <p:nvPr/>
+          </p:nvSpPr>
+          <p:spPr>
+            <a:xfrm>
+              <a:off x="4462412" y="4528778"/>
+              <a:ext cx="2019062" cy="440478"/>
+            </a:xfrm>
+            <a:prstGeom prst="rect">
+              <a:avLst/>
+            </a:prstGeom>
+            <a:noFill/>
+          </p:spPr>
+          <p:txBody>
+            <a:bodyPr wrap="none" rtlCol="0">
+              <a:spAutoFit/>
+            </a:bodyPr>
+            <a:lstStyle/>
+            <a:p>
+              <a:r>
+                <a:rPr lang="en-US" sz="1200" dirty="0"/>
+                <a:t>Year over Year </a:t>
+              </a:r>
+              <a:r>
+                <a:rPr lang="el-GR" sz="1200" b="1" i="0" dirty="0">
+                  <a:solidFill>
+                    <a:srgbClr val="202124"/>
+                  </a:solidFill>
+                  <a:effectLst/>
+                  <a:latin typeface="Google Sans"/>
+                </a:rPr>
+                <a:t>Δ</a:t>
+              </a:r>
+              <a:r>
+                <a:rPr lang="en-US" sz="1200" b="1" dirty="0">
+                  <a:solidFill>
+                    <a:srgbClr val="202124"/>
+                  </a:solidFill>
+                  <a:latin typeface="Google Sans"/>
+                </a:rPr>
+                <a:t>*</a:t>
+              </a:r>
+              <a:endParaRPr lang="en-US" sz="1200" dirty="0"/>
+            </a:p>
+          </p:txBody>
+        </p:sp>
+      </p:grpSp>
+      <p:sp>
+        <p:nvSpPr>
+          <p:cNvPr id="24" name="TextBox 23">
+            <a:extLst>
+              <a:ext uri="{FF2B5EF4-FFF2-40B4-BE49-F238E27FC236}">
+                <a16:creationId xmlns:a16="http://schemas.microsoft.com/office/drawing/2014/main" id="{6BFD04F9-94F8-9EB7-C9DC-0D2B55441BE5}"/>
+              </a:ext>
+            </a:extLst>
+          </p:cNvPr>
+          <p:cNvSpPr txBox="1"/>
+          <p:nvPr/>
+        </p:nvSpPr>
+        <p:spPr>
+          <a:xfrm>
+            <a:off x="6872042" y="5547829"/>
+            <a:ext cx="4580754" cy="1077218"/>
+          </a:xfrm>
+          <a:prstGeom prst="rect">
+            <a:avLst/>
+          </a:prstGeom>
+          <a:noFill/>
+        </p:spPr>
+        <p:txBody>
+          <a:bodyPr wrap="square" rtlCol="0">
+            <a:spAutoFit/>
+          </a:bodyPr>
+          <a:lstStyle/>
+          <a:p>
+            <a:pPr algn="just"/>
+            <a:r>
+              <a:rPr lang="en-US" sz="1600" dirty="0">
+                <a:solidFill>
+                  <a:srgbClr val="FF6600"/>
+                </a:solidFill>
+              </a:rPr>
+              <a:t>Yellow Cab experiences slightly less customer count on a percentage basis than Pink Cab, and a slightly higher loss of customers entering 2018 than Pink Cab. </a:t>
+            </a:r>
+          </a:p>
+        </p:txBody>
+      </p:sp>
+    </p:spTree>
+    <p:extLst>
+      <p:ext uri="{BB962C8B-B14F-4D97-AF65-F5344CB8AC3E}">
+        <p14:creationId xmlns:p14="http://schemas.microsoft.com/office/powerpoint/2010/main" val="2960931535"/>
+      </p:ext>
+    </p:extLst>
+  </p:cSld>
+  <p:clrMapOvr>
+    <a:masterClrMapping/>
+  </p:clrMapOvr>
+</p:sld>
+</file>
+
+<file path=ppt/slides/slide12.xml><?xml version="1.0" encoding="utf-8"?>
+<p:sld xmlns:a="http://schemas.openxmlformats.org/drawingml/2006/main" xmlns:r="http://schemas.openxmlformats.org/officeDocument/2006/relationships" xmlns:p="http://schemas.openxmlformats.org/presentationml/2006/main">
+  <p:cSld>
+    <p:spTree>
+      <p:nvGrpSpPr>
+        <p:cNvPr id="1" name=""/>
+        <p:cNvGrpSpPr/>
+        <p:nvPr/>
+      </p:nvGrpSpPr>
+      <p:grpSpPr>
+        <a:xfrm>
+          <a:off x="0" y="0"/>
+          <a:ext cx="0" cy="0"/>
+          <a:chOff x="0" y="0"/>
+          <a:chExt cx="0" cy="0"/>
+        </a:xfrm>
+      </p:grpSpPr>
+      <p:sp>
+        <p:nvSpPr>
+          <p:cNvPr id="2" name="Title 1">
+            <a:extLst>
+              <a:ext uri="{FF2B5EF4-FFF2-40B4-BE49-F238E27FC236}">
+                <a16:creationId xmlns:a16="http://schemas.microsoft.com/office/drawing/2014/main" id="{E8B8F26E-9345-4747-9094-972E38700A17}"/>
+              </a:ext>
+            </a:extLst>
+          </p:cNvPr>
+          <p:cNvSpPr>
+            <a:spLocks noGrp="1"/>
+          </p:cNvSpPr>
+          <p:nvPr>
+            <p:ph type="ctrTitle"/>
+          </p:nvPr>
+        </p:nvSpPr>
+        <p:spPr>
+          <a:xfrm rot="5400000">
+            <a:off x="-562431" y="562430"/>
+            <a:ext cx="6858002" cy="5733142"/>
+          </a:xfrm>
+          <a:solidFill>
+            <a:srgbClr val="3B3B3B"/>
+          </a:solidFill>
+        </p:spPr>
+        <p:txBody>
+          <a:bodyPr vert="vert270" anchor="t" anchorCtr="0"/>
+          <a:lstStyle/>
+          <a:p>
+            <a:br>
+              <a:rPr lang="en-US" dirty="0"/>
+            </a:br>
+            <a:br>
+              <a:rPr lang="en-US" dirty="0"/>
+            </a:br>
+            <a:br>
+              <a:rPr lang="en-US" dirty="0"/>
+            </a:br>
+            <a:r>
+              <a:rPr lang="en-US" b="1" dirty="0">
+                <a:solidFill>
+                  <a:srgbClr val="FF6600"/>
+                </a:solidFill>
+              </a:rPr>
+              <a:t>Recommendation</a:t>
+            </a:r>
+          </a:p>
+        </p:txBody>
+      </p:sp>
+      <p:sp>
+        <p:nvSpPr>
+          <p:cNvPr id="3" name="Subtitle 2">
+            <a:extLst>
+              <a:ext uri="{FF2B5EF4-FFF2-40B4-BE49-F238E27FC236}">
+                <a16:creationId xmlns:a16="http://schemas.microsoft.com/office/drawing/2014/main" id="{60B3D5A6-E766-7C41-BD00-B22DA4727FBA}"/>
+              </a:ext>
+            </a:extLst>
+          </p:cNvPr>
+          <p:cNvSpPr>
+            <a:spLocks noGrp="1"/>
+          </p:cNvSpPr>
+          <p:nvPr>
+            <p:ph type="subTitle" idx="1"/>
+          </p:nvPr>
+        </p:nvSpPr>
+        <p:spPr>
+          <a:xfrm rot="5400000">
+            <a:off x="5533569" y="199573"/>
+            <a:ext cx="6858004" cy="6458857"/>
+          </a:xfrm>
+        </p:spPr>
+        <p:txBody>
+          <a:bodyPr vert="vert270">
+            <a:normAutofit/>
+          </a:bodyPr>
+          <a:lstStyle/>
+          <a:p>
+            <a:endParaRPr lang="en-US" dirty="0">
+              <a:solidFill>
+                <a:srgbClr val="FF6600"/>
+              </a:solidFill>
+            </a:endParaRPr>
+          </a:p>
+          <a:p>
+            <a:pPr algn="just"/>
+            <a:r>
+              <a:rPr lang="en-US" dirty="0">
+                <a:solidFill>
+                  <a:srgbClr val="FF6600"/>
+                </a:solidFill>
+              </a:rPr>
+              <a:t>   </a:t>
+            </a:r>
+          </a:p>
+          <a:p>
+            <a:pPr algn="just"/>
+            <a:r>
+              <a:rPr lang="en-US" sz="2800" dirty="0">
+                <a:solidFill>
+                  <a:srgbClr val="FF6600"/>
+                </a:solidFill>
+              </a:rPr>
+              <a:t>Invest in Yellow Cab</a:t>
+            </a:r>
+          </a:p>
+          <a:p>
+            <a:pPr marL="457200" indent="-457200" algn="just">
+              <a:buFont typeface="Arial" panose="020B0604020202020204" pitchFamily="34" charset="0"/>
+              <a:buChar char="•"/>
+            </a:pPr>
+            <a:r>
+              <a:rPr lang="en-US" sz="2800" dirty="0">
+                <a:solidFill>
+                  <a:srgbClr val="FF6600"/>
+                </a:solidFill>
+              </a:rPr>
+              <a:t>Has a higher consumer reach</a:t>
+            </a:r>
+          </a:p>
+          <a:p>
+            <a:pPr marL="457200" indent="-457200" algn="just">
+              <a:buFont typeface="Arial" panose="020B0604020202020204" pitchFamily="34" charset="0"/>
+              <a:buChar char="•"/>
+            </a:pPr>
+            <a:r>
+              <a:rPr lang="en-US" sz="2800" dirty="0">
+                <a:solidFill>
+                  <a:srgbClr val="FF6600"/>
+                </a:solidFill>
+              </a:rPr>
+              <a:t>More profitable</a:t>
+            </a:r>
+          </a:p>
+          <a:p>
+            <a:pPr marL="457200" indent="-457200" algn="just">
+              <a:buFont typeface="Arial" panose="020B0604020202020204" pitchFamily="34" charset="0"/>
+              <a:buChar char="•"/>
+            </a:pPr>
+            <a:r>
+              <a:rPr lang="en-US" sz="2800" dirty="0">
+                <a:solidFill>
+                  <a:srgbClr val="FF6600"/>
+                </a:solidFill>
+              </a:rPr>
+              <a:t>Highly regarded across large age group    </a:t>
+            </a:r>
+          </a:p>
+          <a:p>
+            <a:pPr algn="just"/>
+            <a:r>
+              <a:rPr lang="en-US" sz="2800" dirty="0">
+                <a:solidFill>
+                  <a:srgbClr val="FF6600"/>
+                </a:solidFill>
+              </a:rPr>
+              <a:t>     </a:t>
+            </a:r>
+          </a:p>
+          <a:p>
+            <a:pPr algn="just"/>
+            <a:r>
+              <a:rPr lang="en-US" dirty="0">
+                <a:solidFill>
+                  <a:srgbClr val="FF6600"/>
+                </a:solidFill>
+              </a:rPr>
+              <a:t>Moving Forward</a:t>
+            </a:r>
+          </a:p>
+          <a:p>
+            <a:pPr marL="342900" indent="-342900" algn="just">
+              <a:buFont typeface="Arial" panose="020B0604020202020204" pitchFamily="34" charset="0"/>
+              <a:buChar char="•"/>
+            </a:pPr>
+            <a:r>
+              <a:rPr lang="en-US" dirty="0">
+                <a:solidFill>
+                  <a:srgbClr val="FF6600"/>
+                </a:solidFill>
+              </a:rPr>
+              <a:t>Market expansion into other major cities</a:t>
+            </a:r>
+          </a:p>
+          <a:p>
+            <a:pPr marL="342900" indent="-342900" algn="just">
+              <a:buFont typeface="Arial" panose="020B0604020202020204" pitchFamily="34" charset="0"/>
+              <a:buChar char="•"/>
+            </a:pPr>
+            <a:r>
+              <a:rPr lang="en-US" dirty="0">
+                <a:solidFill>
+                  <a:srgbClr val="FF6600"/>
+                </a:solidFill>
+              </a:rPr>
+              <a:t>Provide incentives for returning customers</a:t>
+            </a:r>
+          </a:p>
+          <a:p>
+            <a:pPr marL="342900" indent="-342900" algn="just">
+              <a:buFont typeface="Arial" panose="020B0604020202020204" pitchFamily="34" charset="0"/>
+              <a:buChar char="•"/>
+            </a:pPr>
+            <a:r>
+              <a:rPr lang="en-US" dirty="0">
+                <a:solidFill>
+                  <a:srgbClr val="FF6600"/>
+                </a:solidFill>
+              </a:rPr>
+              <a:t>Market company to attract customers over the age of 40.</a:t>
+            </a:r>
+          </a:p>
+          <a:p>
+            <a:pPr marL="342900" indent="-342900" algn="just">
+              <a:buFont typeface="Arial" panose="020B0604020202020204" pitchFamily="34" charset="0"/>
+              <a:buChar char="•"/>
+            </a:pPr>
+            <a:r>
+              <a:rPr lang="en-US" dirty="0">
+                <a:solidFill>
+                  <a:srgbClr val="FF6600"/>
+                </a:solidFill>
+              </a:rPr>
+              <a:t>Reduce profit loss by providing a fixed fee for certain distance to cover </a:t>
+            </a:r>
+            <a:r>
+              <a:rPr lang="en-US">
+                <a:solidFill>
+                  <a:srgbClr val="FF6600"/>
+                </a:solidFill>
+              </a:rPr>
+              <a:t>operation expenses.</a:t>
+            </a:r>
             <a:endParaRPr lang="en-US" dirty="0">
               <a:solidFill>
                 <a:srgbClr val="FF6600"/>
@@ -3433,7 +4442,7 @@
     </p:spTree>
     <p:extLst>
       <p:ext uri="{BB962C8B-B14F-4D97-AF65-F5344CB8AC3E}">
-        <p14:creationId xmlns:p14="http://schemas.microsoft.com/office/powerpoint/2010/main" val="2960931535"/>
+        <p14:creationId xmlns:p14="http://schemas.microsoft.com/office/powerpoint/2010/main" val="1498772683"/>
       </p:ext>
     </p:extLst>
   </p:cSld>
@@ -3443,7 +4452,7 @@
 </p:sld>
 </file>
 
-<file path=ppt/slides/slide12.xml><?xml version="1.0" encoding="utf-8"?>
+<file path=ppt/slides/slide13.xml><?xml version="1.0" encoding="utf-8"?>
 <p:sld xmlns:a="http://schemas.openxmlformats.org/drawingml/2006/main" xmlns:r="http://schemas.openxmlformats.org/officeDocument/2006/relationships" xmlns:p="http://schemas.openxmlformats.org/presentationml/2006/main">
   <p:cSld>
     <p:spTree>
@@ -3523,7 +4532,7 @@
 </p:sld>
 </file>
 
-<file path=ppt/slides/slide13.xml><?xml version="1.0" encoding="utf-8"?>
+<file path=ppt/slides/slide14.xml><?xml version="1.0" encoding="utf-8"?>
 <p:sld xmlns:a="http://schemas.openxmlformats.org/drawingml/2006/main" xmlns:r="http://schemas.openxmlformats.org/officeDocument/2006/relationships" xmlns:p="http://schemas.openxmlformats.org/presentationml/2006/main">
   <p:cSld>
     <p:spTree>
@@ -7868,7 +8877,7 @@
           <p:nvPr>
             <p:extLst>
               <p:ext uri="{D42A27DB-BD31-4B8C-83A1-F6EECF244321}">
-                <p14:modId xmlns:p14="http://schemas.microsoft.com/office/powerpoint/2010/main" val="1280364287"/>
+                <p14:modId xmlns:p14="http://schemas.microsoft.com/office/powerpoint/2010/main" val="1683149466"/>
               </p:ext>
             </p:extLst>
           </p:nvPr>
@@ -8694,7 +9703,7 @@
                     <a:p>
                       <a:pPr algn="r" fontAlgn="ctr"/>
                       <a:r>
-                        <a:rPr lang="en-US" sz="1000">
+                        <a:rPr lang="en-US" sz="1000" dirty="0">
                           <a:effectLst/>
                         </a:rPr>
                         <a:t>30502973.80</a:t>
